--- a/rough-diag.pptx
+++ b/rough-diag.pptx
@@ -5,7 +5,7 @@
     <p:sldMasterId id="2147483648" r:id="rId1"/>
   </p:sldMasterIdLst>
   <p:notesMasterIdLst>
-    <p:notesMasterId r:id="rId15"/>
+    <p:notesMasterId r:id="rId17"/>
   </p:notesMasterIdLst>
   <p:sldIdLst>
     <p:sldId id="700" r:id="rId2"/>
@@ -21,6 +21,8 @@
     <p:sldId id="710" r:id="rId12"/>
     <p:sldId id="711" r:id="rId13"/>
     <p:sldId id="712" r:id="rId14"/>
+    <p:sldId id="713" r:id="rId15"/>
+    <p:sldId id="714" r:id="rId16"/>
   </p:sldIdLst>
   <p:sldSz cx="9144000" cy="5715000" type="screen16x10"/>
   <p:notesSz cx="6858000" cy="9144000"/>
@@ -205,7 +207,7 @@
             <a:fld id="{7D8A566C-5138-4135-8B6E-909EC4E2D69D}" type="datetimeFigureOut">
               <a:rPr lang="en-US" smtClean="0"/>
               <a:pPr/>
-              <a:t>7/17/2019</a:t>
+              <a:t>7/18/2019</a:t>
             </a:fld>
             <a:endParaRPr lang="en-US"/>
           </a:p>
@@ -653,7 +655,7 @@
             <a:fld id="{40A6C090-7603-40E1-A38A-09FB9492DEDA}" type="datetimeFigureOut">
               <a:rPr lang="en-US" smtClean="0"/>
               <a:pPr/>
-              <a:t>7/17/2019</a:t>
+              <a:t>7/18/2019</a:t>
             </a:fld>
             <a:endParaRPr lang="en-US"/>
           </a:p>
@@ -820,7 +822,7 @@
             <a:fld id="{40A6C090-7603-40E1-A38A-09FB9492DEDA}" type="datetimeFigureOut">
               <a:rPr lang="en-US" smtClean="0"/>
               <a:pPr/>
-              <a:t>7/17/2019</a:t>
+              <a:t>7/18/2019</a:t>
             </a:fld>
             <a:endParaRPr lang="en-US"/>
           </a:p>
@@ -997,7 +999,7 @@
             <a:fld id="{40A6C090-7603-40E1-A38A-09FB9492DEDA}" type="datetimeFigureOut">
               <a:rPr lang="en-US" smtClean="0"/>
               <a:pPr/>
-              <a:t>7/17/2019</a:t>
+              <a:t>7/18/2019</a:t>
             </a:fld>
             <a:endParaRPr lang="en-US"/>
           </a:p>
@@ -1164,7 +1166,7 @@
             <a:fld id="{40A6C090-7603-40E1-A38A-09FB9492DEDA}" type="datetimeFigureOut">
               <a:rPr lang="en-US" smtClean="0"/>
               <a:pPr/>
-              <a:t>7/17/2019</a:t>
+              <a:t>7/18/2019</a:t>
             </a:fld>
             <a:endParaRPr lang="en-US"/>
           </a:p>
@@ -1407,7 +1409,7 @@
             <a:fld id="{40A6C090-7603-40E1-A38A-09FB9492DEDA}" type="datetimeFigureOut">
               <a:rPr lang="en-US" smtClean="0"/>
               <a:pPr/>
-              <a:t>7/17/2019</a:t>
+              <a:t>7/18/2019</a:t>
             </a:fld>
             <a:endParaRPr lang="en-US"/>
           </a:p>
@@ -1692,7 +1694,7 @@
             <a:fld id="{40A6C090-7603-40E1-A38A-09FB9492DEDA}" type="datetimeFigureOut">
               <a:rPr lang="en-US" smtClean="0"/>
               <a:pPr/>
-              <a:t>7/17/2019</a:t>
+              <a:t>7/18/2019</a:t>
             </a:fld>
             <a:endParaRPr lang="en-US"/>
           </a:p>
@@ -2111,7 +2113,7 @@
             <a:fld id="{40A6C090-7603-40E1-A38A-09FB9492DEDA}" type="datetimeFigureOut">
               <a:rPr lang="en-US" smtClean="0"/>
               <a:pPr/>
-              <a:t>7/17/2019</a:t>
+              <a:t>7/18/2019</a:t>
             </a:fld>
             <a:endParaRPr lang="en-US"/>
           </a:p>
@@ -2226,7 +2228,7 @@
             <a:fld id="{40A6C090-7603-40E1-A38A-09FB9492DEDA}" type="datetimeFigureOut">
               <a:rPr lang="en-US" smtClean="0"/>
               <a:pPr/>
-              <a:t>7/17/2019</a:t>
+              <a:t>7/18/2019</a:t>
             </a:fld>
             <a:endParaRPr lang="en-US"/>
           </a:p>
@@ -2318,7 +2320,7 @@
             <a:fld id="{40A6C090-7603-40E1-A38A-09FB9492DEDA}" type="datetimeFigureOut">
               <a:rPr lang="en-US" smtClean="0"/>
               <a:pPr/>
-              <a:t>7/17/2019</a:t>
+              <a:t>7/18/2019</a:t>
             </a:fld>
             <a:endParaRPr lang="en-US"/>
           </a:p>
@@ -2592,7 +2594,7 @@
             <a:fld id="{40A6C090-7603-40E1-A38A-09FB9492DEDA}" type="datetimeFigureOut">
               <a:rPr lang="en-US" smtClean="0"/>
               <a:pPr/>
-              <a:t>7/17/2019</a:t>
+              <a:t>7/18/2019</a:t>
             </a:fld>
             <a:endParaRPr lang="en-US"/>
           </a:p>
@@ -2842,7 +2844,7 @@
             <a:fld id="{40A6C090-7603-40E1-A38A-09FB9492DEDA}" type="datetimeFigureOut">
               <a:rPr lang="en-US" smtClean="0"/>
               <a:pPr/>
-              <a:t>7/17/2019</a:t>
+              <a:t>7/18/2019</a:t>
             </a:fld>
             <a:endParaRPr lang="en-US"/>
           </a:p>
@@ -3052,7 +3054,7 @@
             <a:fld id="{40A6C090-7603-40E1-A38A-09FB9492DEDA}" type="datetimeFigureOut">
               <a:rPr lang="en-US" smtClean="0"/>
               <a:pPr/>
-              <a:t>7/17/2019</a:t>
+              <a:t>7/18/2019</a:t>
             </a:fld>
             <a:endParaRPr lang="en-US"/>
           </a:p>
@@ -6080,6 +6082,1106 @@
           </a:p>
         </p:txBody>
       </p:sp>
+    </p:spTree>
+  </p:cSld>
+  <p:clrMapOvr>
+    <a:masterClrMapping/>
+  </p:clrMapOvr>
+</p:sld>
+</file>
+
+<file path=ppt/slides/slide14.xml><?xml version="1.0" encoding="utf-8"?>
+<p:sld xmlns:a="http://schemas.openxmlformats.org/drawingml/2006/main" xmlns:r="http://schemas.openxmlformats.org/officeDocument/2006/relationships" xmlns:p="http://schemas.openxmlformats.org/presentationml/2006/main">
+  <p:cSld>
+    <p:spTree>
+      <p:nvGrpSpPr>
+        <p:cNvPr id="1" name=""/>
+        <p:cNvGrpSpPr/>
+        <p:nvPr/>
+      </p:nvGrpSpPr>
+      <p:grpSpPr>
+        <a:xfrm>
+          <a:off x="0" y="0"/>
+          <a:ext cx="0" cy="0"/>
+          <a:chOff x="0" y="0"/>
+          <a:chExt cx="0" cy="0"/>
+        </a:xfrm>
+      </p:grpSpPr>
+      <p:sp>
+        <p:nvSpPr>
+          <p:cNvPr id="2" name="Rectangle 1"/>
+          <p:cNvSpPr/>
+          <p:nvPr/>
+        </p:nvSpPr>
+        <p:spPr>
+          <a:xfrm>
+            <a:off x="3505200" y="342900"/>
+            <a:ext cx="4800600" cy="5219700"/>
+          </a:xfrm>
+          <a:prstGeom prst="rect">
+            <a:avLst/>
+          </a:prstGeom>
+          <a:noFill/>
+        </p:spPr>
+        <p:style>
+          <a:lnRef idx="2">
+            <a:schemeClr val="accent1">
+              <a:shade val="50000"/>
+            </a:schemeClr>
+          </a:lnRef>
+          <a:fillRef idx="1">
+            <a:schemeClr val="accent1"/>
+          </a:fillRef>
+          <a:effectRef idx="0">
+            <a:schemeClr val="accent1"/>
+          </a:effectRef>
+          <a:fontRef idx="minor">
+            <a:schemeClr val="lt1"/>
+          </a:fontRef>
+        </p:style>
+        <p:txBody>
+          <a:bodyPr rtlCol="0" anchor="ctr"/>
+          <a:lstStyle/>
+          <a:p>
+            <a:pPr algn="ctr"/>
+            <a:endParaRPr lang="en-US"/>
+          </a:p>
+        </p:txBody>
+      </p:sp>
+      <p:sp>
+        <p:nvSpPr>
+          <p:cNvPr id="3" name="TextBox 2"/>
+          <p:cNvSpPr txBox="1"/>
+          <p:nvPr/>
+        </p:nvSpPr>
+        <p:spPr>
+          <a:xfrm>
+            <a:off x="3505200" y="342900"/>
+            <a:ext cx="2583015" cy="369332"/>
+          </a:xfrm>
+          <a:prstGeom prst="rect">
+            <a:avLst/>
+          </a:prstGeom>
+          <a:noFill/>
+        </p:spPr>
+        <p:txBody>
+          <a:bodyPr wrap="none" rtlCol="0">
+            <a:spAutoFit/>
+          </a:bodyPr>
+          <a:lstStyle/>
+          <a:p>
+            <a:r>
+              <a:rPr lang="en-US" dirty="0" err="1" smtClean="0"/>
+              <a:t>Minikube</a:t>
+            </a:r>
+            <a:r>
+              <a:rPr lang="en-US" dirty="0" smtClean="0"/>
+              <a:t> 192.168.99.100</a:t>
+            </a:r>
+            <a:endParaRPr lang="en-US" dirty="0"/>
+          </a:p>
+        </p:txBody>
+      </p:sp>
+      <p:sp>
+        <p:nvSpPr>
+          <p:cNvPr id="4" name="Rectangle 3"/>
+          <p:cNvSpPr/>
+          <p:nvPr/>
+        </p:nvSpPr>
+        <p:spPr>
+          <a:xfrm>
+            <a:off x="6477000" y="3543300"/>
+            <a:ext cx="1600200" cy="1600200"/>
+          </a:xfrm>
+          <a:prstGeom prst="rect">
+            <a:avLst/>
+          </a:prstGeom>
+          <a:noFill/>
+        </p:spPr>
+        <p:style>
+          <a:lnRef idx="2">
+            <a:schemeClr val="accent1">
+              <a:shade val="50000"/>
+            </a:schemeClr>
+          </a:lnRef>
+          <a:fillRef idx="1">
+            <a:schemeClr val="accent1"/>
+          </a:fillRef>
+          <a:effectRef idx="0">
+            <a:schemeClr val="accent1"/>
+          </a:effectRef>
+          <a:fontRef idx="minor">
+            <a:schemeClr val="lt1"/>
+          </a:fontRef>
+        </p:style>
+        <p:txBody>
+          <a:bodyPr rtlCol="0" anchor="ctr"/>
+          <a:lstStyle/>
+          <a:p>
+            <a:pPr algn="ctr"/>
+            <a:endParaRPr lang="en-US"/>
+          </a:p>
+        </p:txBody>
+      </p:sp>
+      <p:sp>
+        <p:nvSpPr>
+          <p:cNvPr id="5" name="TextBox 4"/>
+          <p:cNvSpPr txBox="1"/>
+          <p:nvPr/>
+        </p:nvSpPr>
+        <p:spPr>
+          <a:xfrm>
+            <a:off x="6477000" y="3543300"/>
+            <a:ext cx="1369286" cy="307777"/>
+          </a:xfrm>
+          <a:prstGeom prst="rect">
+            <a:avLst/>
+          </a:prstGeom>
+          <a:noFill/>
+        </p:spPr>
+        <p:txBody>
+          <a:bodyPr wrap="none" rtlCol="0">
+            <a:spAutoFit/>
+          </a:bodyPr>
+          <a:lstStyle/>
+          <a:p>
+            <a:r>
+              <a:rPr lang="en-US" sz="1400" dirty="0" smtClean="0"/>
+              <a:t>POD: 172.17.0.8</a:t>
+            </a:r>
+            <a:endParaRPr lang="en-US" dirty="0"/>
+          </a:p>
+        </p:txBody>
+      </p:sp>
+      <p:sp>
+        <p:nvSpPr>
+          <p:cNvPr id="6" name="Oval 5"/>
+          <p:cNvSpPr/>
+          <p:nvPr/>
+        </p:nvSpPr>
+        <p:spPr>
+          <a:xfrm>
+            <a:off x="6477000" y="4000500"/>
+            <a:ext cx="1219200" cy="685800"/>
+          </a:xfrm>
+          <a:prstGeom prst="ellipse">
+            <a:avLst/>
+          </a:prstGeom>
+        </p:spPr>
+        <p:style>
+          <a:lnRef idx="2">
+            <a:schemeClr val="accent1">
+              <a:shade val="50000"/>
+            </a:schemeClr>
+          </a:lnRef>
+          <a:fillRef idx="1">
+            <a:schemeClr val="accent1"/>
+          </a:fillRef>
+          <a:effectRef idx="0">
+            <a:schemeClr val="accent1"/>
+          </a:effectRef>
+          <a:fontRef idx="minor">
+            <a:schemeClr val="lt1"/>
+          </a:fontRef>
+        </p:style>
+        <p:txBody>
+          <a:bodyPr rtlCol="0" anchor="ctr"/>
+          <a:lstStyle/>
+          <a:p>
+            <a:pPr algn="ctr"/>
+            <a:r>
+              <a:rPr lang="en-US" sz="1400" dirty="0" smtClean="0"/>
+              <a:t>Nginx:80</a:t>
+            </a:r>
+            <a:endParaRPr lang="en-US" sz="1400" dirty="0"/>
+          </a:p>
+        </p:txBody>
+      </p:sp>
+      <p:sp>
+        <p:nvSpPr>
+          <p:cNvPr id="7" name="TextBox 6"/>
+          <p:cNvSpPr txBox="1"/>
+          <p:nvPr/>
+        </p:nvSpPr>
+        <p:spPr>
+          <a:xfrm>
+            <a:off x="4191000" y="1943100"/>
+            <a:ext cx="850041" cy="369332"/>
+          </a:xfrm>
+          <a:prstGeom prst="rect">
+            <a:avLst/>
+          </a:prstGeom>
+          <a:noFill/>
+        </p:spPr>
+        <p:txBody>
+          <a:bodyPr wrap="none" rtlCol="0">
+            <a:spAutoFit/>
+          </a:bodyPr>
+          <a:lstStyle/>
+          <a:p>
+            <a:r>
+              <a:rPr lang="en-US" dirty="0" smtClean="0"/>
+              <a:t>hw-svc</a:t>
+            </a:r>
+            <a:endParaRPr lang="en-US" dirty="0"/>
+          </a:p>
+        </p:txBody>
+      </p:sp>
+      <p:cxnSp>
+        <p:nvCxnSpPr>
+          <p:cNvPr id="9" name="Straight Arrow Connector 8"/>
+          <p:cNvCxnSpPr>
+            <a:stCxn id="7" idx="3"/>
+            <a:endCxn id="5" idx="0"/>
+          </p:cNvCxnSpPr>
+          <p:nvPr/>
+        </p:nvCxnSpPr>
+        <p:spPr>
+          <a:xfrm>
+            <a:off x="5041041" y="2127766"/>
+            <a:ext cx="2120602" cy="1415534"/>
+          </a:xfrm>
+          <a:prstGeom prst="straightConnector1">
+            <a:avLst/>
+          </a:prstGeom>
+          <a:ln>
+            <a:tailEnd type="arrow"/>
+          </a:ln>
+        </p:spPr>
+        <p:style>
+          <a:lnRef idx="1">
+            <a:schemeClr val="accent1"/>
+          </a:lnRef>
+          <a:fillRef idx="0">
+            <a:schemeClr val="accent1"/>
+          </a:fillRef>
+          <a:effectRef idx="0">
+            <a:schemeClr val="accent1"/>
+          </a:effectRef>
+          <a:fontRef idx="minor">
+            <a:schemeClr val="tx1"/>
+          </a:fontRef>
+        </p:style>
+      </p:cxnSp>
+      <p:cxnSp>
+        <p:nvCxnSpPr>
+          <p:cNvPr id="11" name="Straight Arrow Connector 10"/>
+          <p:cNvCxnSpPr>
+            <a:stCxn id="5" idx="2"/>
+          </p:cNvCxnSpPr>
+          <p:nvPr/>
+        </p:nvCxnSpPr>
+        <p:spPr>
+          <a:xfrm>
+            <a:off x="7161643" y="3851077"/>
+            <a:ext cx="77357" cy="378023"/>
+          </a:xfrm>
+          <a:prstGeom prst="straightConnector1">
+            <a:avLst/>
+          </a:prstGeom>
+          <a:ln>
+            <a:solidFill>
+              <a:srgbClr val="FF0000"/>
+            </a:solidFill>
+            <a:tailEnd type="arrow"/>
+          </a:ln>
+        </p:spPr>
+        <p:style>
+          <a:lnRef idx="1">
+            <a:schemeClr val="accent1"/>
+          </a:lnRef>
+          <a:fillRef idx="0">
+            <a:schemeClr val="accent1"/>
+          </a:fillRef>
+          <a:effectRef idx="0">
+            <a:schemeClr val="accent1"/>
+          </a:effectRef>
+          <a:fontRef idx="minor">
+            <a:schemeClr val="tx1"/>
+          </a:fontRef>
+        </p:style>
+      </p:cxnSp>
+      <p:sp>
+        <p:nvSpPr>
+          <p:cNvPr id="12" name="TextBox 11"/>
+          <p:cNvSpPr txBox="1"/>
+          <p:nvPr/>
+        </p:nvSpPr>
+        <p:spPr>
+          <a:xfrm>
+            <a:off x="5486400" y="2095500"/>
+            <a:ext cx="2532937" cy="369332"/>
+          </a:xfrm>
+          <a:prstGeom prst="rect">
+            <a:avLst/>
+          </a:prstGeom>
+          <a:noFill/>
+        </p:spPr>
+        <p:txBody>
+          <a:bodyPr wrap="none" rtlCol="0">
+            <a:spAutoFit/>
+          </a:bodyPr>
+          <a:lstStyle/>
+          <a:p>
+            <a:r>
+              <a:rPr lang="en-US" dirty="0" smtClean="0"/>
+              <a:t>EP: &lt;</a:t>
+            </a:r>
+            <a:r>
+              <a:rPr lang="en-US" dirty="0" err="1" smtClean="0"/>
+              <a:t>selector:targetport</a:t>
+            </a:r>
+            <a:r>
+              <a:rPr lang="en-US" dirty="0" smtClean="0"/>
+              <a:t>&gt;</a:t>
+            </a:r>
+            <a:endParaRPr lang="en-US" dirty="0"/>
+          </a:p>
+        </p:txBody>
+      </p:sp>
+      <p:sp>
+        <p:nvSpPr>
+          <p:cNvPr id="13" name="TextBox 12"/>
+          <p:cNvSpPr txBox="1"/>
+          <p:nvPr/>
+        </p:nvSpPr>
+        <p:spPr>
+          <a:xfrm>
+            <a:off x="3048000" y="2324100"/>
+            <a:ext cx="769763" cy="369332"/>
+          </a:xfrm>
+          <a:prstGeom prst="rect">
+            <a:avLst/>
+          </a:prstGeom>
+          <a:noFill/>
+        </p:spPr>
+        <p:txBody>
+          <a:bodyPr wrap="none" rtlCol="0">
+            <a:spAutoFit/>
+          </a:bodyPr>
+          <a:lstStyle/>
+          <a:p>
+            <a:r>
+              <a:rPr lang="en-US" dirty="0" smtClean="0"/>
+              <a:t>31001</a:t>
+            </a:r>
+            <a:endParaRPr lang="en-US" dirty="0"/>
+          </a:p>
+        </p:txBody>
+      </p:sp>
+      <p:sp>
+        <p:nvSpPr>
+          <p:cNvPr id="14" name="TextBox 13"/>
+          <p:cNvSpPr txBox="1"/>
+          <p:nvPr/>
+        </p:nvSpPr>
+        <p:spPr>
+          <a:xfrm>
+            <a:off x="0" y="495300"/>
+            <a:ext cx="3505200" cy="1200329"/>
+          </a:xfrm>
+          <a:prstGeom prst="rect">
+            <a:avLst/>
+          </a:prstGeom>
+          <a:noFill/>
+        </p:spPr>
+        <p:txBody>
+          <a:bodyPr wrap="square" rtlCol="0">
+            <a:spAutoFit/>
+          </a:bodyPr>
+          <a:lstStyle/>
+          <a:p>
+            <a:pPr marL="342900" indent="-342900">
+              <a:buAutoNum type="arabicPeriod"/>
+            </a:pPr>
+            <a:r>
+              <a:rPr lang="en-US" dirty="0" smtClean="0"/>
+              <a:t>Expose a port on the node(optional)</a:t>
+            </a:r>
+          </a:p>
+          <a:p>
+            <a:pPr marL="342900" indent="-342900">
+              <a:buAutoNum type="arabicPeriod"/>
+            </a:pPr>
+            <a:r>
+              <a:rPr lang="en-US" dirty="0" smtClean="0"/>
+              <a:t>Load balancer</a:t>
+            </a:r>
+          </a:p>
+          <a:p>
+            <a:pPr marL="342900" indent="-342900">
+              <a:buAutoNum type="arabicPeriod"/>
+            </a:pPr>
+            <a:endParaRPr lang="en-US" dirty="0"/>
+          </a:p>
+        </p:txBody>
+      </p:sp>
+      <p:sp>
+        <p:nvSpPr>
+          <p:cNvPr id="15" name="Rectangle 14"/>
+          <p:cNvSpPr/>
+          <p:nvPr/>
+        </p:nvSpPr>
+        <p:spPr>
+          <a:xfrm>
+            <a:off x="3810000" y="2171700"/>
+            <a:ext cx="1555234" cy="307777"/>
+          </a:xfrm>
+          <a:prstGeom prst="rect">
+            <a:avLst/>
+          </a:prstGeom>
+        </p:spPr>
+        <p:txBody>
+          <a:bodyPr wrap="none">
+            <a:spAutoFit/>
+          </a:bodyPr>
+          <a:lstStyle/>
+          <a:p>
+            <a:r>
+              <a:rPr lang="en-US" sz="1400" dirty="0" smtClean="0"/>
+              <a:t>10.111.48.79:8888</a:t>
+            </a:r>
+            <a:endParaRPr lang="en-US" sz="1400" dirty="0"/>
+          </a:p>
+        </p:txBody>
+      </p:sp>
+      <p:cxnSp>
+        <p:nvCxnSpPr>
+          <p:cNvPr id="17" name="Straight Arrow Connector 16"/>
+          <p:cNvCxnSpPr>
+            <a:stCxn id="13" idx="0"/>
+            <a:endCxn id="15" idx="1"/>
+          </p:cNvCxnSpPr>
+          <p:nvPr/>
+        </p:nvCxnSpPr>
+        <p:spPr>
+          <a:xfrm>
+            <a:off x="3432882" y="2324100"/>
+            <a:ext cx="377118" cy="1489"/>
+          </a:xfrm>
+          <a:prstGeom prst="straightConnector1">
+            <a:avLst/>
+          </a:prstGeom>
+          <a:ln>
+            <a:tailEnd type="arrow"/>
+          </a:ln>
+        </p:spPr>
+        <p:style>
+          <a:lnRef idx="1">
+            <a:schemeClr val="accent1"/>
+          </a:lnRef>
+          <a:fillRef idx="0">
+            <a:schemeClr val="accent1"/>
+          </a:fillRef>
+          <a:effectRef idx="0">
+            <a:schemeClr val="accent1"/>
+          </a:effectRef>
+          <a:fontRef idx="minor">
+            <a:schemeClr val="tx1"/>
+          </a:fontRef>
+        </p:style>
+      </p:cxnSp>
+    </p:spTree>
+  </p:cSld>
+  <p:clrMapOvr>
+    <a:masterClrMapping/>
+  </p:clrMapOvr>
+</p:sld>
+</file>
+
+<file path=ppt/slides/slide15.xml><?xml version="1.0" encoding="utf-8"?>
+<p:sld xmlns:a="http://schemas.openxmlformats.org/drawingml/2006/main" xmlns:r="http://schemas.openxmlformats.org/officeDocument/2006/relationships" xmlns:p="http://schemas.openxmlformats.org/presentationml/2006/main">
+  <p:cSld>
+    <p:spTree>
+      <p:nvGrpSpPr>
+        <p:cNvPr id="1" name=""/>
+        <p:cNvGrpSpPr/>
+        <p:nvPr/>
+      </p:nvGrpSpPr>
+      <p:grpSpPr>
+        <a:xfrm>
+          <a:off x="0" y="0"/>
+          <a:ext cx="0" cy="0"/>
+          <a:chOff x="0" y="0"/>
+          <a:chExt cx="0" cy="0"/>
+        </a:xfrm>
+      </p:grpSpPr>
+      <p:sp>
+        <p:nvSpPr>
+          <p:cNvPr id="2" name="Rounded Rectangle 1"/>
+          <p:cNvSpPr/>
+          <p:nvPr/>
+        </p:nvSpPr>
+        <p:spPr>
+          <a:xfrm>
+            <a:off x="5791200" y="571500"/>
+            <a:ext cx="1447800" cy="914400"/>
+          </a:xfrm>
+          <a:prstGeom prst="roundRect">
+            <a:avLst/>
+          </a:prstGeom>
+        </p:spPr>
+        <p:style>
+          <a:lnRef idx="2">
+            <a:schemeClr val="accent1">
+              <a:shade val="50000"/>
+            </a:schemeClr>
+          </a:lnRef>
+          <a:fillRef idx="1">
+            <a:schemeClr val="accent1"/>
+          </a:fillRef>
+          <a:effectRef idx="0">
+            <a:schemeClr val="accent1"/>
+          </a:effectRef>
+          <a:fontRef idx="minor">
+            <a:schemeClr val="lt1"/>
+          </a:fontRef>
+        </p:style>
+        <p:txBody>
+          <a:bodyPr rtlCol="0" anchor="ctr"/>
+          <a:lstStyle/>
+          <a:p>
+            <a:pPr algn="ctr"/>
+            <a:r>
+              <a:rPr lang="en-US" dirty="0" smtClean="0"/>
+              <a:t>tomcat</a:t>
+            </a:r>
+            <a:endParaRPr lang="en-US" dirty="0"/>
+          </a:p>
+        </p:txBody>
+      </p:sp>
+      <p:sp>
+        <p:nvSpPr>
+          <p:cNvPr id="3" name="TextBox 2"/>
+          <p:cNvSpPr txBox="1"/>
+          <p:nvPr/>
+        </p:nvSpPr>
+        <p:spPr>
+          <a:xfrm>
+            <a:off x="5638800" y="1562100"/>
+            <a:ext cx="1824538" cy="369332"/>
+          </a:xfrm>
+          <a:prstGeom prst="rect">
+            <a:avLst/>
+          </a:prstGeom>
+          <a:noFill/>
+        </p:spPr>
+        <p:txBody>
+          <a:bodyPr wrap="none" rtlCol="0">
+            <a:spAutoFit/>
+          </a:bodyPr>
+          <a:lstStyle/>
+          <a:p>
+            <a:r>
+              <a:rPr lang="en-US" dirty="0" smtClean="0"/>
+              <a:t>12.34.56.78:8080</a:t>
+            </a:r>
+            <a:endParaRPr lang="en-US" dirty="0"/>
+          </a:p>
+        </p:txBody>
+      </p:sp>
+      <p:sp>
+        <p:nvSpPr>
+          <p:cNvPr id="4" name="Rounded Rectangle 3"/>
+          <p:cNvSpPr/>
+          <p:nvPr/>
+        </p:nvSpPr>
+        <p:spPr>
+          <a:xfrm>
+            <a:off x="5867400" y="2019300"/>
+            <a:ext cx="1447800" cy="914400"/>
+          </a:xfrm>
+          <a:prstGeom prst="roundRect">
+            <a:avLst/>
+          </a:prstGeom>
+        </p:spPr>
+        <p:style>
+          <a:lnRef idx="2">
+            <a:schemeClr val="accent1">
+              <a:shade val="50000"/>
+            </a:schemeClr>
+          </a:lnRef>
+          <a:fillRef idx="1">
+            <a:schemeClr val="accent1"/>
+          </a:fillRef>
+          <a:effectRef idx="0">
+            <a:schemeClr val="accent1"/>
+          </a:effectRef>
+          <a:fontRef idx="minor">
+            <a:schemeClr val="lt1"/>
+          </a:fontRef>
+        </p:style>
+        <p:txBody>
+          <a:bodyPr rtlCol="0" anchor="ctr"/>
+          <a:lstStyle/>
+          <a:p>
+            <a:pPr algn="ctr"/>
+            <a:r>
+              <a:rPr lang="en-US" dirty="0" smtClean="0"/>
+              <a:t>tomcat</a:t>
+            </a:r>
+            <a:endParaRPr lang="en-US" dirty="0"/>
+          </a:p>
+        </p:txBody>
+      </p:sp>
+      <p:sp>
+        <p:nvSpPr>
+          <p:cNvPr id="5" name="TextBox 4"/>
+          <p:cNvSpPr txBox="1"/>
+          <p:nvPr/>
+        </p:nvSpPr>
+        <p:spPr>
+          <a:xfrm>
+            <a:off x="5715000" y="3009900"/>
+            <a:ext cx="1824538" cy="369332"/>
+          </a:xfrm>
+          <a:prstGeom prst="rect">
+            <a:avLst/>
+          </a:prstGeom>
+          <a:noFill/>
+        </p:spPr>
+        <p:txBody>
+          <a:bodyPr wrap="none" rtlCol="0">
+            <a:spAutoFit/>
+          </a:bodyPr>
+          <a:lstStyle/>
+          <a:p>
+            <a:r>
+              <a:rPr lang="en-US" dirty="0" smtClean="0"/>
+              <a:t>12.34.56.79:8080</a:t>
+            </a:r>
+            <a:endParaRPr lang="en-US" dirty="0"/>
+          </a:p>
+        </p:txBody>
+      </p:sp>
+      <p:sp>
+        <p:nvSpPr>
+          <p:cNvPr id="6" name="Rounded Rectangle 5"/>
+          <p:cNvSpPr/>
+          <p:nvPr/>
+        </p:nvSpPr>
+        <p:spPr>
+          <a:xfrm>
+            <a:off x="3048000" y="1257300"/>
+            <a:ext cx="1828800" cy="990600"/>
+          </a:xfrm>
+          <a:prstGeom prst="roundRect">
+            <a:avLst/>
+          </a:prstGeom>
+        </p:spPr>
+        <p:style>
+          <a:lnRef idx="2">
+            <a:schemeClr val="accent1">
+              <a:shade val="50000"/>
+            </a:schemeClr>
+          </a:lnRef>
+          <a:fillRef idx="1">
+            <a:schemeClr val="accent1"/>
+          </a:fillRef>
+          <a:effectRef idx="0">
+            <a:schemeClr val="accent1"/>
+          </a:effectRef>
+          <a:fontRef idx="minor">
+            <a:schemeClr val="lt1"/>
+          </a:fontRef>
+        </p:style>
+        <p:txBody>
+          <a:bodyPr rtlCol="0" anchor="ctr"/>
+          <a:lstStyle/>
+          <a:p>
+            <a:pPr algn="ctr"/>
+            <a:r>
+              <a:rPr lang="en-US" dirty="0" smtClean="0"/>
+              <a:t>ha-proxy</a:t>
+            </a:r>
+            <a:endParaRPr lang="en-US" dirty="0"/>
+          </a:p>
+        </p:txBody>
+      </p:sp>
+      <p:sp>
+        <p:nvSpPr>
+          <p:cNvPr id="7" name="TextBox 6"/>
+          <p:cNvSpPr txBox="1"/>
+          <p:nvPr/>
+        </p:nvSpPr>
+        <p:spPr>
+          <a:xfrm>
+            <a:off x="3048000" y="876300"/>
+            <a:ext cx="1824538" cy="369332"/>
+          </a:xfrm>
+          <a:prstGeom prst="rect">
+            <a:avLst/>
+          </a:prstGeom>
+          <a:noFill/>
+        </p:spPr>
+        <p:txBody>
+          <a:bodyPr wrap="none" rtlCol="0">
+            <a:spAutoFit/>
+          </a:bodyPr>
+          <a:lstStyle/>
+          <a:p>
+            <a:r>
+              <a:rPr lang="en-US" dirty="0" smtClean="0"/>
+              <a:t>12.34.56.80:8888</a:t>
+            </a:r>
+            <a:endParaRPr lang="en-US" dirty="0"/>
+          </a:p>
+        </p:txBody>
+      </p:sp>
+      <p:sp>
+        <p:nvSpPr>
+          <p:cNvPr id="8" name="TextBox 7"/>
+          <p:cNvSpPr txBox="1"/>
+          <p:nvPr/>
+        </p:nvSpPr>
+        <p:spPr>
+          <a:xfrm>
+            <a:off x="3048000" y="2400300"/>
+            <a:ext cx="2036135" cy="923330"/>
+          </a:xfrm>
+          <a:prstGeom prst="rect">
+            <a:avLst/>
+          </a:prstGeom>
+          <a:noFill/>
+        </p:spPr>
+        <p:txBody>
+          <a:bodyPr wrap="square" rtlCol="0">
+            <a:spAutoFit/>
+          </a:bodyPr>
+          <a:lstStyle/>
+          <a:p>
+            <a:r>
+              <a:rPr lang="en-US" dirty="0" err="1" smtClean="0"/>
+              <a:t>Backends</a:t>
+            </a:r>
+            <a:r>
+              <a:rPr lang="en-US" dirty="0" smtClean="0"/>
+              <a:t>:</a:t>
+            </a:r>
+          </a:p>
+          <a:p>
+            <a:r>
+              <a:rPr lang="en-US" dirty="0" smtClean="0"/>
+              <a:t> </a:t>
+            </a:r>
+            <a:r>
+              <a:rPr lang="en-US" dirty="0" smtClean="0"/>
+              <a:t>   </a:t>
+            </a:r>
+            <a:r>
+              <a:rPr lang="en-US" dirty="0" smtClean="0"/>
+              <a:t>12.34.56.78:8080</a:t>
+            </a:r>
+          </a:p>
+          <a:p>
+            <a:r>
+              <a:rPr lang="en-US" dirty="0" smtClean="0"/>
+              <a:t>    12.34.56.79:8080</a:t>
+            </a:r>
+            <a:endParaRPr lang="en-US" dirty="0"/>
+          </a:p>
+        </p:txBody>
+      </p:sp>
+      <p:cxnSp>
+        <p:nvCxnSpPr>
+          <p:cNvPr id="10" name="Straight Arrow Connector 9"/>
+          <p:cNvCxnSpPr>
+            <a:stCxn id="6" idx="3"/>
+            <a:endCxn id="2" idx="1"/>
+          </p:cNvCxnSpPr>
+          <p:nvPr/>
+        </p:nvCxnSpPr>
+        <p:spPr>
+          <a:xfrm flipV="1">
+            <a:off x="4876800" y="1028700"/>
+            <a:ext cx="914400" cy="723900"/>
+          </a:xfrm>
+          <a:prstGeom prst="straightConnector1">
+            <a:avLst/>
+          </a:prstGeom>
+          <a:ln>
+            <a:tailEnd type="arrow"/>
+          </a:ln>
+        </p:spPr>
+        <p:style>
+          <a:lnRef idx="1">
+            <a:schemeClr val="accent1"/>
+          </a:lnRef>
+          <a:fillRef idx="0">
+            <a:schemeClr val="accent1"/>
+          </a:fillRef>
+          <a:effectRef idx="0">
+            <a:schemeClr val="accent1"/>
+          </a:effectRef>
+          <a:fontRef idx="minor">
+            <a:schemeClr val="tx1"/>
+          </a:fontRef>
+        </p:style>
+      </p:cxnSp>
+      <p:cxnSp>
+        <p:nvCxnSpPr>
+          <p:cNvPr id="12" name="Straight Arrow Connector 11"/>
+          <p:cNvCxnSpPr>
+            <a:stCxn id="6" idx="3"/>
+            <a:endCxn id="4" idx="1"/>
+          </p:cNvCxnSpPr>
+          <p:nvPr/>
+        </p:nvCxnSpPr>
+        <p:spPr>
+          <a:xfrm>
+            <a:off x="4876800" y="1752600"/>
+            <a:ext cx="990600" cy="723900"/>
+          </a:xfrm>
+          <a:prstGeom prst="straightConnector1">
+            <a:avLst/>
+          </a:prstGeom>
+          <a:ln>
+            <a:tailEnd type="arrow"/>
+          </a:ln>
+        </p:spPr>
+        <p:style>
+          <a:lnRef idx="1">
+            <a:schemeClr val="accent1"/>
+          </a:lnRef>
+          <a:fillRef idx="0">
+            <a:schemeClr val="accent1"/>
+          </a:fillRef>
+          <a:effectRef idx="0">
+            <a:schemeClr val="accent1"/>
+          </a:effectRef>
+          <a:fontRef idx="minor">
+            <a:schemeClr val="tx1"/>
+          </a:fontRef>
+        </p:style>
+      </p:cxnSp>
+      <p:sp>
+        <p:nvSpPr>
+          <p:cNvPr id="13" name="Smiley Face 12"/>
+          <p:cNvSpPr/>
+          <p:nvPr/>
+        </p:nvSpPr>
+        <p:spPr>
+          <a:xfrm>
+            <a:off x="533400" y="1409700"/>
+            <a:ext cx="609600" cy="609600"/>
+          </a:xfrm>
+          <a:prstGeom prst="smileyFace">
+            <a:avLst/>
+          </a:prstGeom>
+        </p:spPr>
+        <p:style>
+          <a:lnRef idx="2">
+            <a:schemeClr val="accent1">
+              <a:shade val="50000"/>
+            </a:schemeClr>
+          </a:lnRef>
+          <a:fillRef idx="1">
+            <a:schemeClr val="accent1"/>
+          </a:fillRef>
+          <a:effectRef idx="0">
+            <a:schemeClr val="accent1"/>
+          </a:effectRef>
+          <a:fontRef idx="minor">
+            <a:schemeClr val="lt1"/>
+          </a:fontRef>
+        </p:style>
+        <p:txBody>
+          <a:bodyPr rtlCol="0" anchor="ctr"/>
+          <a:lstStyle/>
+          <a:p>
+            <a:pPr algn="ctr"/>
+            <a:endParaRPr lang="en-US"/>
+          </a:p>
+        </p:txBody>
+      </p:sp>
+      <p:cxnSp>
+        <p:nvCxnSpPr>
+          <p:cNvPr id="15" name="Straight Arrow Connector 14"/>
+          <p:cNvCxnSpPr>
+            <a:stCxn id="13" idx="6"/>
+            <a:endCxn id="6" idx="1"/>
+          </p:cNvCxnSpPr>
+          <p:nvPr/>
+        </p:nvCxnSpPr>
+        <p:spPr>
+          <a:xfrm>
+            <a:off x="1143000" y="1714500"/>
+            <a:ext cx="1905000" cy="38100"/>
+          </a:xfrm>
+          <a:prstGeom prst="straightConnector1">
+            <a:avLst/>
+          </a:prstGeom>
+          <a:ln>
+            <a:tailEnd type="arrow"/>
+          </a:ln>
+        </p:spPr>
+        <p:style>
+          <a:lnRef idx="1">
+            <a:schemeClr val="accent1"/>
+          </a:lnRef>
+          <a:fillRef idx="0">
+            <a:schemeClr val="accent1"/>
+          </a:fillRef>
+          <a:effectRef idx="0">
+            <a:schemeClr val="accent1"/>
+          </a:effectRef>
+          <a:fontRef idx="minor">
+            <a:schemeClr val="tx1"/>
+          </a:fontRef>
+        </p:style>
+      </p:cxnSp>
+      <p:sp>
+        <p:nvSpPr>
+          <p:cNvPr id="16" name="Oval 15"/>
+          <p:cNvSpPr/>
+          <p:nvPr/>
+        </p:nvSpPr>
+        <p:spPr>
+          <a:xfrm>
+            <a:off x="1371600" y="114300"/>
+            <a:ext cx="2362200" cy="685800"/>
+          </a:xfrm>
+          <a:prstGeom prst="ellipse">
+            <a:avLst/>
+          </a:prstGeom>
+        </p:spPr>
+        <p:style>
+          <a:lnRef idx="2">
+            <a:schemeClr val="accent1">
+              <a:shade val="50000"/>
+            </a:schemeClr>
+          </a:lnRef>
+          <a:fillRef idx="1">
+            <a:schemeClr val="accent1"/>
+          </a:fillRef>
+          <a:effectRef idx="0">
+            <a:schemeClr val="accent1"/>
+          </a:effectRef>
+          <a:fontRef idx="minor">
+            <a:schemeClr val="lt1"/>
+          </a:fontRef>
+        </p:style>
+        <p:txBody>
+          <a:bodyPr rtlCol="0" anchor="ctr"/>
+          <a:lstStyle/>
+          <a:p>
+            <a:pPr algn="ctr"/>
+            <a:r>
+              <a:rPr lang="en-US" dirty="0" err="1" smtClean="0"/>
+              <a:t>Dns</a:t>
+            </a:r>
+            <a:endParaRPr lang="en-US" dirty="0" smtClean="0"/>
+          </a:p>
+          <a:p>
+            <a:pPr algn="ctr"/>
+            <a:r>
+              <a:rPr lang="en-US" dirty="0" smtClean="0"/>
+              <a:t>Prod  12.34.56.80</a:t>
+            </a:r>
+            <a:endParaRPr lang="en-US" dirty="0"/>
+          </a:p>
+        </p:txBody>
+      </p:sp>
+      <p:sp>
+        <p:nvSpPr>
+          <p:cNvPr id="17" name="TextBox 16"/>
+          <p:cNvSpPr txBox="1"/>
+          <p:nvPr/>
+        </p:nvSpPr>
+        <p:spPr>
+          <a:xfrm>
+            <a:off x="304800" y="2171700"/>
+            <a:ext cx="1788182" cy="369332"/>
+          </a:xfrm>
+          <a:prstGeom prst="rect">
+            <a:avLst/>
+          </a:prstGeom>
+          <a:noFill/>
+        </p:spPr>
+        <p:txBody>
+          <a:bodyPr wrap="none" rtlCol="0">
+            <a:spAutoFit/>
+          </a:bodyPr>
+          <a:lstStyle/>
+          <a:p>
+            <a:r>
+              <a:rPr lang="en-US" dirty="0" smtClean="0"/>
+              <a:t>http://prod:8888</a:t>
+            </a:r>
+            <a:endParaRPr lang="en-US" dirty="0"/>
+          </a:p>
+        </p:txBody>
+      </p:sp>
+      <p:cxnSp>
+        <p:nvCxnSpPr>
+          <p:cNvPr id="19" name="Straight Arrow Connector 18"/>
+          <p:cNvCxnSpPr>
+            <a:stCxn id="13" idx="7"/>
+          </p:cNvCxnSpPr>
+          <p:nvPr/>
+        </p:nvCxnSpPr>
+        <p:spPr>
+          <a:xfrm flipV="1">
+            <a:off x="1053726" y="647700"/>
+            <a:ext cx="622674" cy="851274"/>
+          </a:xfrm>
+          <a:prstGeom prst="straightConnector1">
+            <a:avLst/>
+          </a:prstGeom>
+          <a:ln>
+            <a:tailEnd type="arrow"/>
+          </a:ln>
+        </p:spPr>
+        <p:style>
+          <a:lnRef idx="1">
+            <a:schemeClr val="accent1"/>
+          </a:lnRef>
+          <a:fillRef idx="0">
+            <a:schemeClr val="accent1"/>
+          </a:fillRef>
+          <a:effectRef idx="0">
+            <a:schemeClr val="accent1"/>
+          </a:effectRef>
+          <a:fontRef idx="minor">
+            <a:schemeClr val="tx1"/>
+          </a:fontRef>
+        </p:style>
+      </p:cxnSp>
+      <p:cxnSp>
+        <p:nvCxnSpPr>
+          <p:cNvPr id="21" name="Straight Arrow Connector 20"/>
+          <p:cNvCxnSpPr>
+            <a:endCxn id="13" idx="6"/>
+          </p:cNvCxnSpPr>
+          <p:nvPr/>
+        </p:nvCxnSpPr>
+        <p:spPr>
+          <a:xfrm flipH="1">
+            <a:off x="1143000" y="800100"/>
+            <a:ext cx="685800" cy="914400"/>
+          </a:xfrm>
+          <a:prstGeom prst="straightConnector1">
+            <a:avLst/>
+          </a:prstGeom>
+          <a:ln>
+            <a:tailEnd type="arrow"/>
+          </a:ln>
+        </p:spPr>
+        <p:style>
+          <a:lnRef idx="1">
+            <a:schemeClr val="accent1"/>
+          </a:lnRef>
+          <a:fillRef idx="0">
+            <a:schemeClr val="accent1"/>
+          </a:fillRef>
+          <a:effectRef idx="0">
+            <a:schemeClr val="accent1"/>
+          </a:effectRef>
+          <a:fontRef idx="minor">
+            <a:schemeClr val="tx1"/>
+          </a:fontRef>
+        </p:style>
+      </p:cxnSp>
     </p:spTree>
   </p:cSld>
   <p:clrMapOvr>

--- a/rough-diag.pptx
+++ b/rough-diag.pptx
@@ -5,7 +5,7 @@
     <p:sldMasterId id="2147483648" r:id="rId1"/>
   </p:sldMasterIdLst>
   <p:notesMasterIdLst>
-    <p:notesMasterId r:id="rId17"/>
+    <p:notesMasterId r:id="rId21"/>
   </p:notesMasterIdLst>
   <p:sldIdLst>
     <p:sldId id="700" r:id="rId2"/>
@@ -23,6 +23,10 @@
     <p:sldId id="712" r:id="rId14"/>
     <p:sldId id="713" r:id="rId15"/>
     <p:sldId id="714" r:id="rId16"/>
+    <p:sldId id="715" r:id="rId17"/>
+    <p:sldId id="716" r:id="rId18"/>
+    <p:sldId id="717" r:id="rId19"/>
+    <p:sldId id="718" r:id="rId20"/>
   </p:sldIdLst>
   <p:sldSz cx="9144000" cy="5715000" type="screen16x10"/>
   <p:notesSz cx="6858000" cy="9144000"/>
@@ -7182,6 +7186,3771 @@
           </a:fontRef>
         </p:style>
       </p:cxnSp>
+    </p:spTree>
+  </p:cSld>
+  <p:clrMapOvr>
+    <a:masterClrMapping/>
+  </p:clrMapOvr>
+</p:sld>
+</file>
+
+<file path=ppt/slides/slide16.xml><?xml version="1.0" encoding="utf-8"?>
+<p:sld xmlns:a="http://schemas.openxmlformats.org/drawingml/2006/main" xmlns:r="http://schemas.openxmlformats.org/officeDocument/2006/relationships" xmlns:p="http://schemas.openxmlformats.org/presentationml/2006/main">
+  <p:cSld>
+    <p:spTree>
+      <p:nvGrpSpPr>
+        <p:cNvPr id="1" name=""/>
+        <p:cNvGrpSpPr/>
+        <p:nvPr/>
+      </p:nvGrpSpPr>
+      <p:grpSpPr>
+        <a:xfrm>
+          <a:off x="0" y="0"/>
+          <a:ext cx="0" cy="0"/>
+          <a:chOff x="0" y="0"/>
+          <a:chExt cx="0" cy="0"/>
+        </a:xfrm>
+      </p:grpSpPr>
+      <p:sp>
+        <p:nvSpPr>
+          <p:cNvPr id="2" name="Rectangle 1"/>
+          <p:cNvSpPr/>
+          <p:nvPr/>
+        </p:nvSpPr>
+        <p:spPr>
+          <a:xfrm>
+            <a:off x="3505200" y="419100"/>
+            <a:ext cx="3733800" cy="2286000"/>
+          </a:xfrm>
+          <a:prstGeom prst="rect">
+            <a:avLst/>
+          </a:prstGeom>
+          <a:noFill/>
+        </p:spPr>
+        <p:style>
+          <a:lnRef idx="2">
+            <a:schemeClr val="accent1">
+              <a:shade val="50000"/>
+            </a:schemeClr>
+          </a:lnRef>
+          <a:fillRef idx="1">
+            <a:schemeClr val="accent1"/>
+          </a:fillRef>
+          <a:effectRef idx="0">
+            <a:schemeClr val="accent1"/>
+          </a:effectRef>
+          <a:fontRef idx="minor">
+            <a:schemeClr val="lt1"/>
+          </a:fontRef>
+        </p:style>
+        <p:txBody>
+          <a:bodyPr rtlCol="0" anchor="ctr"/>
+          <a:lstStyle/>
+          <a:p>
+            <a:pPr algn="ctr"/>
+            <a:endParaRPr lang="en-US"/>
+          </a:p>
+        </p:txBody>
+      </p:sp>
+      <p:sp>
+        <p:nvSpPr>
+          <p:cNvPr id="3" name="TextBox 2"/>
+          <p:cNvSpPr txBox="1"/>
+          <p:nvPr/>
+        </p:nvSpPr>
+        <p:spPr>
+          <a:xfrm>
+            <a:off x="3429000" y="38100"/>
+            <a:ext cx="2569678" cy="369332"/>
+          </a:xfrm>
+          <a:prstGeom prst="rect">
+            <a:avLst/>
+          </a:prstGeom>
+          <a:noFill/>
+        </p:spPr>
+        <p:txBody>
+          <a:bodyPr wrap="none" rtlCol="0">
+            <a:spAutoFit/>
+          </a:bodyPr>
+          <a:lstStyle/>
+          <a:p>
+            <a:r>
+              <a:rPr lang="en-US" dirty="0" smtClean="0"/>
+              <a:t>K8smaster:192.167.10.70</a:t>
+            </a:r>
+            <a:endParaRPr lang="en-US" dirty="0"/>
+          </a:p>
+        </p:txBody>
+      </p:sp>
+      <p:sp>
+        <p:nvSpPr>
+          <p:cNvPr id="4" name="Rectangle 3"/>
+          <p:cNvSpPr/>
+          <p:nvPr/>
+        </p:nvSpPr>
+        <p:spPr>
+          <a:xfrm>
+            <a:off x="3581400" y="3390900"/>
+            <a:ext cx="2362200" cy="1752600"/>
+          </a:xfrm>
+          <a:prstGeom prst="rect">
+            <a:avLst/>
+          </a:prstGeom>
+          <a:noFill/>
+        </p:spPr>
+        <p:style>
+          <a:lnRef idx="2">
+            <a:schemeClr val="accent1">
+              <a:shade val="50000"/>
+            </a:schemeClr>
+          </a:lnRef>
+          <a:fillRef idx="1">
+            <a:schemeClr val="accent1"/>
+          </a:fillRef>
+          <a:effectRef idx="0">
+            <a:schemeClr val="accent1"/>
+          </a:effectRef>
+          <a:fontRef idx="minor">
+            <a:schemeClr val="lt1"/>
+          </a:fontRef>
+        </p:style>
+        <p:txBody>
+          <a:bodyPr rtlCol="0" anchor="ctr"/>
+          <a:lstStyle/>
+          <a:p>
+            <a:pPr algn="ctr"/>
+            <a:endParaRPr lang="en-US"/>
+          </a:p>
+        </p:txBody>
+      </p:sp>
+      <p:sp>
+        <p:nvSpPr>
+          <p:cNvPr id="5" name="TextBox 4"/>
+          <p:cNvSpPr txBox="1"/>
+          <p:nvPr/>
+        </p:nvSpPr>
+        <p:spPr>
+          <a:xfrm>
+            <a:off x="3581400" y="5219700"/>
+            <a:ext cx="2398413" cy="369332"/>
+          </a:xfrm>
+          <a:prstGeom prst="rect">
+            <a:avLst/>
+          </a:prstGeom>
+          <a:noFill/>
+        </p:spPr>
+        <p:txBody>
+          <a:bodyPr wrap="none" rtlCol="0">
+            <a:spAutoFit/>
+          </a:bodyPr>
+          <a:lstStyle/>
+          <a:p>
+            <a:r>
+              <a:rPr lang="en-US" dirty="0" smtClean="0"/>
+              <a:t>K8snode:192.167.10.71</a:t>
+            </a:r>
+            <a:endParaRPr lang="en-US" dirty="0"/>
+          </a:p>
+        </p:txBody>
+      </p:sp>
+      <p:sp>
+        <p:nvSpPr>
+          <p:cNvPr id="7" name="Isosceles Triangle 6"/>
+          <p:cNvSpPr/>
+          <p:nvPr/>
+        </p:nvSpPr>
+        <p:spPr>
+          <a:xfrm>
+            <a:off x="762000" y="1638300"/>
+            <a:ext cx="762000" cy="685800"/>
+          </a:xfrm>
+          <a:prstGeom prst="triangle">
+            <a:avLst/>
+          </a:prstGeom>
+        </p:spPr>
+        <p:style>
+          <a:lnRef idx="2">
+            <a:schemeClr val="accent1">
+              <a:shade val="50000"/>
+            </a:schemeClr>
+          </a:lnRef>
+          <a:fillRef idx="1">
+            <a:schemeClr val="accent1"/>
+          </a:fillRef>
+          <a:effectRef idx="0">
+            <a:schemeClr val="accent1"/>
+          </a:effectRef>
+          <a:fontRef idx="minor">
+            <a:schemeClr val="lt1"/>
+          </a:fontRef>
+        </p:style>
+        <p:txBody>
+          <a:bodyPr rtlCol="0" anchor="ctr"/>
+          <a:lstStyle/>
+          <a:p>
+            <a:pPr algn="ctr"/>
+            <a:endParaRPr lang="en-US"/>
+          </a:p>
+        </p:txBody>
+      </p:sp>
+      <p:sp>
+        <p:nvSpPr>
+          <p:cNvPr id="6" name="Rectangle 5"/>
+          <p:cNvSpPr/>
+          <p:nvPr/>
+        </p:nvSpPr>
+        <p:spPr>
+          <a:xfrm>
+            <a:off x="381000" y="952500"/>
+            <a:ext cx="1524000" cy="1143000"/>
+          </a:xfrm>
+          <a:prstGeom prst="rect">
+            <a:avLst/>
+          </a:prstGeom>
+        </p:spPr>
+        <p:style>
+          <a:lnRef idx="2">
+            <a:schemeClr val="accent1">
+              <a:shade val="50000"/>
+            </a:schemeClr>
+          </a:lnRef>
+          <a:fillRef idx="1">
+            <a:schemeClr val="accent1"/>
+          </a:fillRef>
+          <a:effectRef idx="0">
+            <a:schemeClr val="accent1"/>
+          </a:effectRef>
+          <a:fontRef idx="minor">
+            <a:schemeClr val="lt1"/>
+          </a:fontRef>
+        </p:style>
+        <p:txBody>
+          <a:bodyPr rtlCol="0" anchor="ctr"/>
+          <a:lstStyle/>
+          <a:p>
+            <a:pPr algn="ctr"/>
+            <a:r>
+              <a:rPr lang="en-US" dirty="0" err="1" smtClean="0"/>
+              <a:t>Kubectl</a:t>
+            </a:r>
+            <a:r>
+              <a:rPr lang="en-US" dirty="0" smtClean="0"/>
+              <a:t> apply –f dep.yml</a:t>
+            </a:r>
+            <a:endParaRPr lang="en-US" dirty="0"/>
+          </a:p>
+        </p:txBody>
+      </p:sp>
+      <p:sp>
+        <p:nvSpPr>
+          <p:cNvPr id="8" name="TextBox 7"/>
+          <p:cNvSpPr txBox="1"/>
+          <p:nvPr/>
+        </p:nvSpPr>
+        <p:spPr>
+          <a:xfrm>
+            <a:off x="4038600" y="495300"/>
+            <a:ext cx="1147943" cy="369332"/>
+          </a:xfrm>
+          <a:prstGeom prst="rect">
+            <a:avLst/>
+          </a:prstGeom>
+          <a:noFill/>
+        </p:spPr>
+        <p:txBody>
+          <a:bodyPr wrap="none" rtlCol="0">
+            <a:spAutoFit/>
+          </a:bodyPr>
+          <a:lstStyle/>
+          <a:p>
+            <a:r>
+              <a:rPr lang="en-US" dirty="0" err="1" smtClean="0"/>
+              <a:t>api</a:t>
+            </a:r>
+            <a:r>
+              <a:rPr lang="en-US" dirty="0" smtClean="0"/>
+              <a:t>-server</a:t>
+            </a:r>
+            <a:endParaRPr lang="en-US" dirty="0"/>
+          </a:p>
+        </p:txBody>
+      </p:sp>
+      <p:cxnSp>
+        <p:nvCxnSpPr>
+          <p:cNvPr id="10" name="Straight Arrow Connector 9"/>
+          <p:cNvCxnSpPr>
+            <a:stCxn id="6" idx="3"/>
+            <a:endCxn id="8" idx="1"/>
+          </p:cNvCxnSpPr>
+          <p:nvPr/>
+        </p:nvCxnSpPr>
+        <p:spPr>
+          <a:xfrm flipV="1">
+            <a:off x="1905000" y="679966"/>
+            <a:ext cx="2133600" cy="844034"/>
+          </a:xfrm>
+          <a:prstGeom prst="straightConnector1">
+            <a:avLst/>
+          </a:prstGeom>
+          <a:ln>
+            <a:tailEnd type="arrow"/>
+          </a:ln>
+        </p:spPr>
+        <p:style>
+          <a:lnRef idx="1">
+            <a:schemeClr val="accent1"/>
+          </a:lnRef>
+          <a:fillRef idx="0">
+            <a:schemeClr val="accent1"/>
+          </a:fillRef>
+          <a:effectRef idx="0">
+            <a:schemeClr val="accent1"/>
+          </a:effectRef>
+          <a:fontRef idx="minor">
+            <a:schemeClr val="tx1"/>
+          </a:fontRef>
+        </p:style>
+      </p:cxnSp>
+      <p:sp>
+        <p:nvSpPr>
+          <p:cNvPr id="11" name="TextBox 10"/>
+          <p:cNvSpPr txBox="1"/>
+          <p:nvPr/>
+        </p:nvSpPr>
+        <p:spPr>
+          <a:xfrm>
+            <a:off x="2743200" y="952500"/>
+            <a:ext cx="276038" cy="307777"/>
+          </a:xfrm>
+          <a:prstGeom prst="rect">
+            <a:avLst/>
+          </a:prstGeom>
+          <a:noFill/>
+        </p:spPr>
+        <p:txBody>
+          <a:bodyPr wrap="none" rtlCol="0">
+            <a:spAutoFit/>
+          </a:bodyPr>
+          <a:lstStyle/>
+          <a:p>
+            <a:r>
+              <a:rPr lang="en-US" sz="1400" dirty="0" smtClean="0"/>
+              <a:t>1</a:t>
+            </a:r>
+            <a:endParaRPr lang="en-US" dirty="0"/>
+          </a:p>
+        </p:txBody>
+      </p:sp>
+      <p:cxnSp>
+        <p:nvCxnSpPr>
+          <p:cNvPr id="15" name="Straight Arrow Connector 14"/>
+          <p:cNvCxnSpPr>
+            <a:stCxn id="8" idx="2"/>
+            <a:endCxn id="16" idx="0"/>
+          </p:cNvCxnSpPr>
+          <p:nvPr/>
+        </p:nvCxnSpPr>
+        <p:spPr>
+          <a:xfrm>
+            <a:off x="4612572" y="864632"/>
+            <a:ext cx="58415" cy="316468"/>
+          </a:xfrm>
+          <a:prstGeom prst="straightConnector1">
+            <a:avLst/>
+          </a:prstGeom>
+          <a:ln>
+            <a:tailEnd type="arrow"/>
+          </a:ln>
+        </p:spPr>
+        <p:style>
+          <a:lnRef idx="1">
+            <a:schemeClr val="accent1"/>
+          </a:lnRef>
+          <a:fillRef idx="0">
+            <a:schemeClr val="accent1"/>
+          </a:fillRef>
+          <a:effectRef idx="0">
+            <a:schemeClr val="accent1"/>
+          </a:effectRef>
+          <a:fontRef idx="minor">
+            <a:schemeClr val="tx1"/>
+          </a:fontRef>
+        </p:style>
+      </p:cxnSp>
+      <p:sp>
+        <p:nvSpPr>
+          <p:cNvPr id="16" name="TextBox 15"/>
+          <p:cNvSpPr txBox="1"/>
+          <p:nvPr/>
+        </p:nvSpPr>
+        <p:spPr>
+          <a:xfrm>
+            <a:off x="3657600" y="1181100"/>
+            <a:ext cx="2026773" cy="553998"/>
+          </a:xfrm>
+          <a:prstGeom prst="rect">
+            <a:avLst/>
+          </a:prstGeom>
+          <a:noFill/>
+        </p:spPr>
+        <p:txBody>
+          <a:bodyPr wrap="none" rtlCol="0">
+            <a:spAutoFit/>
+          </a:bodyPr>
+          <a:lstStyle/>
+          <a:p>
+            <a:r>
+              <a:rPr lang="en-US" dirty="0" smtClean="0"/>
+              <a:t>Controller-manager</a:t>
+            </a:r>
+          </a:p>
+          <a:p>
+            <a:r>
+              <a:rPr lang="en-US" sz="1200" i="1" dirty="0" smtClean="0"/>
+              <a:t>(</a:t>
+            </a:r>
+            <a:r>
+              <a:rPr lang="en-US" sz="1200" i="1" dirty="0" err="1" smtClean="0"/>
+              <a:t>dep</a:t>
+            </a:r>
+            <a:r>
+              <a:rPr lang="en-US" sz="1200" i="1" dirty="0" smtClean="0"/>
+              <a:t>, </a:t>
+            </a:r>
+            <a:r>
+              <a:rPr lang="en-US" sz="1200" i="1" dirty="0" err="1" smtClean="0"/>
+              <a:t>rs</a:t>
+            </a:r>
+            <a:r>
+              <a:rPr lang="en-US" sz="1200" i="1" dirty="0" smtClean="0"/>
+              <a:t>, </a:t>
+            </a:r>
+            <a:r>
+              <a:rPr lang="en-US" sz="1200" i="1" dirty="0" err="1" smtClean="0"/>
+              <a:t>rc</a:t>
+            </a:r>
+            <a:r>
+              <a:rPr lang="en-US" sz="1200" i="1" dirty="0" smtClean="0"/>
+              <a:t>, pod-def)</a:t>
+            </a:r>
+            <a:endParaRPr lang="en-US" i="1" dirty="0"/>
+          </a:p>
+        </p:txBody>
+      </p:sp>
+      <p:sp>
+        <p:nvSpPr>
+          <p:cNvPr id="17" name="TextBox 16"/>
+          <p:cNvSpPr txBox="1"/>
+          <p:nvPr/>
+        </p:nvSpPr>
+        <p:spPr>
+          <a:xfrm>
+            <a:off x="4448362" y="873323"/>
+            <a:ext cx="276038" cy="307777"/>
+          </a:xfrm>
+          <a:prstGeom prst="rect">
+            <a:avLst/>
+          </a:prstGeom>
+          <a:noFill/>
+        </p:spPr>
+        <p:txBody>
+          <a:bodyPr wrap="none" rtlCol="0">
+            <a:spAutoFit/>
+          </a:bodyPr>
+          <a:lstStyle/>
+          <a:p>
+            <a:r>
+              <a:rPr lang="en-US" sz="1400" dirty="0" smtClean="0"/>
+              <a:t>2</a:t>
+            </a:r>
+            <a:endParaRPr lang="en-US" dirty="0"/>
+          </a:p>
+        </p:txBody>
+      </p:sp>
+      <p:sp>
+        <p:nvSpPr>
+          <p:cNvPr id="19" name="TextBox 18"/>
+          <p:cNvSpPr txBox="1"/>
+          <p:nvPr/>
+        </p:nvSpPr>
+        <p:spPr>
+          <a:xfrm>
+            <a:off x="4343400" y="1943100"/>
+            <a:ext cx="1101584" cy="369332"/>
+          </a:xfrm>
+          <a:prstGeom prst="rect">
+            <a:avLst/>
+          </a:prstGeom>
+          <a:noFill/>
+        </p:spPr>
+        <p:txBody>
+          <a:bodyPr wrap="none" rtlCol="0">
+            <a:spAutoFit/>
+          </a:bodyPr>
+          <a:lstStyle/>
+          <a:p>
+            <a:r>
+              <a:rPr lang="en-US" dirty="0" smtClean="0"/>
+              <a:t>scheduler</a:t>
+            </a:r>
+            <a:endParaRPr lang="en-US" dirty="0"/>
+          </a:p>
+        </p:txBody>
+      </p:sp>
+      <p:cxnSp>
+        <p:nvCxnSpPr>
+          <p:cNvPr id="21" name="Straight Arrow Connector 20"/>
+          <p:cNvCxnSpPr>
+            <a:stCxn id="16" idx="2"/>
+            <a:endCxn id="19" idx="0"/>
+          </p:cNvCxnSpPr>
+          <p:nvPr/>
+        </p:nvCxnSpPr>
+        <p:spPr>
+          <a:xfrm>
+            <a:off x="4670987" y="1735098"/>
+            <a:ext cx="223205" cy="208002"/>
+          </a:xfrm>
+          <a:prstGeom prst="straightConnector1">
+            <a:avLst/>
+          </a:prstGeom>
+          <a:ln>
+            <a:tailEnd type="arrow"/>
+          </a:ln>
+        </p:spPr>
+        <p:style>
+          <a:lnRef idx="1">
+            <a:schemeClr val="accent1"/>
+          </a:lnRef>
+          <a:fillRef idx="0">
+            <a:schemeClr val="accent1"/>
+          </a:fillRef>
+          <a:effectRef idx="0">
+            <a:schemeClr val="accent1"/>
+          </a:effectRef>
+          <a:fontRef idx="minor">
+            <a:schemeClr val="tx1"/>
+          </a:fontRef>
+        </p:style>
+      </p:cxnSp>
+      <p:sp>
+        <p:nvSpPr>
+          <p:cNvPr id="22" name="TextBox 21"/>
+          <p:cNvSpPr txBox="1"/>
+          <p:nvPr/>
+        </p:nvSpPr>
+        <p:spPr>
+          <a:xfrm>
+            <a:off x="4676962" y="1638300"/>
+            <a:ext cx="276038" cy="307777"/>
+          </a:xfrm>
+          <a:prstGeom prst="rect">
+            <a:avLst/>
+          </a:prstGeom>
+          <a:noFill/>
+        </p:spPr>
+        <p:txBody>
+          <a:bodyPr wrap="none" rtlCol="0">
+            <a:spAutoFit/>
+          </a:bodyPr>
+          <a:lstStyle/>
+          <a:p>
+            <a:r>
+              <a:rPr lang="en-US" sz="1400" dirty="0" smtClean="0"/>
+              <a:t>3</a:t>
+            </a:r>
+            <a:endParaRPr lang="en-US" dirty="0"/>
+          </a:p>
+        </p:txBody>
+      </p:sp>
+      <p:sp>
+        <p:nvSpPr>
+          <p:cNvPr id="23" name="TextBox 22"/>
+          <p:cNvSpPr txBox="1"/>
+          <p:nvPr/>
+        </p:nvSpPr>
+        <p:spPr>
+          <a:xfrm>
+            <a:off x="6301884" y="419100"/>
+            <a:ext cx="937116" cy="369332"/>
+          </a:xfrm>
+          <a:prstGeom prst="rect">
+            <a:avLst/>
+          </a:prstGeom>
+          <a:noFill/>
+        </p:spPr>
+        <p:txBody>
+          <a:bodyPr wrap="none" rtlCol="0">
+            <a:spAutoFit/>
+          </a:bodyPr>
+          <a:lstStyle/>
+          <a:p>
+            <a:r>
+              <a:rPr lang="en-US" dirty="0" err="1" smtClean="0"/>
+              <a:t>dockerd</a:t>
+            </a:r>
+            <a:endParaRPr lang="en-US" dirty="0"/>
+          </a:p>
+        </p:txBody>
+      </p:sp>
+      <p:sp>
+        <p:nvSpPr>
+          <p:cNvPr id="24" name="TextBox 23"/>
+          <p:cNvSpPr txBox="1"/>
+          <p:nvPr/>
+        </p:nvSpPr>
+        <p:spPr>
+          <a:xfrm>
+            <a:off x="5105400" y="4774168"/>
+            <a:ext cx="937116" cy="369332"/>
+          </a:xfrm>
+          <a:prstGeom prst="rect">
+            <a:avLst/>
+          </a:prstGeom>
+          <a:noFill/>
+        </p:spPr>
+        <p:txBody>
+          <a:bodyPr wrap="none" rtlCol="0">
+            <a:spAutoFit/>
+          </a:bodyPr>
+          <a:lstStyle/>
+          <a:p>
+            <a:r>
+              <a:rPr lang="en-US" dirty="0" err="1" smtClean="0"/>
+              <a:t>dockerd</a:t>
+            </a:r>
+            <a:endParaRPr lang="en-US" dirty="0"/>
+          </a:p>
+        </p:txBody>
+      </p:sp>
+      <p:sp>
+        <p:nvSpPr>
+          <p:cNvPr id="25" name="Freeform 24"/>
+          <p:cNvSpPr/>
+          <p:nvPr/>
+        </p:nvSpPr>
+        <p:spPr>
+          <a:xfrm>
+            <a:off x="2513118" y="1546893"/>
+            <a:ext cx="1050697" cy="2673415"/>
+          </a:xfrm>
+          <a:custGeom>
+            <a:avLst/>
+            <a:gdLst>
+              <a:gd name="connsiteX0" fmla="*/ 1050697 w 1050697"/>
+              <a:gd name="connsiteY0" fmla="*/ 2673415 h 2673415"/>
+              <a:gd name="connsiteX1" fmla="*/ 945190 w 1050697"/>
+              <a:gd name="connsiteY1" fmla="*/ 2661692 h 2673415"/>
+              <a:gd name="connsiteX2" fmla="*/ 874851 w 1050697"/>
+              <a:gd name="connsiteY2" fmla="*/ 2649969 h 2673415"/>
+              <a:gd name="connsiteX3" fmla="*/ 769344 w 1050697"/>
+              <a:gd name="connsiteY3" fmla="*/ 2638245 h 2673415"/>
+              <a:gd name="connsiteX4" fmla="*/ 675559 w 1050697"/>
+              <a:gd name="connsiteY4" fmla="*/ 2579630 h 2673415"/>
+              <a:gd name="connsiteX5" fmla="*/ 628667 w 1050697"/>
+              <a:gd name="connsiteY5" fmla="*/ 2544461 h 2673415"/>
+              <a:gd name="connsiteX6" fmla="*/ 546605 w 1050697"/>
+              <a:gd name="connsiteY6" fmla="*/ 2497569 h 2673415"/>
+              <a:gd name="connsiteX7" fmla="*/ 523159 w 1050697"/>
+              <a:gd name="connsiteY7" fmla="*/ 2474122 h 2673415"/>
+              <a:gd name="connsiteX8" fmla="*/ 429374 w 1050697"/>
+              <a:gd name="connsiteY8" fmla="*/ 2415507 h 2673415"/>
+              <a:gd name="connsiteX9" fmla="*/ 382482 w 1050697"/>
+              <a:gd name="connsiteY9" fmla="*/ 2356892 h 2673415"/>
+              <a:gd name="connsiteX10" fmla="*/ 323867 w 1050697"/>
+              <a:gd name="connsiteY10" fmla="*/ 2309999 h 2673415"/>
+              <a:gd name="connsiteX11" fmla="*/ 241805 w 1050697"/>
+              <a:gd name="connsiteY11" fmla="*/ 2216215 h 2673415"/>
+              <a:gd name="connsiteX12" fmla="*/ 206636 w 1050697"/>
+              <a:gd name="connsiteY12" fmla="*/ 2157599 h 2673415"/>
+              <a:gd name="connsiteX13" fmla="*/ 136297 w 1050697"/>
+              <a:gd name="connsiteY13" fmla="*/ 2075538 h 2673415"/>
+              <a:gd name="connsiteX14" fmla="*/ 124574 w 1050697"/>
+              <a:gd name="connsiteY14" fmla="*/ 2028645 h 2673415"/>
+              <a:gd name="connsiteX15" fmla="*/ 101128 w 1050697"/>
+              <a:gd name="connsiteY15" fmla="*/ 1993476 h 2673415"/>
+              <a:gd name="connsiteX16" fmla="*/ 54236 w 1050697"/>
+              <a:gd name="connsiteY16" fmla="*/ 1759015 h 2673415"/>
+              <a:gd name="connsiteX17" fmla="*/ 42513 w 1050697"/>
+              <a:gd name="connsiteY17" fmla="*/ 1547999 h 2673415"/>
+              <a:gd name="connsiteX18" fmla="*/ 77682 w 1050697"/>
+              <a:gd name="connsiteY18" fmla="*/ 1125969 h 2673415"/>
+              <a:gd name="connsiteX19" fmla="*/ 101128 w 1050697"/>
+              <a:gd name="connsiteY19" fmla="*/ 1090799 h 2673415"/>
+              <a:gd name="connsiteX20" fmla="*/ 136297 w 1050697"/>
+              <a:gd name="connsiteY20" fmla="*/ 938399 h 2673415"/>
+              <a:gd name="connsiteX21" fmla="*/ 171467 w 1050697"/>
+              <a:gd name="connsiteY21" fmla="*/ 879784 h 2673415"/>
+              <a:gd name="connsiteX22" fmla="*/ 194913 w 1050697"/>
+              <a:gd name="connsiteY22" fmla="*/ 821169 h 2673415"/>
+              <a:gd name="connsiteX23" fmla="*/ 218359 w 1050697"/>
+              <a:gd name="connsiteY23" fmla="*/ 785999 h 2673415"/>
+              <a:gd name="connsiteX24" fmla="*/ 253528 w 1050697"/>
+              <a:gd name="connsiteY24" fmla="*/ 703938 h 2673415"/>
+              <a:gd name="connsiteX25" fmla="*/ 288697 w 1050697"/>
+              <a:gd name="connsiteY25" fmla="*/ 692215 h 2673415"/>
+              <a:gd name="connsiteX26" fmla="*/ 312144 w 1050697"/>
+              <a:gd name="connsiteY26" fmla="*/ 598430 h 2673415"/>
+              <a:gd name="connsiteX27" fmla="*/ 347313 w 1050697"/>
+              <a:gd name="connsiteY27" fmla="*/ 563261 h 2673415"/>
+              <a:gd name="connsiteX28" fmla="*/ 370759 w 1050697"/>
+              <a:gd name="connsiteY28" fmla="*/ 492922 h 2673415"/>
+              <a:gd name="connsiteX29" fmla="*/ 487990 w 1050697"/>
+              <a:gd name="connsiteY29" fmla="*/ 387415 h 2673415"/>
+              <a:gd name="connsiteX30" fmla="*/ 546605 w 1050697"/>
+              <a:gd name="connsiteY30" fmla="*/ 305353 h 2673415"/>
+              <a:gd name="connsiteX31" fmla="*/ 581774 w 1050697"/>
+              <a:gd name="connsiteY31" fmla="*/ 281907 h 2673415"/>
+              <a:gd name="connsiteX32" fmla="*/ 675559 w 1050697"/>
+              <a:gd name="connsiteY32" fmla="*/ 199845 h 2673415"/>
+              <a:gd name="connsiteX33" fmla="*/ 745897 w 1050697"/>
+              <a:gd name="connsiteY33" fmla="*/ 164676 h 2673415"/>
+              <a:gd name="connsiteX34" fmla="*/ 757620 w 1050697"/>
+              <a:gd name="connsiteY34" fmla="*/ 129507 h 2673415"/>
+              <a:gd name="connsiteX35" fmla="*/ 816236 w 1050697"/>
+              <a:gd name="connsiteY35" fmla="*/ 94338 h 2673415"/>
+              <a:gd name="connsiteX36" fmla="*/ 851405 w 1050697"/>
+              <a:gd name="connsiteY36" fmla="*/ 47445 h 2673415"/>
+              <a:gd name="connsiteX37" fmla="*/ 898297 w 1050697"/>
+              <a:gd name="connsiteY37" fmla="*/ 23999 h 2673415"/>
+              <a:gd name="connsiteX38" fmla="*/ 933467 w 1050697"/>
+              <a:gd name="connsiteY38" fmla="*/ 12276 h 2673415"/>
+              <a:gd name="connsiteX39" fmla="*/ 1027251 w 1050697"/>
+              <a:gd name="connsiteY39" fmla="*/ 553 h 2673415"/>
+            </a:gdLst>
+            <a:ahLst/>
+            <a:cxnLst>
+              <a:cxn ang="0">
+                <a:pos x="connsiteX0" y="connsiteY0"/>
+              </a:cxn>
+              <a:cxn ang="0">
+                <a:pos x="connsiteX1" y="connsiteY1"/>
+              </a:cxn>
+              <a:cxn ang="0">
+                <a:pos x="connsiteX2" y="connsiteY2"/>
+              </a:cxn>
+              <a:cxn ang="0">
+                <a:pos x="connsiteX3" y="connsiteY3"/>
+              </a:cxn>
+              <a:cxn ang="0">
+                <a:pos x="connsiteX4" y="connsiteY4"/>
+              </a:cxn>
+              <a:cxn ang="0">
+                <a:pos x="connsiteX5" y="connsiteY5"/>
+              </a:cxn>
+              <a:cxn ang="0">
+                <a:pos x="connsiteX6" y="connsiteY6"/>
+              </a:cxn>
+              <a:cxn ang="0">
+                <a:pos x="connsiteX7" y="connsiteY7"/>
+              </a:cxn>
+              <a:cxn ang="0">
+                <a:pos x="connsiteX8" y="connsiteY8"/>
+              </a:cxn>
+              <a:cxn ang="0">
+                <a:pos x="connsiteX9" y="connsiteY9"/>
+              </a:cxn>
+              <a:cxn ang="0">
+                <a:pos x="connsiteX10" y="connsiteY10"/>
+              </a:cxn>
+              <a:cxn ang="0">
+                <a:pos x="connsiteX11" y="connsiteY11"/>
+              </a:cxn>
+              <a:cxn ang="0">
+                <a:pos x="connsiteX12" y="connsiteY12"/>
+              </a:cxn>
+              <a:cxn ang="0">
+                <a:pos x="connsiteX13" y="connsiteY13"/>
+              </a:cxn>
+              <a:cxn ang="0">
+                <a:pos x="connsiteX14" y="connsiteY14"/>
+              </a:cxn>
+              <a:cxn ang="0">
+                <a:pos x="connsiteX15" y="connsiteY15"/>
+              </a:cxn>
+              <a:cxn ang="0">
+                <a:pos x="connsiteX16" y="connsiteY16"/>
+              </a:cxn>
+              <a:cxn ang="0">
+                <a:pos x="connsiteX17" y="connsiteY17"/>
+              </a:cxn>
+              <a:cxn ang="0">
+                <a:pos x="connsiteX18" y="connsiteY18"/>
+              </a:cxn>
+              <a:cxn ang="0">
+                <a:pos x="connsiteX19" y="connsiteY19"/>
+              </a:cxn>
+              <a:cxn ang="0">
+                <a:pos x="connsiteX20" y="connsiteY20"/>
+              </a:cxn>
+              <a:cxn ang="0">
+                <a:pos x="connsiteX21" y="connsiteY21"/>
+              </a:cxn>
+              <a:cxn ang="0">
+                <a:pos x="connsiteX22" y="connsiteY22"/>
+              </a:cxn>
+              <a:cxn ang="0">
+                <a:pos x="connsiteX23" y="connsiteY23"/>
+              </a:cxn>
+              <a:cxn ang="0">
+                <a:pos x="connsiteX24" y="connsiteY24"/>
+              </a:cxn>
+              <a:cxn ang="0">
+                <a:pos x="connsiteX25" y="connsiteY25"/>
+              </a:cxn>
+              <a:cxn ang="0">
+                <a:pos x="connsiteX26" y="connsiteY26"/>
+              </a:cxn>
+              <a:cxn ang="0">
+                <a:pos x="connsiteX27" y="connsiteY27"/>
+              </a:cxn>
+              <a:cxn ang="0">
+                <a:pos x="connsiteX28" y="connsiteY28"/>
+              </a:cxn>
+              <a:cxn ang="0">
+                <a:pos x="connsiteX29" y="connsiteY29"/>
+              </a:cxn>
+              <a:cxn ang="0">
+                <a:pos x="connsiteX30" y="connsiteY30"/>
+              </a:cxn>
+              <a:cxn ang="0">
+                <a:pos x="connsiteX31" y="connsiteY31"/>
+              </a:cxn>
+              <a:cxn ang="0">
+                <a:pos x="connsiteX32" y="connsiteY32"/>
+              </a:cxn>
+              <a:cxn ang="0">
+                <a:pos x="connsiteX33" y="connsiteY33"/>
+              </a:cxn>
+              <a:cxn ang="0">
+                <a:pos x="connsiteX34" y="connsiteY34"/>
+              </a:cxn>
+              <a:cxn ang="0">
+                <a:pos x="connsiteX35" y="connsiteY35"/>
+              </a:cxn>
+              <a:cxn ang="0">
+                <a:pos x="connsiteX36" y="connsiteY36"/>
+              </a:cxn>
+              <a:cxn ang="0">
+                <a:pos x="connsiteX37" y="connsiteY37"/>
+              </a:cxn>
+              <a:cxn ang="0">
+                <a:pos x="connsiteX38" y="connsiteY38"/>
+              </a:cxn>
+              <a:cxn ang="0">
+                <a:pos x="connsiteX39" y="connsiteY39"/>
+              </a:cxn>
+            </a:cxnLst>
+            <a:rect l="l" t="t" r="r" b="b"/>
+            <a:pathLst>
+              <a:path w="1050697" h="2673415">
+                <a:moveTo>
+                  <a:pt x="1050697" y="2673415"/>
+                </a:moveTo>
+                <a:cubicBezTo>
+                  <a:pt x="1015528" y="2669507"/>
+                  <a:pt x="980265" y="2666369"/>
+                  <a:pt x="945190" y="2661692"/>
+                </a:cubicBezTo>
+                <a:cubicBezTo>
+                  <a:pt x="921629" y="2658551"/>
+                  <a:pt x="898412" y="2653111"/>
+                  <a:pt x="874851" y="2649969"/>
+                </a:cubicBezTo>
+                <a:cubicBezTo>
+                  <a:pt x="839776" y="2645292"/>
+                  <a:pt x="804513" y="2642153"/>
+                  <a:pt x="769344" y="2638245"/>
+                </a:cubicBezTo>
+                <a:cubicBezTo>
+                  <a:pt x="738082" y="2618707"/>
+                  <a:pt x="706233" y="2600079"/>
+                  <a:pt x="675559" y="2579630"/>
+                </a:cubicBezTo>
+                <a:cubicBezTo>
+                  <a:pt x="659302" y="2568792"/>
+                  <a:pt x="645236" y="2554816"/>
+                  <a:pt x="628667" y="2544461"/>
+                </a:cubicBezTo>
+                <a:cubicBezTo>
+                  <a:pt x="573658" y="2510081"/>
+                  <a:pt x="592698" y="2534445"/>
+                  <a:pt x="546605" y="2497569"/>
+                </a:cubicBezTo>
+                <a:cubicBezTo>
+                  <a:pt x="537974" y="2490664"/>
+                  <a:pt x="532355" y="2480253"/>
+                  <a:pt x="523159" y="2474122"/>
+                </a:cubicBezTo>
+                <a:cubicBezTo>
+                  <a:pt x="467441" y="2436976"/>
+                  <a:pt x="480577" y="2466709"/>
+                  <a:pt x="429374" y="2415507"/>
+                </a:cubicBezTo>
+                <a:cubicBezTo>
+                  <a:pt x="411681" y="2397814"/>
+                  <a:pt x="398766" y="2375890"/>
+                  <a:pt x="382482" y="2356892"/>
+                </a:cubicBezTo>
+                <a:cubicBezTo>
+                  <a:pt x="360208" y="2330905"/>
+                  <a:pt x="354040" y="2330114"/>
+                  <a:pt x="323867" y="2309999"/>
+                </a:cubicBezTo>
+                <a:cubicBezTo>
+                  <a:pt x="221679" y="2139690"/>
+                  <a:pt x="355773" y="2346465"/>
+                  <a:pt x="241805" y="2216215"/>
+                </a:cubicBezTo>
+                <a:cubicBezTo>
+                  <a:pt x="226801" y="2199067"/>
+                  <a:pt x="219703" y="2176266"/>
+                  <a:pt x="206636" y="2157599"/>
+                </a:cubicBezTo>
+                <a:cubicBezTo>
+                  <a:pt x="175253" y="2112766"/>
+                  <a:pt x="167536" y="2106776"/>
+                  <a:pt x="136297" y="2075538"/>
+                </a:cubicBezTo>
+                <a:cubicBezTo>
+                  <a:pt x="132389" y="2059907"/>
+                  <a:pt x="130921" y="2043454"/>
+                  <a:pt x="124574" y="2028645"/>
+                </a:cubicBezTo>
+                <a:cubicBezTo>
+                  <a:pt x="119024" y="2015695"/>
+                  <a:pt x="105583" y="2006842"/>
+                  <a:pt x="101128" y="1993476"/>
+                </a:cubicBezTo>
+                <a:cubicBezTo>
+                  <a:pt x="66880" y="1890732"/>
+                  <a:pt x="66374" y="1856116"/>
+                  <a:pt x="54236" y="1759015"/>
+                </a:cubicBezTo>
+                <a:cubicBezTo>
+                  <a:pt x="50328" y="1688676"/>
+                  <a:pt x="42513" y="1618446"/>
+                  <a:pt x="42513" y="1547999"/>
+                </a:cubicBezTo>
+                <a:cubicBezTo>
+                  <a:pt x="42513" y="1318950"/>
+                  <a:pt x="0" y="1261914"/>
+                  <a:pt x="77682" y="1125969"/>
+                </a:cubicBezTo>
+                <a:cubicBezTo>
+                  <a:pt x="84672" y="1113736"/>
+                  <a:pt x="93313" y="1102522"/>
+                  <a:pt x="101128" y="1090799"/>
+                </a:cubicBezTo>
+                <a:cubicBezTo>
+                  <a:pt x="118757" y="932142"/>
+                  <a:pt x="95063" y="1034613"/>
+                  <a:pt x="136297" y="938399"/>
+                </a:cubicBezTo>
+                <a:cubicBezTo>
+                  <a:pt x="159124" y="885136"/>
+                  <a:pt x="132477" y="918773"/>
+                  <a:pt x="171467" y="879784"/>
+                </a:cubicBezTo>
+                <a:cubicBezTo>
+                  <a:pt x="179282" y="860246"/>
+                  <a:pt x="185502" y="839991"/>
+                  <a:pt x="194913" y="821169"/>
+                </a:cubicBezTo>
+                <a:cubicBezTo>
+                  <a:pt x="201214" y="808567"/>
+                  <a:pt x="212058" y="798601"/>
+                  <a:pt x="218359" y="785999"/>
+                </a:cubicBezTo>
+                <a:cubicBezTo>
+                  <a:pt x="231668" y="759381"/>
+                  <a:pt x="235672" y="727746"/>
+                  <a:pt x="253528" y="703938"/>
+                </a:cubicBezTo>
+                <a:cubicBezTo>
+                  <a:pt x="260942" y="694052"/>
+                  <a:pt x="276974" y="696123"/>
+                  <a:pt x="288697" y="692215"/>
+                </a:cubicBezTo>
+                <a:cubicBezTo>
+                  <a:pt x="296513" y="660953"/>
+                  <a:pt x="298810" y="627765"/>
+                  <a:pt x="312144" y="598430"/>
+                </a:cubicBezTo>
+                <a:cubicBezTo>
+                  <a:pt x="319004" y="583337"/>
+                  <a:pt x="339262" y="577754"/>
+                  <a:pt x="347313" y="563261"/>
+                </a:cubicBezTo>
+                <a:cubicBezTo>
+                  <a:pt x="359315" y="541657"/>
+                  <a:pt x="350987" y="507751"/>
+                  <a:pt x="370759" y="492922"/>
+                </a:cubicBezTo>
+                <a:cubicBezTo>
+                  <a:pt x="423296" y="453519"/>
+                  <a:pt x="439271" y="444991"/>
+                  <a:pt x="487990" y="387415"/>
+                </a:cubicBezTo>
+                <a:cubicBezTo>
+                  <a:pt x="509704" y="361754"/>
+                  <a:pt x="524272" y="330477"/>
+                  <a:pt x="546605" y="305353"/>
+                </a:cubicBezTo>
+                <a:cubicBezTo>
+                  <a:pt x="555965" y="294822"/>
+                  <a:pt x="570950" y="290927"/>
+                  <a:pt x="581774" y="281907"/>
+                </a:cubicBezTo>
+                <a:cubicBezTo>
+                  <a:pt x="639970" y="233411"/>
+                  <a:pt x="595950" y="250506"/>
+                  <a:pt x="675559" y="199845"/>
+                </a:cubicBezTo>
+                <a:cubicBezTo>
+                  <a:pt x="697674" y="185772"/>
+                  <a:pt x="722451" y="176399"/>
+                  <a:pt x="745897" y="164676"/>
+                </a:cubicBezTo>
+                <a:cubicBezTo>
+                  <a:pt x="749805" y="152953"/>
+                  <a:pt x="751262" y="140103"/>
+                  <a:pt x="757620" y="129507"/>
+                </a:cubicBezTo>
+                <a:cubicBezTo>
+                  <a:pt x="773712" y="102688"/>
+                  <a:pt x="788573" y="103559"/>
+                  <a:pt x="816236" y="94338"/>
+                </a:cubicBezTo>
+                <a:cubicBezTo>
+                  <a:pt x="827959" y="78707"/>
+                  <a:pt x="836570" y="60161"/>
+                  <a:pt x="851405" y="47445"/>
+                </a:cubicBezTo>
+                <a:cubicBezTo>
+                  <a:pt x="864673" y="36072"/>
+                  <a:pt x="882234" y="30883"/>
+                  <a:pt x="898297" y="23999"/>
+                </a:cubicBezTo>
+                <a:cubicBezTo>
+                  <a:pt x="909655" y="19131"/>
+                  <a:pt x="921350" y="14699"/>
+                  <a:pt x="933467" y="12276"/>
+                </a:cubicBezTo>
+                <a:cubicBezTo>
+                  <a:pt x="994846" y="0"/>
+                  <a:pt x="991369" y="553"/>
+                  <a:pt x="1027251" y="553"/>
+                </a:cubicBezTo>
+              </a:path>
+            </a:pathLst>
+          </a:custGeom>
+        </p:spPr>
+        <p:style>
+          <a:lnRef idx="1">
+            <a:schemeClr val="accent1"/>
+          </a:lnRef>
+          <a:fillRef idx="0">
+            <a:schemeClr val="accent1"/>
+          </a:fillRef>
+          <a:effectRef idx="0">
+            <a:schemeClr val="accent1"/>
+          </a:effectRef>
+          <a:fontRef idx="minor">
+            <a:schemeClr val="tx1"/>
+          </a:fontRef>
+        </p:style>
+        <p:txBody>
+          <a:bodyPr rtlCol="0" anchor="ctr"/>
+          <a:lstStyle/>
+          <a:p>
+            <a:pPr algn="ctr"/>
+            <a:endParaRPr lang="en-US"/>
+          </a:p>
+        </p:txBody>
+      </p:sp>
+      <p:sp>
+        <p:nvSpPr>
+          <p:cNvPr id="26" name="Freeform 25"/>
+          <p:cNvSpPr/>
+          <p:nvPr/>
+        </p:nvSpPr>
+        <p:spPr>
+          <a:xfrm>
+            <a:off x="3341077" y="1453662"/>
+            <a:ext cx="178609" cy="339969"/>
+          </a:xfrm>
+          <a:custGeom>
+            <a:avLst/>
+            <a:gdLst>
+              <a:gd name="connsiteX0" fmla="*/ 0 w 178609"/>
+              <a:gd name="connsiteY0" fmla="*/ 0 h 339969"/>
+              <a:gd name="connsiteX1" fmla="*/ 46892 w 178609"/>
+              <a:gd name="connsiteY1" fmla="*/ 23446 h 339969"/>
+              <a:gd name="connsiteX2" fmla="*/ 82061 w 178609"/>
+              <a:gd name="connsiteY2" fmla="*/ 70338 h 339969"/>
+              <a:gd name="connsiteX3" fmla="*/ 140677 w 178609"/>
+              <a:gd name="connsiteY3" fmla="*/ 82061 h 339969"/>
+              <a:gd name="connsiteX4" fmla="*/ 175846 w 178609"/>
+              <a:gd name="connsiteY4" fmla="*/ 105507 h 339969"/>
+              <a:gd name="connsiteX5" fmla="*/ 152400 w 178609"/>
+              <a:gd name="connsiteY5" fmla="*/ 140676 h 339969"/>
+              <a:gd name="connsiteX6" fmla="*/ 140677 w 178609"/>
+              <a:gd name="connsiteY6" fmla="*/ 187569 h 339969"/>
+              <a:gd name="connsiteX7" fmla="*/ 117231 w 178609"/>
+              <a:gd name="connsiteY7" fmla="*/ 234461 h 339969"/>
+              <a:gd name="connsiteX8" fmla="*/ 82061 w 178609"/>
+              <a:gd name="connsiteY8" fmla="*/ 293076 h 339969"/>
+              <a:gd name="connsiteX9" fmla="*/ 70338 w 178609"/>
+              <a:gd name="connsiteY9" fmla="*/ 339969 h 339969"/>
+            </a:gdLst>
+            <a:ahLst/>
+            <a:cxnLst>
+              <a:cxn ang="0">
+                <a:pos x="connsiteX0" y="connsiteY0"/>
+              </a:cxn>
+              <a:cxn ang="0">
+                <a:pos x="connsiteX1" y="connsiteY1"/>
+              </a:cxn>
+              <a:cxn ang="0">
+                <a:pos x="connsiteX2" y="connsiteY2"/>
+              </a:cxn>
+              <a:cxn ang="0">
+                <a:pos x="connsiteX3" y="connsiteY3"/>
+              </a:cxn>
+              <a:cxn ang="0">
+                <a:pos x="connsiteX4" y="connsiteY4"/>
+              </a:cxn>
+              <a:cxn ang="0">
+                <a:pos x="connsiteX5" y="connsiteY5"/>
+              </a:cxn>
+              <a:cxn ang="0">
+                <a:pos x="connsiteX6" y="connsiteY6"/>
+              </a:cxn>
+              <a:cxn ang="0">
+                <a:pos x="connsiteX7" y="connsiteY7"/>
+              </a:cxn>
+              <a:cxn ang="0">
+                <a:pos x="connsiteX8" y="connsiteY8"/>
+              </a:cxn>
+              <a:cxn ang="0">
+                <a:pos x="connsiteX9" y="connsiteY9"/>
+              </a:cxn>
+            </a:cxnLst>
+            <a:rect l="l" t="t" r="r" b="b"/>
+            <a:pathLst>
+              <a:path w="178609" h="339969">
+                <a:moveTo>
+                  <a:pt x="0" y="0"/>
+                </a:moveTo>
+                <a:cubicBezTo>
+                  <a:pt x="15631" y="7815"/>
+                  <a:pt x="33624" y="12073"/>
+                  <a:pt x="46892" y="23446"/>
+                </a:cubicBezTo>
+                <a:cubicBezTo>
+                  <a:pt x="61727" y="36161"/>
+                  <a:pt x="65492" y="59983"/>
+                  <a:pt x="82061" y="70338"/>
+                </a:cubicBezTo>
+                <a:cubicBezTo>
+                  <a:pt x="98958" y="80898"/>
+                  <a:pt x="121138" y="78153"/>
+                  <a:pt x="140677" y="82061"/>
+                </a:cubicBezTo>
+                <a:cubicBezTo>
+                  <a:pt x="152400" y="89876"/>
+                  <a:pt x="173083" y="91691"/>
+                  <a:pt x="175846" y="105507"/>
+                </a:cubicBezTo>
+                <a:cubicBezTo>
+                  <a:pt x="178609" y="119323"/>
+                  <a:pt x="157950" y="127726"/>
+                  <a:pt x="152400" y="140676"/>
+                </a:cubicBezTo>
+                <a:cubicBezTo>
+                  <a:pt x="146053" y="155485"/>
+                  <a:pt x="146334" y="172483"/>
+                  <a:pt x="140677" y="187569"/>
+                </a:cubicBezTo>
+                <a:cubicBezTo>
+                  <a:pt x="134541" y="203932"/>
+                  <a:pt x="124115" y="218398"/>
+                  <a:pt x="117231" y="234461"/>
+                </a:cubicBezTo>
+                <a:cubicBezTo>
+                  <a:pt x="94404" y="287724"/>
+                  <a:pt x="121052" y="254087"/>
+                  <a:pt x="82061" y="293076"/>
+                </a:cubicBezTo>
+                <a:cubicBezTo>
+                  <a:pt x="69102" y="331953"/>
+                  <a:pt x="70338" y="315889"/>
+                  <a:pt x="70338" y="339969"/>
+                </a:cubicBezTo>
+              </a:path>
+            </a:pathLst>
+          </a:custGeom>
+        </p:spPr>
+        <p:style>
+          <a:lnRef idx="1">
+            <a:schemeClr val="accent1"/>
+          </a:lnRef>
+          <a:fillRef idx="0">
+            <a:schemeClr val="accent1"/>
+          </a:fillRef>
+          <a:effectRef idx="0">
+            <a:schemeClr val="accent1"/>
+          </a:effectRef>
+          <a:fontRef idx="minor">
+            <a:schemeClr val="tx1"/>
+          </a:fontRef>
+        </p:style>
+        <p:txBody>
+          <a:bodyPr rtlCol="0" anchor="ctr"/>
+          <a:lstStyle/>
+          <a:p>
+            <a:pPr algn="ctr"/>
+            <a:endParaRPr lang="en-US"/>
+          </a:p>
+        </p:txBody>
+      </p:sp>
+      <p:sp>
+        <p:nvSpPr>
+          <p:cNvPr id="27" name="TextBox 26"/>
+          <p:cNvSpPr txBox="1"/>
+          <p:nvPr/>
+        </p:nvSpPr>
+        <p:spPr>
+          <a:xfrm>
+            <a:off x="990600" y="2857500"/>
+            <a:ext cx="3226268" cy="276999"/>
+          </a:xfrm>
+          <a:prstGeom prst="rect">
+            <a:avLst/>
+          </a:prstGeom>
+          <a:noFill/>
+        </p:spPr>
+        <p:txBody>
+          <a:bodyPr wrap="none" rtlCol="0">
+            <a:spAutoFit/>
+          </a:bodyPr>
+          <a:lstStyle/>
+          <a:p>
+            <a:r>
+              <a:rPr lang="en-US" sz="1200" dirty="0" err="1" smtClean="0"/>
+              <a:t>Kubeadm</a:t>
+            </a:r>
+            <a:r>
+              <a:rPr lang="en-US" sz="1200" dirty="0" smtClean="0"/>
+              <a:t> join –</a:t>
+            </a:r>
+            <a:r>
+              <a:rPr lang="en-US" sz="1200" dirty="0" err="1" smtClean="0"/>
+              <a:t>api</a:t>
+            </a:r>
+            <a:r>
+              <a:rPr lang="en-US" sz="1200" dirty="0" smtClean="0"/>
+              <a:t>-server 192.167.10.70:6443 …</a:t>
+            </a:r>
+            <a:endParaRPr lang="en-US" dirty="0"/>
+          </a:p>
+        </p:txBody>
+      </p:sp>
+      <p:sp>
+        <p:nvSpPr>
+          <p:cNvPr id="28" name="TextBox 27"/>
+          <p:cNvSpPr txBox="1"/>
+          <p:nvPr/>
+        </p:nvSpPr>
+        <p:spPr>
+          <a:xfrm>
+            <a:off x="5054574" y="3390900"/>
+            <a:ext cx="889026" cy="369332"/>
+          </a:xfrm>
+          <a:prstGeom prst="rect">
+            <a:avLst/>
+          </a:prstGeom>
+          <a:noFill/>
+        </p:spPr>
+        <p:txBody>
+          <a:bodyPr wrap="none" rtlCol="0">
+            <a:spAutoFit/>
+          </a:bodyPr>
+          <a:lstStyle/>
+          <a:p>
+            <a:r>
+              <a:rPr lang="en-US" dirty="0" err="1" smtClean="0"/>
+              <a:t>kubelet</a:t>
+            </a:r>
+            <a:endParaRPr lang="en-US" dirty="0"/>
+          </a:p>
+        </p:txBody>
+      </p:sp>
+      <p:sp>
+        <p:nvSpPr>
+          <p:cNvPr id="29" name="TextBox 28"/>
+          <p:cNvSpPr txBox="1"/>
+          <p:nvPr/>
+        </p:nvSpPr>
+        <p:spPr>
+          <a:xfrm>
+            <a:off x="6324600" y="723900"/>
+            <a:ext cx="889026" cy="369332"/>
+          </a:xfrm>
+          <a:prstGeom prst="rect">
+            <a:avLst/>
+          </a:prstGeom>
+          <a:noFill/>
+        </p:spPr>
+        <p:txBody>
+          <a:bodyPr wrap="none" rtlCol="0">
+            <a:spAutoFit/>
+          </a:bodyPr>
+          <a:lstStyle/>
+          <a:p>
+            <a:r>
+              <a:rPr lang="en-US" i="1" dirty="0" err="1" smtClean="0"/>
+              <a:t>kubelet</a:t>
+            </a:r>
+            <a:endParaRPr lang="en-US" i="1" dirty="0"/>
+          </a:p>
+        </p:txBody>
+      </p:sp>
+      <p:cxnSp>
+        <p:nvCxnSpPr>
+          <p:cNvPr id="31" name="Straight Arrow Connector 30"/>
+          <p:cNvCxnSpPr>
+            <a:stCxn id="19" idx="2"/>
+            <a:endCxn id="28" idx="0"/>
+          </p:cNvCxnSpPr>
+          <p:nvPr/>
+        </p:nvCxnSpPr>
+        <p:spPr>
+          <a:xfrm>
+            <a:off x="4894192" y="2312432"/>
+            <a:ext cx="604895" cy="1078468"/>
+          </a:xfrm>
+          <a:prstGeom prst="straightConnector1">
+            <a:avLst/>
+          </a:prstGeom>
+          <a:ln>
+            <a:tailEnd type="arrow"/>
+          </a:ln>
+        </p:spPr>
+        <p:style>
+          <a:lnRef idx="1">
+            <a:schemeClr val="accent1"/>
+          </a:lnRef>
+          <a:fillRef idx="0">
+            <a:schemeClr val="accent1"/>
+          </a:fillRef>
+          <a:effectRef idx="0">
+            <a:schemeClr val="accent1"/>
+          </a:effectRef>
+          <a:fontRef idx="minor">
+            <a:schemeClr val="tx1"/>
+          </a:fontRef>
+        </p:style>
+      </p:cxnSp>
+      <p:sp>
+        <p:nvSpPr>
+          <p:cNvPr id="32" name="TextBox 31"/>
+          <p:cNvSpPr txBox="1"/>
+          <p:nvPr/>
+        </p:nvSpPr>
+        <p:spPr>
+          <a:xfrm>
+            <a:off x="5286562" y="2705100"/>
+            <a:ext cx="276038" cy="307777"/>
+          </a:xfrm>
+          <a:prstGeom prst="rect">
+            <a:avLst/>
+          </a:prstGeom>
+          <a:noFill/>
+        </p:spPr>
+        <p:txBody>
+          <a:bodyPr wrap="none" rtlCol="0">
+            <a:spAutoFit/>
+          </a:bodyPr>
+          <a:lstStyle/>
+          <a:p>
+            <a:r>
+              <a:rPr lang="en-US" sz="1400" dirty="0" smtClean="0"/>
+              <a:t>4</a:t>
+            </a:r>
+            <a:endParaRPr lang="en-US" dirty="0"/>
+          </a:p>
+        </p:txBody>
+      </p:sp>
+      <p:cxnSp>
+        <p:nvCxnSpPr>
+          <p:cNvPr id="34" name="Straight Arrow Connector 33"/>
+          <p:cNvCxnSpPr>
+            <a:stCxn id="28" idx="2"/>
+            <a:endCxn id="24" idx="0"/>
+          </p:cNvCxnSpPr>
+          <p:nvPr/>
+        </p:nvCxnSpPr>
+        <p:spPr>
+          <a:xfrm>
+            <a:off x="5499087" y="3760232"/>
+            <a:ext cx="74871" cy="1013936"/>
+          </a:xfrm>
+          <a:prstGeom prst="straightConnector1">
+            <a:avLst/>
+          </a:prstGeom>
+          <a:ln>
+            <a:tailEnd type="arrow"/>
+          </a:ln>
+        </p:spPr>
+        <p:style>
+          <a:lnRef idx="1">
+            <a:schemeClr val="accent1"/>
+          </a:lnRef>
+          <a:fillRef idx="0">
+            <a:schemeClr val="accent1"/>
+          </a:fillRef>
+          <a:effectRef idx="0">
+            <a:schemeClr val="accent1"/>
+          </a:effectRef>
+          <a:fontRef idx="minor">
+            <a:schemeClr val="tx1"/>
+          </a:fontRef>
+        </p:style>
+      </p:cxnSp>
+      <p:cxnSp>
+        <p:nvCxnSpPr>
+          <p:cNvPr id="36" name="Straight Arrow Connector 35"/>
+          <p:cNvCxnSpPr>
+            <a:stCxn id="24" idx="1"/>
+          </p:cNvCxnSpPr>
+          <p:nvPr/>
+        </p:nvCxnSpPr>
+        <p:spPr>
+          <a:xfrm flipH="1">
+            <a:off x="2133600" y="4958834"/>
+            <a:ext cx="2971800" cy="184666"/>
+          </a:xfrm>
+          <a:prstGeom prst="straightConnector1">
+            <a:avLst/>
+          </a:prstGeom>
+          <a:ln>
+            <a:tailEnd type="arrow"/>
+          </a:ln>
+        </p:spPr>
+        <p:style>
+          <a:lnRef idx="1">
+            <a:schemeClr val="accent1"/>
+          </a:lnRef>
+          <a:fillRef idx="0">
+            <a:schemeClr val="accent1"/>
+          </a:fillRef>
+          <a:effectRef idx="0">
+            <a:schemeClr val="accent1"/>
+          </a:effectRef>
+          <a:fontRef idx="minor">
+            <a:schemeClr val="tx1"/>
+          </a:fontRef>
+        </p:style>
+      </p:cxnSp>
+      <p:sp>
+        <p:nvSpPr>
+          <p:cNvPr id="37" name="Cloud 36"/>
+          <p:cNvSpPr/>
+          <p:nvPr/>
+        </p:nvSpPr>
+        <p:spPr>
+          <a:xfrm>
+            <a:off x="228600" y="4914900"/>
+            <a:ext cx="1828800" cy="533400"/>
+          </a:xfrm>
+          <a:prstGeom prst="cloud">
+            <a:avLst/>
+          </a:prstGeom>
+        </p:spPr>
+        <p:style>
+          <a:lnRef idx="2">
+            <a:schemeClr val="accent1">
+              <a:shade val="50000"/>
+            </a:schemeClr>
+          </a:lnRef>
+          <a:fillRef idx="1">
+            <a:schemeClr val="accent1"/>
+          </a:fillRef>
+          <a:effectRef idx="0">
+            <a:schemeClr val="accent1"/>
+          </a:effectRef>
+          <a:fontRef idx="minor">
+            <a:schemeClr val="lt1"/>
+          </a:fontRef>
+        </p:style>
+        <p:txBody>
+          <a:bodyPr rtlCol="0" anchor="ctr"/>
+          <a:lstStyle/>
+          <a:p>
+            <a:pPr algn="ctr"/>
+            <a:r>
+              <a:rPr lang="en-US" sz="1200" dirty="0" smtClean="0"/>
+              <a:t>Hub.docker.com</a:t>
+            </a:r>
+            <a:endParaRPr lang="en-US" dirty="0"/>
+          </a:p>
+        </p:txBody>
+      </p:sp>
+      <p:cxnSp>
+        <p:nvCxnSpPr>
+          <p:cNvPr id="39" name="Straight Arrow Connector 38"/>
+          <p:cNvCxnSpPr/>
+          <p:nvPr/>
+        </p:nvCxnSpPr>
+        <p:spPr>
+          <a:xfrm flipV="1">
+            <a:off x="1981200" y="4838700"/>
+            <a:ext cx="3124200" cy="228600"/>
+          </a:xfrm>
+          <a:prstGeom prst="straightConnector1">
+            <a:avLst/>
+          </a:prstGeom>
+          <a:ln>
+            <a:tailEnd type="arrow"/>
+          </a:ln>
+        </p:spPr>
+        <p:style>
+          <a:lnRef idx="1">
+            <a:schemeClr val="accent1"/>
+          </a:lnRef>
+          <a:fillRef idx="0">
+            <a:schemeClr val="accent1"/>
+          </a:fillRef>
+          <a:effectRef idx="0">
+            <a:schemeClr val="accent1"/>
+          </a:effectRef>
+          <a:fontRef idx="minor">
+            <a:schemeClr val="tx1"/>
+          </a:fontRef>
+        </p:style>
+      </p:cxnSp>
+      <p:sp>
+        <p:nvSpPr>
+          <p:cNvPr id="40" name="TextBox 39"/>
+          <p:cNvSpPr txBox="1"/>
+          <p:nvPr/>
+        </p:nvSpPr>
+        <p:spPr>
+          <a:xfrm>
+            <a:off x="5410200" y="4149923"/>
+            <a:ext cx="276038" cy="307777"/>
+          </a:xfrm>
+          <a:prstGeom prst="rect">
+            <a:avLst/>
+          </a:prstGeom>
+          <a:noFill/>
+        </p:spPr>
+        <p:txBody>
+          <a:bodyPr wrap="none" rtlCol="0">
+            <a:spAutoFit/>
+          </a:bodyPr>
+          <a:lstStyle/>
+          <a:p>
+            <a:r>
+              <a:rPr lang="en-US" sz="1400" dirty="0" smtClean="0"/>
+              <a:t>5</a:t>
+            </a:r>
+            <a:endParaRPr lang="en-US" dirty="0"/>
+          </a:p>
+        </p:txBody>
+      </p:sp>
+      <p:sp>
+        <p:nvSpPr>
+          <p:cNvPr id="41" name="TextBox 40"/>
+          <p:cNvSpPr txBox="1"/>
+          <p:nvPr/>
+        </p:nvSpPr>
+        <p:spPr>
+          <a:xfrm>
+            <a:off x="2971800" y="4911923"/>
+            <a:ext cx="276038" cy="307777"/>
+          </a:xfrm>
+          <a:prstGeom prst="rect">
+            <a:avLst/>
+          </a:prstGeom>
+          <a:noFill/>
+        </p:spPr>
+        <p:txBody>
+          <a:bodyPr wrap="none" rtlCol="0">
+            <a:spAutoFit/>
+          </a:bodyPr>
+          <a:lstStyle/>
+          <a:p>
+            <a:r>
+              <a:rPr lang="en-US" sz="1400" dirty="0" smtClean="0"/>
+              <a:t>8</a:t>
+            </a:r>
+            <a:endParaRPr lang="en-US" dirty="0"/>
+          </a:p>
+        </p:txBody>
+      </p:sp>
+      <p:cxnSp>
+        <p:nvCxnSpPr>
+          <p:cNvPr id="43" name="Straight Arrow Connector 42"/>
+          <p:cNvCxnSpPr/>
+          <p:nvPr/>
+        </p:nvCxnSpPr>
+        <p:spPr>
+          <a:xfrm flipH="1" flipV="1">
+            <a:off x="4343400" y="4457700"/>
+            <a:ext cx="838200" cy="381000"/>
+          </a:xfrm>
+          <a:prstGeom prst="straightConnector1">
+            <a:avLst/>
+          </a:prstGeom>
+          <a:ln>
+            <a:tailEnd type="arrow"/>
+          </a:ln>
+        </p:spPr>
+        <p:style>
+          <a:lnRef idx="1">
+            <a:schemeClr val="accent1"/>
+          </a:lnRef>
+          <a:fillRef idx="0">
+            <a:schemeClr val="accent1"/>
+          </a:fillRef>
+          <a:effectRef idx="0">
+            <a:schemeClr val="accent1"/>
+          </a:effectRef>
+          <a:fontRef idx="minor">
+            <a:schemeClr val="tx1"/>
+          </a:fontRef>
+        </p:style>
+      </p:cxnSp>
+      <p:sp>
+        <p:nvSpPr>
+          <p:cNvPr id="44" name="Oval 43"/>
+          <p:cNvSpPr/>
+          <p:nvPr/>
+        </p:nvSpPr>
+        <p:spPr>
+          <a:xfrm>
+            <a:off x="3733800" y="4152900"/>
+            <a:ext cx="685800" cy="304800"/>
+          </a:xfrm>
+          <a:prstGeom prst="ellipse">
+            <a:avLst/>
+          </a:prstGeom>
+        </p:spPr>
+        <p:style>
+          <a:lnRef idx="2">
+            <a:schemeClr val="accent1">
+              <a:shade val="50000"/>
+            </a:schemeClr>
+          </a:lnRef>
+          <a:fillRef idx="1">
+            <a:schemeClr val="accent1"/>
+          </a:fillRef>
+          <a:effectRef idx="0">
+            <a:schemeClr val="accent1"/>
+          </a:effectRef>
+          <a:fontRef idx="minor">
+            <a:schemeClr val="lt1"/>
+          </a:fontRef>
+        </p:style>
+        <p:txBody>
+          <a:bodyPr rtlCol="0" anchor="ctr"/>
+          <a:lstStyle/>
+          <a:p>
+            <a:pPr algn="ctr"/>
+            <a:r>
+              <a:rPr lang="en-US" sz="1400" dirty="0" smtClean="0"/>
+              <a:t>pod</a:t>
+            </a:r>
+            <a:endParaRPr lang="en-US" dirty="0"/>
+          </a:p>
+        </p:txBody>
+      </p:sp>
+      <p:sp>
+        <p:nvSpPr>
+          <p:cNvPr id="45" name="TextBox 44"/>
+          <p:cNvSpPr txBox="1"/>
+          <p:nvPr/>
+        </p:nvSpPr>
+        <p:spPr>
+          <a:xfrm>
+            <a:off x="4524562" y="4454723"/>
+            <a:ext cx="276038" cy="307777"/>
+          </a:xfrm>
+          <a:prstGeom prst="rect">
+            <a:avLst/>
+          </a:prstGeom>
+          <a:noFill/>
+        </p:spPr>
+        <p:txBody>
+          <a:bodyPr wrap="none" rtlCol="0">
+            <a:spAutoFit/>
+          </a:bodyPr>
+          <a:lstStyle/>
+          <a:p>
+            <a:r>
+              <a:rPr lang="en-US" sz="1400" dirty="0" smtClean="0"/>
+              <a:t>6</a:t>
+            </a:r>
+            <a:endParaRPr lang="en-US" dirty="0"/>
+          </a:p>
+        </p:txBody>
+      </p:sp>
+      <p:cxnSp>
+        <p:nvCxnSpPr>
+          <p:cNvPr id="47" name="Straight Arrow Connector 46"/>
+          <p:cNvCxnSpPr>
+            <a:stCxn id="44" idx="4"/>
+            <a:endCxn id="24" idx="1"/>
+          </p:cNvCxnSpPr>
+          <p:nvPr/>
+        </p:nvCxnSpPr>
+        <p:spPr>
+          <a:xfrm>
+            <a:off x="4076700" y="4457700"/>
+            <a:ext cx="1028700" cy="501134"/>
+          </a:xfrm>
+          <a:prstGeom prst="straightConnector1">
+            <a:avLst/>
+          </a:prstGeom>
+          <a:ln>
+            <a:tailEnd type="arrow"/>
+          </a:ln>
+        </p:spPr>
+        <p:style>
+          <a:lnRef idx="1">
+            <a:schemeClr val="accent1"/>
+          </a:lnRef>
+          <a:fillRef idx="0">
+            <a:schemeClr val="accent1"/>
+          </a:fillRef>
+          <a:effectRef idx="0">
+            <a:schemeClr val="accent1"/>
+          </a:effectRef>
+          <a:fontRef idx="minor">
+            <a:schemeClr val="tx1"/>
+          </a:fontRef>
+        </p:style>
+      </p:cxnSp>
+      <p:sp>
+        <p:nvSpPr>
+          <p:cNvPr id="48" name="TextBox 47"/>
+          <p:cNvSpPr txBox="1"/>
+          <p:nvPr/>
+        </p:nvSpPr>
+        <p:spPr>
+          <a:xfrm>
+            <a:off x="4219762" y="4454723"/>
+            <a:ext cx="276038" cy="307777"/>
+          </a:xfrm>
+          <a:prstGeom prst="rect">
+            <a:avLst/>
+          </a:prstGeom>
+          <a:noFill/>
+        </p:spPr>
+        <p:txBody>
+          <a:bodyPr wrap="none" rtlCol="0">
+            <a:spAutoFit/>
+          </a:bodyPr>
+          <a:lstStyle/>
+          <a:p>
+            <a:r>
+              <a:rPr lang="en-US" sz="1400" dirty="0" smtClean="0"/>
+              <a:t>7</a:t>
+            </a:r>
+            <a:endParaRPr lang="en-US" dirty="0"/>
+          </a:p>
+        </p:txBody>
+      </p:sp>
+      <p:cxnSp>
+        <p:nvCxnSpPr>
+          <p:cNvPr id="50" name="Straight Arrow Connector 49"/>
+          <p:cNvCxnSpPr/>
+          <p:nvPr/>
+        </p:nvCxnSpPr>
+        <p:spPr>
+          <a:xfrm flipH="1" flipV="1">
+            <a:off x="5029200" y="4152900"/>
+            <a:ext cx="304800" cy="685800"/>
+          </a:xfrm>
+          <a:prstGeom prst="straightConnector1">
+            <a:avLst/>
+          </a:prstGeom>
+          <a:ln>
+            <a:tailEnd type="arrow"/>
+          </a:ln>
+        </p:spPr>
+        <p:style>
+          <a:lnRef idx="1">
+            <a:schemeClr val="accent1"/>
+          </a:lnRef>
+          <a:fillRef idx="0">
+            <a:schemeClr val="accent1"/>
+          </a:fillRef>
+          <a:effectRef idx="0">
+            <a:schemeClr val="accent1"/>
+          </a:effectRef>
+          <a:fontRef idx="minor">
+            <a:schemeClr val="tx1"/>
+          </a:fontRef>
+        </p:style>
+      </p:cxnSp>
+      <p:sp>
+        <p:nvSpPr>
+          <p:cNvPr id="51" name="Oval 50"/>
+          <p:cNvSpPr/>
+          <p:nvPr/>
+        </p:nvSpPr>
+        <p:spPr>
+          <a:xfrm>
+            <a:off x="4495800" y="3924300"/>
+            <a:ext cx="838200" cy="228600"/>
+          </a:xfrm>
+          <a:prstGeom prst="ellipse">
+            <a:avLst/>
+          </a:prstGeom>
+        </p:spPr>
+        <p:style>
+          <a:lnRef idx="2">
+            <a:schemeClr val="accent1">
+              <a:shade val="50000"/>
+            </a:schemeClr>
+          </a:lnRef>
+          <a:fillRef idx="1">
+            <a:schemeClr val="accent1"/>
+          </a:fillRef>
+          <a:effectRef idx="0">
+            <a:schemeClr val="accent1"/>
+          </a:effectRef>
+          <a:fontRef idx="minor">
+            <a:schemeClr val="lt1"/>
+          </a:fontRef>
+        </p:style>
+        <p:txBody>
+          <a:bodyPr rtlCol="0" anchor="ctr"/>
+          <a:lstStyle/>
+          <a:p>
+            <a:pPr algn="ctr"/>
+            <a:r>
+              <a:rPr lang="en-US" sz="1600" dirty="0" smtClean="0"/>
+              <a:t>app</a:t>
+            </a:r>
+            <a:endParaRPr lang="en-US" dirty="0"/>
+          </a:p>
+        </p:txBody>
+      </p:sp>
+      <p:sp>
+        <p:nvSpPr>
+          <p:cNvPr id="53" name="Can 52"/>
+          <p:cNvSpPr/>
+          <p:nvPr/>
+        </p:nvSpPr>
+        <p:spPr>
+          <a:xfrm>
+            <a:off x="6096000" y="1866900"/>
+            <a:ext cx="1066800" cy="762000"/>
+          </a:xfrm>
+          <a:prstGeom prst="can">
+            <a:avLst/>
+          </a:prstGeom>
+        </p:spPr>
+        <p:style>
+          <a:lnRef idx="2">
+            <a:schemeClr val="accent1">
+              <a:shade val="50000"/>
+            </a:schemeClr>
+          </a:lnRef>
+          <a:fillRef idx="1">
+            <a:schemeClr val="accent1"/>
+          </a:fillRef>
+          <a:effectRef idx="0">
+            <a:schemeClr val="accent1"/>
+          </a:effectRef>
+          <a:fontRef idx="minor">
+            <a:schemeClr val="lt1"/>
+          </a:fontRef>
+        </p:style>
+        <p:txBody>
+          <a:bodyPr rtlCol="0" anchor="ctr"/>
+          <a:lstStyle/>
+          <a:p>
+            <a:pPr algn="ctr"/>
+            <a:r>
+              <a:rPr lang="en-US" dirty="0" err="1" smtClean="0"/>
+              <a:t>Etcd</a:t>
+            </a:r>
+            <a:endParaRPr lang="en-US" dirty="0" smtClean="0"/>
+          </a:p>
+          <a:p>
+            <a:pPr algn="ctr"/>
+            <a:r>
+              <a:rPr lang="en-US" dirty="0" smtClean="0"/>
+              <a:t>Key store</a:t>
+            </a:r>
+            <a:endParaRPr lang="en-US" dirty="0"/>
+          </a:p>
+        </p:txBody>
+      </p:sp>
+      <p:cxnSp>
+        <p:nvCxnSpPr>
+          <p:cNvPr id="55" name="Straight Arrow Connector 54"/>
+          <p:cNvCxnSpPr>
+            <a:stCxn id="16" idx="3"/>
+          </p:cNvCxnSpPr>
+          <p:nvPr/>
+        </p:nvCxnSpPr>
+        <p:spPr>
+          <a:xfrm>
+            <a:off x="5684373" y="1458099"/>
+            <a:ext cx="411627" cy="408801"/>
+          </a:xfrm>
+          <a:prstGeom prst="straightConnector1">
+            <a:avLst/>
+          </a:prstGeom>
+          <a:ln>
+            <a:tailEnd type="arrow"/>
+          </a:ln>
+        </p:spPr>
+        <p:style>
+          <a:lnRef idx="1">
+            <a:schemeClr val="accent1"/>
+          </a:lnRef>
+          <a:fillRef idx="0">
+            <a:schemeClr val="accent1"/>
+          </a:fillRef>
+          <a:effectRef idx="0">
+            <a:schemeClr val="accent1"/>
+          </a:effectRef>
+          <a:fontRef idx="minor">
+            <a:schemeClr val="tx1"/>
+          </a:fontRef>
+        </p:style>
+      </p:cxnSp>
+      <p:sp>
+        <p:nvSpPr>
+          <p:cNvPr id="58" name="Rectangle 57"/>
+          <p:cNvSpPr/>
+          <p:nvPr/>
+        </p:nvSpPr>
+        <p:spPr>
+          <a:xfrm>
+            <a:off x="3657600" y="495300"/>
+            <a:ext cx="2133600" cy="1905000"/>
+          </a:xfrm>
+          <a:prstGeom prst="rect">
+            <a:avLst/>
+          </a:prstGeom>
+          <a:noFill/>
+          <a:ln>
+            <a:prstDash val="sysDot"/>
+          </a:ln>
+        </p:spPr>
+        <p:style>
+          <a:lnRef idx="2">
+            <a:schemeClr val="accent1">
+              <a:shade val="50000"/>
+            </a:schemeClr>
+          </a:lnRef>
+          <a:fillRef idx="1">
+            <a:schemeClr val="accent1"/>
+          </a:fillRef>
+          <a:effectRef idx="0">
+            <a:schemeClr val="accent1"/>
+          </a:effectRef>
+          <a:fontRef idx="minor">
+            <a:schemeClr val="lt1"/>
+          </a:fontRef>
+        </p:style>
+        <p:txBody>
+          <a:bodyPr rtlCol="0" anchor="ctr"/>
+          <a:lstStyle/>
+          <a:p>
+            <a:pPr algn="ctr"/>
+            <a:endParaRPr lang="en-US"/>
+          </a:p>
+        </p:txBody>
+      </p:sp>
+      <p:cxnSp>
+        <p:nvCxnSpPr>
+          <p:cNvPr id="60" name="Straight Arrow Connector 59"/>
+          <p:cNvCxnSpPr/>
+          <p:nvPr/>
+        </p:nvCxnSpPr>
+        <p:spPr>
+          <a:xfrm>
+            <a:off x="5791200" y="1181100"/>
+            <a:ext cx="1905000" cy="228600"/>
+          </a:xfrm>
+          <a:prstGeom prst="straightConnector1">
+            <a:avLst/>
+          </a:prstGeom>
+          <a:ln>
+            <a:tailEnd type="arrow"/>
+          </a:ln>
+        </p:spPr>
+        <p:style>
+          <a:lnRef idx="1">
+            <a:schemeClr val="accent1"/>
+          </a:lnRef>
+          <a:fillRef idx="0">
+            <a:schemeClr val="accent1"/>
+          </a:fillRef>
+          <a:effectRef idx="0">
+            <a:schemeClr val="accent1"/>
+          </a:effectRef>
+          <a:fontRef idx="minor">
+            <a:schemeClr val="tx1"/>
+          </a:fontRef>
+        </p:style>
+      </p:cxnSp>
+      <p:sp>
+        <p:nvSpPr>
+          <p:cNvPr id="61" name="TextBox 60"/>
+          <p:cNvSpPr txBox="1"/>
+          <p:nvPr/>
+        </p:nvSpPr>
+        <p:spPr>
+          <a:xfrm>
+            <a:off x="7690782" y="1268968"/>
+            <a:ext cx="1453218" cy="369332"/>
+          </a:xfrm>
+          <a:prstGeom prst="rect">
+            <a:avLst/>
+          </a:prstGeom>
+          <a:noFill/>
+        </p:spPr>
+        <p:txBody>
+          <a:bodyPr wrap="none" rtlCol="0">
+            <a:spAutoFit/>
+          </a:bodyPr>
+          <a:lstStyle/>
+          <a:p>
+            <a:r>
+              <a:rPr lang="en-US" dirty="0" smtClean="0"/>
+              <a:t>Control plane</a:t>
+            </a:r>
+            <a:endParaRPr lang="en-US" dirty="0"/>
+          </a:p>
+        </p:txBody>
+      </p:sp>
+      <p:sp>
+        <p:nvSpPr>
+          <p:cNvPr id="62" name="TextBox 61"/>
+          <p:cNvSpPr txBox="1"/>
+          <p:nvPr/>
+        </p:nvSpPr>
+        <p:spPr>
+          <a:xfrm>
+            <a:off x="7467600" y="2476500"/>
+            <a:ext cx="1799723" cy="307777"/>
+          </a:xfrm>
+          <a:prstGeom prst="rect">
+            <a:avLst/>
+          </a:prstGeom>
+          <a:noFill/>
+        </p:spPr>
+        <p:txBody>
+          <a:bodyPr wrap="none" rtlCol="0">
+            <a:spAutoFit/>
+          </a:bodyPr>
+          <a:lstStyle/>
+          <a:p>
+            <a:r>
+              <a:rPr lang="en-US" sz="1400" dirty="0" smtClean="0"/>
+              <a:t>Data plane (unofficial)</a:t>
+            </a:r>
+            <a:endParaRPr lang="en-US" dirty="0"/>
+          </a:p>
+        </p:txBody>
+      </p:sp>
+      <p:cxnSp>
+        <p:nvCxnSpPr>
+          <p:cNvPr id="64" name="Straight Arrow Connector 63"/>
+          <p:cNvCxnSpPr>
+            <a:stCxn id="53" idx="4"/>
+            <a:endCxn id="62" idx="0"/>
+          </p:cNvCxnSpPr>
+          <p:nvPr/>
+        </p:nvCxnSpPr>
+        <p:spPr>
+          <a:xfrm>
+            <a:off x="7162800" y="2247900"/>
+            <a:ext cx="1204662" cy="228600"/>
+          </a:xfrm>
+          <a:prstGeom prst="straightConnector1">
+            <a:avLst/>
+          </a:prstGeom>
+          <a:ln>
+            <a:tailEnd type="arrow"/>
+          </a:ln>
+        </p:spPr>
+        <p:style>
+          <a:lnRef idx="1">
+            <a:schemeClr val="accent1"/>
+          </a:lnRef>
+          <a:fillRef idx="0">
+            <a:schemeClr val="accent1"/>
+          </a:fillRef>
+          <a:effectRef idx="0">
+            <a:schemeClr val="accent1"/>
+          </a:effectRef>
+          <a:fontRef idx="minor">
+            <a:schemeClr val="tx1"/>
+          </a:fontRef>
+        </p:style>
+      </p:cxnSp>
+    </p:spTree>
+  </p:cSld>
+  <p:clrMapOvr>
+    <a:masterClrMapping/>
+  </p:clrMapOvr>
+</p:sld>
+</file>
+
+<file path=ppt/slides/slide17.xml><?xml version="1.0" encoding="utf-8"?>
+<p:sld xmlns:a="http://schemas.openxmlformats.org/drawingml/2006/main" xmlns:r="http://schemas.openxmlformats.org/officeDocument/2006/relationships" xmlns:p="http://schemas.openxmlformats.org/presentationml/2006/main">
+  <p:cSld>
+    <p:spTree>
+      <p:nvGrpSpPr>
+        <p:cNvPr id="1" name=""/>
+        <p:cNvGrpSpPr/>
+        <p:nvPr/>
+      </p:nvGrpSpPr>
+      <p:grpSpPr>
+        <a:xfrm>
+          <a:off x="0" y="0"/>
+          <a:ext cx="0" cy="0"/>
+          <a:chOff x="0" y="0"/>
+          <a:chExt cx="0" cy="0"/>
+        </a:xfrm>
+      </p:grpSpPr>
+      <p:sp>
+        <p:nvSpPr>
+          <p:cNvPr id="2" name="Rectangle 1"/>
+          <p:cNvSpPr/>
+          <p:nvPr/>
+        </p:nvSpPr>
+        <p:spPr>
+          <a:xfrm>
+            <a:off x="1219200" y="1257300"/>
+            <a:ext cx="1752600" cy="2286000"/>
+          </a:xfrm>
+          <a:prstGeom prst="rect">
+            <a:avLst/>
+          </a:prstGeom>
+          <a:noFill/>
+        </p:spPr>
+        <p:style>
+          <a:lnRef idx="2">
+            <a:schemeClr val="accent1">
+              <a:shade val="50000"/>
+            </a:schemeClr>
+          </a:lnRef>
+          <a:fillRef idx="1">
+            <a:schemeClr val="accent1"/>
+          </a:fillRef>
+          <a:effectRef idx="0">
+            <a:schemeClr val="accent1"/>
+          </a:effectRef>
+          <a:fontRef idx="minor">
+            <a:schemeClr val="lt1"/>
+          </a:fontRef>
+        </p:style>
+        <p:txBody>
+          <a:bodyPr rtlCol="0" anchor="ctr"/>
+          <a:lstStyle/>
+          <a:p>
+            <a:pPr algn="ctr"/>
+            <a:endParaRPr lang="en-US"/>
+          </a:p>
+        </p:txBody>
+      </p:sp>
+      <p:sp>
+        <p:nvSpPr>
+          <p:cNvPr id="3" name="TextBox 2"/>
+          <p:cNvSpPr txBox="1"/>
+          <p:nvPr/>
+        </p:nvSpPr>
+        <p:spPr>
+          <a:xfrm>
+            <a:off x="1371600" y="876300"/>
+            <a:ext cx="1147815" cy="369332"/>
+          </a:xfrm>
+          <a:prstGeom prst="rect">
+            <a:avLst/>
+          </a:prstGeom>
+          <a:noFill/>
+        </p:spPr>
+        <p:txBody>
+          <a:bodyPr wrap="none" rtlCol="0">
+            <a:spAutoFit/>
+          </a:bodyPr>
+          <a:lstStyle/>
+          <a:p>
+            <a:r>
+              <a:rPr lang="en-US" dirty="0" smtClean="0"/>
+              <a:t>k8smaster</a:t>
+            </a:r>
+            <a:endParaRPr lang="en-US" dirty="0"/>
+          </a:p>
+        </p:txBody>
+      </p:sp>
+      <p:sp>
+        <p:nvSpPr>
+          <p:cNvPr id="4" name="Rectangle 3"/>
+          <p:cNvSpPr/>
+          <p:nvPr/>
+        </p:nvSpPr>
+        <p:spPr>
+          <a:xfrm>
+            <a:off x="3733800" y="1181100"/>
+            <a:ext cx="1752600" cy="2286000"/>
+          </a:xfrm>
+          <a:prstGeom prst="rect">
+            <a:avLst/>
+          </a:prstGeom>
+          <a:noFill/>
+        </p:spPr>
+        <p:style>
+          <a:lnRef idx="2">
+            <a:schemeClr val="accent1">
+              <a:shade val="50000"/>
+            </a:schemeClr>
+          </a:lnRef>
+          <a:fillRef idx="1">
+            <a:schemeClr val="accent1"/>
+          </a:fillRef>
+          <a:effectRef idx="0">
+            <a:schemeClr val="accent1"/>
+          </a:effectRef>
+          <a:fontRef idx="minor">
+            <a:schemeClr val="lt1"/>
+          </a:fontRef>
+        </p:style>
+        <p:txBody>
+          <a:bodyPr rtlCol="0" anchor="ctr"/>
+          <a:lstStyle/>
+          <a:p>
+            <a:pPr algn="ctr"/>
+            <a:endParaRPr lang="en-US"/>
+          </a:p>
+        </p:txBody>
+      </p:sp>
+      <p:sp>
+        <p:nvSpPr>
+          <p:cNvPr id="5" name="TextBox 4"/>
+          <p:cNvSpPr txBox="1"/>
+          <p:nvPr/>
+        </p:nvSpPr>
+        <p:spPr>
+          <a:xfrm>
+            <a:off x="3886200" y="800100"/>
+            <a:ext cx="976549" cy="369332"/>
+          </a:xfrm>
+          <a:prstGeom prst="rect">
+            <a:avLst/>
+          </a:prstGeom>
+          <a:noFill/>
+        </p:spPr>
+        <p:txBody>
+          <a:bodyPr wrap="none" rtlCol="0">
+            <a:spAutoFit/>
+          </a:bodyPr>
+          <a:lstStyle/>
+          <a:p>
+            <a:r>
+              <a:rPr lang="en-US" dirty="0" smtClean="0"/>
+              <a:t>k8snode</a:t>
+            </a:r>
+            <a:endParaRPr lang="en-US" dirty="0"/>
+          </a:p>
+        </p:txBody>
+      </p:sp>
+      <p:sp>
+        <p:nvSpPr>
+          <p:cNvPr id="6" name="TextBox 5"/>
+          <p:cNvSpPr txBox="1"/>
+          <p:nvPr/>
+        </p:nvSpPr>
+        <p:spPr>
+          <a:xfrm>
+            <a:off x="1676400" y="1409700"/>
+            <a:ext cx="1758751" cy="646331"/>
+          </a:xfrm>
+          <a:prstGeom prst="rect">
+            <a:avLst/>
+          </a:prstGeom>
+          <a:noFill/>
+        </p:spPr>
+        <p:txBody>
+          <a:bodyPr wrap="none" rtlCol="0">
+            <a:spAutoFit/>
+          </a:bodyPr>
+          <a:lstStyle/>
+          <a:p>
+            <a:r>
+              <a:rPr lang="en-US" dirty="0" err="1" smtClean="0"/>
+              <a:t>Docker</a:t>
+            </a:r>
+            <a:endParaRPr lang="en-US" dirty="0" smtClean="0"/>
+          </a:p>
+          <a:p>
+            <a:r>
+              <a:rPr lang="en-US" dirty="0" smtClean="0"/>
+              <a:t>Install k8sservice</a:t>
+            </a:r>
+            <a:endParaRPr lang="en-US" dirty="0"/>
+          </a:p>
+        </p:txBody>
+      </p:sp>
+      <p:sp>
+        <p:nvSpPr>
+          <p:cNvPr id="7" name="TextBox 6"/>
+          <p:cNvSpPr txBox="1"/>
+          <p:nvPr/>
+        </p:nvSpPr>
+        <p:spPr>
+          <a:xfrm>
+            <a:off x="3982171" y="1409700"/>
+            <a:ext cx="1763560" cy="646331"/>
+          </a:xfrm>
+          <a:prstGeom prst="rect">
+            <a:avLst/>
+          </a:prstGeom>
+          <a:noFill/>
+        </p:spPr>
+        <p:txBody>
+          <a:bodyPr wrap="none" rtlCol="0">
+            <a:spAutoFit/>
+          </a:bodyPr>
+          <a:lstStyle/>
+          <a:p>
+            <a:r>
+              <a:rPr lang="en-US" dirty="0" err="1" smtClean="0"/>
+              <a:t>Docker</a:t>
+            </a:r>
+            <a:endParaRPr lang="en-US" dirty="0" smtClean="0"/>
+          </a:p>
+          <a:p>
+            <a:r>
+              <a:rPr lang="en-US" dirty="0" smtClean="0"/>
+              <a:t>Install k8sservice</a:t>
+            </a:r>
+            <a:endParaRPr lang="en-US" dirty="0"/>
+          </a:p>
+        </p:txBody>
+      </p:sp>
+    </p:spTree>
+  </p:cSld>
+  <p:clrMapOvr>
+    <a:masterClrMapping/>
+  </p:clrMapOvr>
+</p:sld>
+</file>
+
+<file path=ppt/slides/slide18.xml><?xml version="1.0" encoding="utf-8"?>
+<p:sld xmlns:a="http://schemas.openxmlformats.org/drawingml/2006/main" xmlns:r="http://schemas.openxmlformats.org/officeDocument/2006/relationships" xmlns:p="http://schemas.openxmlformats.org/presentationml/2006/main">
+  <p:cSld>
+    <p:spTree>
+      <p:nvGrpSpPr>
+        <p:cNvPr id="1" name=""/>
+        <p:cNvGrpSpPr/>
+        <p:nvPr/>
+      </p:nvGrpSpPr>
+      <p:grpSpPr>
+        <a:xfrm>
+          <a:off x="0" y="0"/>
+          <a:ext cx="0" cy="0"/>
+          <a:chOff x="0" y="0"/>
+          <a:chExt cx="0" cy="0"/>
+        </a:xfrm>
+      </p:grpSpPr>
+      <p:sp>
+        <p:nvSpPr>
+          <p:cNvPr id="2" name="Rectangle 1"/>
+          <p:cNvSpPr/>
+          <p:nvPr/>
+        </p:nvSpPr>
+        <p:spPr>
+          <a:xfrm>
+            <a:off x="609600" y="1790700"/>
+            <a:ext cx="838200" cy="1752600"/>
+          </a:xfrm>
+          <a:prstGeom prst="rect">
+            <a:avLst/>
+          </a:prstGeom>
+        </p:spPr>
+        <p:style>
+          <a:lnRef idx="2">
+            <a:schemeClr val="accent1">
+              <a:shade val="50000"/>
+            </a:schemeClr>
+          </a:lnRef>
+          <a:fillRef idx="1">
+            <a:schemeClr val="accent1"/>
+          </a:fillRef>
+          <a:effectRef idx="0">
+            <a:schemeClr val="accent1"/>
+          </a:effectRef>
+          <a:fontRef idx="minor">
+            <a:schemeClr val="lt1"/>
+          </a:fontRef>
+        </p:style>
+        <p:txBody>
+          <a:bodyPr rtlCol="0" anchor="ctr"/>
+          <a:lstStyle/>
+          <a:p>
+            <a:pPr algn="ctr"/>
+            <a:r>
+              <a:rPr lang="en-US" dirty="0" smtClean="0"/>
+              <a:t>k8smaster</a:t>
+            </a:r>
+            <a:endParaRPr lang="en-US" dirty="0"/>
+          </a:p>
+        </p:txBody>
+      </p:sp>
+      <p:sp>
+        <p:nvSpPr>
+          <p:cNvPr id="3" name="Rectangle 2"/>
+          <p:cNvSpPr/>
+          <p:nvPr/>
+        </p:nvSpPr>
+        <p:spPr>
+          <a:xfrm>
+            <a:off x="2895600" y="266700"/>
+            <a:ext cx="5638800" cy="2438400"/>
+          </a:xfrm>
+          <a:prstGeom prst="rect">
+            <a:avLst/>
+          </a:prstGeom>
+          <a:noFill/>
+        </p:spPr>
+        <p:style>
+          <a:lnRef idx="2">
+            <a:schemeClr val="accent1">
+              <a:shade val="50000"/>
+            </a:schemeClr>
+          </a:lnRef>
+          <a:fillRef idx="1">
+            <a:schemeClr val="accent1"/>
+          </a:fillRef>
+          <a:effectRef idx="0">
+            <a:schemeClr val="accent1"/>
+          </a:effectRef>
+          <a:fontRef idx="minor">
+            <a:schemeClr val="lt1"/>
+          </a:fontRef>
+        </p:style>
+        <p:txBody>
+          <a:bodyPr rtlCol="0" anchor="ctr"/>
+          <a:lstStyle/>
+          <a:p>
+            <a:pPr algn="ctr"/>
+            <a:endParaRPr lang="en-US" dirty="0"/>
+          </a:p>
+        </p:txBody>
+      </p:sp>
+      <p:sp>
+        <p:nvSpPr>
+          <p:cNvPr id="4" name="Rectangle 3"/>
+          <p:cNvSpPr/>
+          <p:nvPr/>
+        </p:nvSpPr>
+        <p:spPr>
+          <a:xfrm>
+            <a:off x="2895600" y="3162300"/>
+            <a:ext cx="5638800" cy="2362200"/>
+          </a:xfrm>
+          <a:prstGeom prst="rect">
+            <a:avLst/>
+          </a:prstGeom>
+          <a:noFill/>
+        </p:spPr>
+        <p:style>
+          <a:lnRef idx="2">
+            <a:schemeClr val="accent1">
+              <a:shade val="50000"/>
+            </a:schemeClr>
+          </a:lnRef>
+          <a:fillRef idx="1">
+            <a:schemeClr val="accent1"/>
+          </a:fillRef>
+          <a:effectRef idx="0">
+            <a:schemeClr val="accent1"/>
+          </a:effectRef>
+          <a:fontRef idx="minor">
+            <a:schemeClr val="lt1"/>
+          </a:fontRef>
+        </p:style>
+        <p:txBody>
+          <a:bodyPr rtlCol="0" anchor="ctr"/>
+          <a:lstStyle/>
+          <a:p>
+            <a:pPr algn="ctr"/>
+            <a:endParaRPr lang="en-US"/>
+          </a:p>
+        </p:txBody>
+      </p:sp>
+      <p:sp>
+        <p:nvSpPr>
+          <p:cNvPr id="5" name="TextBox 4"/>
+          <p:cNvSpPr txBox="1"/>
+          <p:nvPr/>
+        </p:nvSpPr>
+        <p:spPr>
+          <a:xfrm>
+            <a:off x="2895600" y="0"/>
+            <a:ext cx="2621230" cy="369332"/>
+          </a:xfrm>
+          <a:prstGeom prst="rect">
+            <a:avLst/>
+          </a:prstGeom>
+          <a:noFill/>
+        </p:spPr>
+        <p:txBody>
+          <a:bodyPr wrap="none" rtlCol="0">
+            <a:spAutoFit/>
+          </a:bodyPr>
+          <a:lstStyle/>
+          <a:p>
+            <a:r>
+              <a:rPr lang="en-US" dirty="0" smtClean="0"/>
+              <a:t>K8snode1 : 192.167.10.71</a:t>
+            </a:r>
+            <a:endParaRPr lang="en-US" dirty="0"/>
+          </a:p>
+        </p:txBody>
+      </p:sp>
+      <p:sp>
+        <p:nvSpPr>
+          <p:cNvPr id="6" name="TextBox 5"/>
+          <p:cNvSpPr txBox="1"/>
+          <p:nvPr/>
+        </p:nvSpPr>
+        <p:spPr>
+          <a:xfrm>
+            <a:off x="2971800" y="3238500"/>
+            <a:ext cx="2568332" cy="369332"/>
+          </a:xfrm>
+          <a:prstGeom prst="rect">
+            <a:avLst/>
+          </a:prstGeom>
+          <a:noFill/>
+        </p:spPr>
+        <p:txBody>
+          <a:bodyPr wrap="none" rtlCol="0">
+            <a:spAutoFit/>
+          </a:bodyPr>
+          <a:lstStyle/>
+          <a:p>
+            <a:r>
+              <a:rPr lang="en-US" dirty="0" smtClean="0"/>
+              <a:t>K8snode2:</a:t>
+            </a:r>
+            <a:r>
+              <a:rPr lang="en-US" dirty="0" smtClean="0"/>
+              <a:t> </a:t>
+            </a:r>
+            <a:r>
+              <a:rPr lang="en-US" dirty="0" smtClean="0"/>
+              <a:t>192.167.10.72</a:t>
+            </a:r>
+            <a:endParaRPr lang="en-US" dirty="0"/>
+          </a:p>
+        </p:txBody>
+      </p:sp>
+      <p:sp>
+        <p:nvSpPr>
+          <p:cNvPr id="7" name="TextBox 6"/>
+          <p:cNvSpPr txBox="1"/>
+          <p:nvPr/>
+        </p:nvSpPr>
+        <p:spPr>
+          <a:xfrm>
+            <a:off x="2895600" y="1814036"/>
+            <a:ext cx="2904385" cy="738664"/>
+          </a:xfrm>
+          <a:prstGeom prst="rect">
+            <a:avLst/>
+          </a:prstGeom>
+          <a:noFill/>
+        </p:spPr>
+        <p:txBody>
+          <a:bodyPr wrap="none" rtlCol="0">
+            <a:spAutoFit/>
+          </a:bodyPr>
+          <a:lstStyle/>
+          <a:p>
+            <a:r>
+              <a:rPr lang="en-US" sz="1400" dirty="0" err="1" smtClean="0"/>
+              <a:t>kube</a:t>
+            </a:r>
+            <a:r>
+              <a:rPr lang="en-US" sz="1400" dirty="0" smtClean="0"/>
+              <a:t>-proxy</a:t>
+            </a:r>
+            <a:endParaRPr lang="en-US" sz="1400" dirty="0" smtClean="0"/>
+          </a:p>
+          <a:p>
+            <a:r>
+              <a:rPr lang="en-US" sz="1400" dirty="0" smtClean="0"/>
+              <a:t>192.168.0.0   next hop 192.167.10.71</a:t>
+            </a:r>
+          </a:p>
+          <a:p>
+            <a:r>
+              <a:rPr lang="en-US" sz="1400" dirty="0" smtClean="0"/>
+              <a:t>192.168.1.0   </a:t>
+            </a:r>
+            <a:r>
+              <a:rPr lang="en-US" sz="1400" dirty="0" smtClean="0"/>
+              <a:t>next </a:t>
+            </a:r>
+            <a:r>
+              <a:rPr lang="en-US" sz="1400" dirty="0" smtClean="0"/>
+              <a:t>hop 192.167.10.72</a:t>
+            </a:r>
+            <a:endParaRPr lang="en-US" dirty="0"/>
+          </a:p>
+        </p:txBody>
+      </p:sp>
+      <p:sp>
+        <p:nvSpPr>
+          <p:cNvPr id="8" name="TextBox 7"/>
+          <p:cNvSpPr txBox="1"/>
+          <p:nvPr/>
+        </p:nvSpPr>
+        <p:spPr>
+          <a:xfrm>
+            <a:off x="2905822" y="4633436"/>
+            <a:ext cx="2580578" cy="738664"/>
+          </a:xfrm>
+          <a:prstGeom prst="rect">
+            <a:avLst/>
+          </a:prstGeom>
+          <a:noFill/>
+        </p:spPr>
+        <p:txBody>
+          <a:bodyPr wrap="none" rtlCol="0">
+            <a:spAutoFit/>
+          </a:bodyPr>
+          <a:lstStyle/>
+          <a:p>
+            <a:r>
+              <a:rPr lang="en-US" sz="1400" dirty="0" err="1" smtClean="0"/>
+              <a:t>kube</a:t>
+            </a:r>
+            <a:r>
+              <a:rPr lang="en-US" sz="1400" dirty="0" smtClean="0"/>
+              <a:t>-proxy</a:t>
+            </a:r>
+          </a:p>
+          <a:p>
+            <a:r>
+              <a:rPr lang="en-US" sz="1400" dirty="0" smtClean="0"/>
+              <a:t>192.168.0.0   next 192.167.10.71</a:t>
+            </a:r>
+          </a:p>
+          <a:p>
+            <a:r>
+              <a:rPr lang="en-US" sz="1400" dirty="0" smtClean="0"/>
+              <a:t>192.168.0.1   next </a:t>
+            </a:r>
+            <a:r>
+              <a:rPr lang="en-US" sz="1400" dirty="0" smtClean="0"/>
+              <a:t>192.167.10.72</a:t>
+            </a:r>
+            <a:endParaRPr lang="en-US" dirty="0"/>
+          </a:p>
+        </p:txBody>
+      </p:sp>
+      <p:sp>
+        <p:nvSpPr>
+          <p:cNvPr id="9" name="TextBox 8"/>
+          <p:cNvSpPr txBox="1"/>
+          <p:nvPr/>
+        </p:nvSpPr>
+        <p:spPr>
+          <a:xfrm>
+            <a:off x="304800" y="495300"/>
+            <a:ext cx="1293944" cy="369332"/>
+          </a:xfrm>
+          <a:prstGeom prst="rect">
+            <a:avLst/>
+          </a:prstGeom>
+          <a:noFill/>
+        </p:spPr>
+        <p:txBody>
+          <a:bodyPr wrap="none" rtlCol="0">
+            <a:spAutoFit/>
+          </a:bodyPr>
+          <a:lstStyle/>
+          <a:p>
+            <a:r>
+              <a:rPr lang="en-US" dirty="0" smtClean="0"/>
+              <a:t>192.168.0.0</a:t>
+            </a:r>
+            <a:endParaRPr lang="en-US" dirty="0"/>
+          </a:p>
+        </p:txBody>
+      </p:sp>
+      <p:sp>
+        <p:nvSpPr>
+          <p:cNvPr id="10" name="Cloud 9"/>
+          <p:cNvSpPr/>
+          <p:nvPr/>
+        </p:nvSpPr>
+        <p:spPr>
+          <a:xfrm>
+            <a:off x="1143000" y="1409700"/>
+            <a:ext cx="1981200" cy="3048000"/>
+          </a:xfrm>
+          <a:prstGeom prst="cloud">
+            <a:avLst/>
+          </a:prstGeom>
+          <a:noFill/>
+        </p:spPr>
+        <p:style>
+          <a:lnRef idx="2">
+            <a:schemeClr val="accent1">
+              <a:shade val="50000"/>
+            </a:schemeClr>
+          </a:lnRef>
+          <a:fillRef idx="1">
+            <a:schemeClr val="accent1"/>
+          </a:fillRef>
+          <a:effectRef idx="0">
+            <a:schemeClr val="accent1"/>
+          </a:effectRef>
+          <a:fontRef idx="minor">
+            <a:schemeClr val="lt1"/>
+          </a:fontRef>
+        </p:style>
+        <p:txBody>
+          <a:bodyPr rtlCol="0" anchor="ctr"/>
+          <a:lstStyle/>
+          <a:p>
+            <a:pPr algn="ctr"/>
+            <a:endParaRPr lang="en-US"/>
+          </a:p>
+        </p:txBody>
+      </p:sp>
+      <p:sp>
+        <p:nvSpPr>
+          <p:cNvPr id="11" name="TextBox 10"/>
+          <p:cNvSpPr txBox="1"/>
+          <p:nvPr/>
+        </p:nvSpPr>
+        <p:spPr>
+          <a:xfrm>
+            <a:off x="1600200" y="1028700"/>
+            <a:ext cx="1064715" cy="369332"/>
+          </a:xfrm>
+          <a:prstGeom prst="rect">
+            <a:avLst/>
+          </a:prstGeom>
+          <a:noFill/>
+        </p:spPr>
+        <p:txBody>
+          <a:bodyPr wrap="none" rtlCol="0">
+            <a:spAutoFit/>
+          </a:bodyPr>
+          <a:lstStyle/>
+          <a:p>
+            <a:r>
+              <a:rPr lang="en-US" dirty="0" smtClean="0"/>
+              <a:t>mesh-</a:t>
+            </a:r>
+            <a:r>
+              <a:rPr lang="en-US" dirty="0" err="1" smtClean="0"/>
+              <a:t>nw</a:t>
+            </a:r>
+            <a:endParaRPr lang="en-US" dirty="0"/>
+          </a:p>
+        </p:txBody>
+      </p:sp>
+      <p:sp>
+        <p:nvSpPr>
+          <p:cNvPr id="12" name="Oval 11"/>
+          <p:cNvSpPr/>
+          <p:nvPr/>
+        </p:nvSpPr>
+        <p:spPr>
+          <a:xfrm>
+            <a:off x="5257800" y="800100"/>
+            <a:ext cx="1219200" cy="609600"/>
+          </a:xfrm>
+          <a:prstGeom prst="ellipse">
+            <a:avLst/>
+          </a:prstGeom>
+        </p:spPr>
+        <p:style>
+          <a:lnRef idx="2">
+            <a:schemeClr val="accent1">
+              <a:shade val="50000"/>
+            </a:schemeClr>
+          </a:lnRef>
+          <a:fillRef idx="1">
+            <a:schemeClr val="accent1"/>
+          </a:fillRef>
+          <a:effectRef idx="0">
+            <a:schemeClr val="accent1"/>
+          </a:effectRef>
+          <a:fontRef idx="minor">
+            <a:schemeClr val="lt1"/>
+          </a:fontRef>
+        </p:style>
+        <p:txBody>
+          <a:bodyPr rtlCol="0" anchor="ctr"/>
+          <a:lstStyle/>
+          <a:p>
+            <a:pPr algn="ctr"/>
+            <a:endParaRPr lang="en-US"/>
+          </a:p>
+        </p:txBody>
+      </p:sp>
+      <p:sp>
+        <p:nvSpPr>
+          <p:cNvPr id="13" name="Oval 12"/>
+          <p:cNvSpPr/>
+          <p:nvPr/>
+        </p:nvSpPr>
+        <p:spPr>
+          <a:xfrm>
+            <a:off x="5257800" y="3848100"/>
+            <a:ext cx="1219200" cy="609600"/>
+          </a:xfrm>
+          <a:prstGeom prst="ellipse">
+            <a:avLst/>
+          </a:prstGeom>
+        </p:spPr>
+        <p:style>
+          <a:lnRef idx="2">
+            <a:schemeClr val="accent1">
+              <a:shade val="50000"/>
+            </a:schemeClr>
+          </a:lnRef>
+          <a:fillRef idx="1">
+            <a:schemeClr val="accent1"/>
+          </a:fillRef>
+          <a:effectRef idx="0">
+            <a:schemeClr val="accent1"/>
+          </a:effectRef>
+          <a:fontRef idx="minor">
+            <a:schemeClr val="lt1"/>
+          </a:fontRef>
+        </p:style>
+        <p:txBody>
+          <a:bodyPr rtlCol="0" anchor="ctr"/>
+          <a:lstStyle/>
+          <a:p>
+            <a:pPr algn="ctr"/>
+            <a:endParaRPr lang="en-US"/>
+          </a:p>
+        </p:txBody>
+      </p:sp>
+      <p:sp>
+        <p:nvSpPr>
+          <p:cNvPr id="14" name="TextBox 13"/>
+          <p:cNvSpPr txBox="1"/>
+          <p:nvPr/>
+        </p:nvSpPr>
+        <p:spPr>
+          <a:xfrm>
+            <a:off x="1" y="4686300"/>
+            <a:ext cx="2895600" cy="923330"/>
+          </a:xfrm>
+          <a:prstGeom prst="rect">
+            <a:avLst/>
+          </a:prstGeom>
+          <a:noFill/>
+        </p:spPr>
+        <p:txBody>
+          <a:bodyPr wrap="square" rtlCol="0">
+            <a:spAutoFit/>
+          </a:bodyPr>
+          <a:lstStyle/>
+          <a:p>
+            <a:r>
+              <a:rPr lang="en-US" dirty="0" smtClean="0"/>
+              <a:t>Pod-to-pod communication:</a:t>
+            </a:r>
+          </a:p>
+          <a:p>
+            <a:r>
+              <a:rPr lang="en-US" dirty="0" smtClean="0"/>
+              <a:t>A pod can talk to any pod on k8s cluster</a:t>
+            </a:r>
+            <a:endParaRPr lang="en-US" dirty="0"/>
+          </a:p>
+        </p:txBody>
+      </p:sp>
+      <p:sp>
+        <p:nvSpPr>
+          <p:cNvPr id="15" name="TextBox 14"/>
+          <p:cNvSpPr txBox="1"/>
+          <p:nvPr/>
+        </p:nvSpPr>
+        <p:spPr>
+          <a:xfrm>
+            <a:off x="5334000" y="1333500"/>
+            <a:ext cx="1749197" cy="646331"/>
+          </a:xfrm>
+          <a:prstGeom prst="rect">
+            <a:avLst/>
+          </a:prstGeom>
+          <a:noFill/>
+        </p:spPr>
+        <p:txBody>
+          <a:bodyPr wrap="none" rtlCol="0">
+            <a:spAutoFit/>
+          </a:bodyPr>
+          <a:lstStyle/>
+          <a:p>
+            <a:r>
+              <a:rPr lang="en-US" dirty="0" smtClean="0"/>
+              <a:t>192.168.0.2</a:t>
+            </a:r>
+          </a:p>
+          <a:p>
+            <a:r>
+              <a:rPr lang="en-US" dirty="0" smtClean="0"/>
+              <a:t>Ping 192.168.1.2</a:t>
+            </a:r>
+            <a:endParaRPr lang="en-US" dirty="0"/>
+          </a:p>
+        </p:txBody>
+      </p:sp>
+      <p:sp>
+        <p:nvSpPr>
+          <p:cNvPr id="16" name="TextBox 15"/>
+          <p:cNvSpPr txBox="1"/>
+          <p:nvPr/>
+        </p:nvSpPr>
+        <p:spPr>
+          <a:xfrm>
+            <a:off x="5410200" y="4457700"/>
+            <a:ext cx="1293944" cy="369332"/>
+          </a:xfrm>
+          <a:prstGeom prst="rect">
+            <a:avLst/>
+          </a:prstGeom>
+          <a:noFill/>
+        </p:spPr>
+        <p:txBody>
+          <a:bodyPr wrap="none" rtlCol="0">
+            <a:spAutoFit/>
+          </a:bodyPr>
+          <a:lstStyle/>
+          <a:p>
+            <a:r>
+              <a:rPr lang="en-US" dirty="0" smtClean="0"/>
+              <a:t>192.168.1.2</a:t>
+            </a:r>
+            <a:endParaRPr lang="en-US" dirty="0"/>
+          </a:p>
+        </p:txBody>
+      </p:sp>
+      <p:sp>
+        <p:nvSpPr>
+          <p:cNvPr id="17" name="TextBox 16"/>
+          <p:cNvSpPr txBox="1"/>
+          <p:nvPr/>
+        </p:nvSpPr>
+        <p:spPr>
+          <a:xfrm>
+            <a:off x="1524000" y="2809101"/>
+            <a:ext cx="4473853" cy="276999"/>
+          </a:xfrm>
+          <a:prstGeom prst="rect">
+            <a:avLst/>
+          </a:prstGeom>
+          <a:noFill/>
+        </p:spPr>
+        <p:txBody>
+          <a:bodyPr wrap="none" rtlCol="0">
+            <a:spAutoFit/>
+          </a:bodyPr>
+          <a:lstStyle/>
+          <a:p>
+            <a:r>
+              <a:rPr lang="en-US" sz="1200" dirty="0" smtClean="0"/>
+              <a:t>Cloud-weave(</a:t>
+            </a:r>
+            <a:r>
+              <a:rPr lang="en-US" sz="1200" dirty="0" err="1" smtClean="0"/>
+              <a:t>gc</a:t>
+            </a:r>
+            <a:r>
+              <a:rPr lang="en-US" sz="1200" dirty="0" smtClean="0"/>
+              <a:t>), calico(</a:t>
+            </a:r>
+            <a:r>
+              <a:rPr lang="en-US" sz="1200" dirty="0" err="1" smtClean="0"/>
+              <a:t>aws</a:t>
+            </a:r>
+            <a:r>
+              <a:rPr lang="en-US" sz="1200" dirty="0" smtClean="0"/>
+              <a:t>), flannel(oracle), overlay(</a:t>
+            </a:r>
+            <a:r>
+              <a:rPr lang="en-US" sz="1200" dirty="0" err="1" smtClean="0"/>
+              <a:t>docker</a:t>
+            </a:r>
+            <a:r>
+              <a:rPr lang="en-US" sz="1200" dirty="0" smtClean="0"/>
+              <a:t>-swarm)</a:t>
+            </a:r>
+            <a:endParaRPr lang="en-US" sz="1200" dirty="0"/>
+          </a:p>
+        </p:txBody>
+      </p:sp>
+      <p:cxnSp>
+        <p:nvCxnSpPr>
+          <p:cNvPr id="19" name="Straight Arrow Connector 18"/>
+          <p:cNvCxnSpPr>
+            <a:stCxn id="15" idx="1"/>
+          </p:cNvCxnSpPr>
+          <p:nvPr/>
+        </p:nvCxnSpPr>
+        <p:spPr>
+          <a:xfrm flipH="1" flipV="1">
+            <a:off x="5181600" y="1181100"/>
+            <a:ext cx="152400" cy="475566"/>
+          </a:xfrm>
+          <a:prstGeom prst="straightConnector1">
+            <a:avLst/>
+          </a:prstGeom>
+          <a:ln>
+            <a:tailEnd type="arrow"/>
+          </a:ln>
+        </p:spPr>
+        <p:style>
+          <a:lnRef idx="1">
+            <a:schemeClr val="accent1"/>
+          </a:lnRef>
+          <a:fillRef idx="0">
+            <a:schemeClr val="accent1"/>
+          </a:fillRef>
+          <a:effectRef idx="0">
+            <a:schemeClr val="accent1"/>
+          </a:effectRef>
+          <a:fontRef idx="minor">
+            <a:schemeClr val="tx1"/>
+          </a:fontRef>
+        </p:style>
+      </p:cxnSp>
+      <p:cxnSp>
+        <p:nvCxnSpPr>
+          <p:cNvPr id="21" name="Straight Arrow Connector 20"/>
+          <p:cNvCxnSpPr/>
+          <p:nvPr/>
+        </p:nvCxnSpPr>
+        <p:spPr>
+          <a:xfrm flipH="1" flipV="1">
+            <a:off x="3810000" y="342900"/>
+            <a:ext cx="1371600" cy="685800"/>
+          </a:xfrm>
+          <a:prstGeom prst="straightConnector1">
+            <a:avLst/>
+          </a:prstGeom>
+          <a:ln>
+            <a:tailEnd type="arrow"/>
+          </a:ln>
+        </p:spPr>
+        <p:style>
+          <a:lnRef idx="1">
+            <a:schemeClr val="accent1"/>
+          </a:lnRef>
+          <a:fillRef idx="0">
+            <a:schemeClr val="accent1"/>
+          </a:fillRef>
+          <a:effectRef idx="0">
+            <a:schemeClr val="accent1"/>
+          </a:effectRef>
+          <a:fontRef idx="minor">
+            <a:schemeClr val="tx1"/>
+          </a:fontRef>
+        </p:style>
+      </p:cxnSp>
+      <p:cxnSp>
+        <p:nvCxnSpPr>
+          <p:cNvPr id="23" name="Straight Arrow Connector 22"/>
+          <p:cNvCxnSpPr/>
+          <p:nvPr/>
+        </p:nvCxnSpPr>
+        <p:spPr>
+          <a:xfrm>
+            <a:off x="3810000" y="419100"/>
+            <a:ext cx="304800" cy="1752600"/>
+          </a:xfrm>
+          <a:prstGeom prst="straightConnector1">
+            <a:avLst/>
+          </a:prstGeom>
+          <a:ln>
+            <a:tailEnd type="arrow"/>
+          </a:ln>
+        </p:spPr>
+        <p:style>
+          <a:lnRef idx="1">
+            <a:schemeClr val="accent1"/>
+          </a:lnRef>
+          <a:fillRef idx="0">
+            <a:schemeClr val="accent1"/>
+          </a:fillRef>
+          <a:effectRef idx="0">
+            <a:schemeClr val="accent1"/>
+          </a:effectRef>
+          <a:fontRef idx="minor">
+            <a:schemeClr val="tx1"/>
+          </a:fontRef>
+        </p:style>
+      </p:cxnSp>
+      <p:cxnSp>
+        <p:nvCxnSpPr>
+          <p:cNvPr id="25" name="Straight Arrow Connector 24"/>
+          <p:cNvCxnSpPr/>
+          <p:nvPr/>
+        </p:nvCxnSpPr>
+        <p:spPr>
+          <a:xfrm flipH="1">
+            <a:off x="3657600" y="2247900"/>
+            <a:ext cx="533400" cy="1066800"/>
+          </a:xfrm>
+          <a:prstGeom prst="straightConnector1">
+            <a:avLst/>
+          </a:prstGeom>
+          <a:ln>
+            <a:tailEnd type="arrow"/>
+          </a:ln>
+        </p:spPr>
+        <p:style>
+          <a:lnRef idx="1">
+            <a:schemeClr val="accent1"/>
+          </a:lnRef>
+          <a:fillRef idx="0">
+            <a:schemeClr val="accent1"/>
+          </a:fillRef>
+          <a:effectRef idx="0">
+            <a:schemeClr val="accent1"/>
+          </a:effectRef>
+          <a:fontRef idx="minor">
+            <a:schemeClr val="tx1"/>
+          </a:fontRef>
+        </p:style>
+      </p:cxnSp>
+      <p:cxnSp>
+        <p:nvCxnSpPr>
+          <p:cNvPr id="27" name="Straight Arrow Connector 26"/>
+          <p:cNvCxnSpPr>
+            <a:endCxn id="13" idx="2"/>
+          </p:cNvCxnSpPr>
+          <p:nvPr/>
+        </p:nvCxnSpPr>
+        <p:spPr>
+          <a:xfrm>
+            <a:off x="4038600" y="3543300"/>
+            <a:ext cx="1219200" cy="609600"/>
+          </a:xfrm>
+          <a:prstGeom prst="straightConnector1">
+            <a:avLst/>
+          </a:prstGeom>
+          <a:ln>
+            <a:tailEnd type="arrow"/>
+          </a:ln>
+        </p:spPr>
+        <p:style>
+          <a:lnRef idx="1">
+            <a:schemeClr val="accent1"/>
+          </a:lnRef>
+          <a:fillRef idx="0">
+            <a:schemeClr val="accent1"/>
+          </a:fillRef>
+          <a:effectRef idx="0">
+            <a:schemeClr val="accent1"/>
+          </a:effectRef>
+          <a:fontRef idx="minor">
+            <a:schemeClr val="tx1"/>
+          </a:fontRef>
+        </p:style>
+      </p:cxnSp>
+    </p:spTree>
+  </p:cSld>
+  <p:clrMapOvr>
+    <a:masterClrMapping/>
+  </p:clrMapOvr>
+</p:sld>
+</file>
+
+<file path=ppt/slides/slide19.xml><?xml version="1.0" encoding="utf-8"?>
+<p:sld xmlns:a="http://schemas.openxmlformats.org/drawingml/2006/main" xmlns:r="http://schemas.openxmlformats.org/officeDocument/2006/relationships" xmlns:p="http://schemas.openxmlformats.org/presentationml/2006/main">
+  <p:cSld>
+    <p:spTree>
+      <p:nvGrpSpPr>
+        <p:cNvPr id="1" name=""/>
+        <p:cNvGrpSpPr/>
+        <p:nvPr/>
+      </p:nvGrpSpPr>
+      <p:grpSpPr>
+        <a:xfrm>
+          <a:off x="0" y="0"/>
+          <a:ext cx="0" cy="0"/>
+          <a:chOff x="0" y="0"/>
+          <a:chExt cx="0" cy="0"/>
+        </a:xfrm>
+      </p:grpSpPr>
+      <p:sp>
+        <p:nvSpPr>
+          <p:cNvPr id="2" name="Oval 1"/>
+          <p:cNvSpPr/>
+          <p:nvPr/>
+        </p:nvSpPr>
+        <p:spPr>
+          <a:xfrm>
+            <a:off x="4038600" y="2628900"/>
+            <a:ext cx="838200" cy="762000"/>
+          </a:xfrm>
+          <a:prstGeom prst="ellipse">
+            <a:avLst/>
+          </a:prstGeom>
+          <a:noFill/>
+        </p:spPr>
+        <p:style>
+          <a:lnRef idx="2">
+            <a:schemeClr val="accent1">
+              <a:shade val="50000"/>
+            </a:schemeClr>
+          </a:lnRef>
+          <a:fillRef idx="1">
+            <a:schemeClr val="accent1"/>
+          </a:fillRef>
+          <a:effectRef idx="0">
+            <a:schemeClr val="accent1"/>
+          </a:effectRef>
+          <a:fontRef idx="minor">
+            <a:schemeClr val="lt1"/>
+          </a:fontRef>
+        </p:style>
+        <p:txBody>
+          <a:bodyPr rtlCol="0" anchor="ctr"/>
+          <a:lstStyle/>
+          <a:p>
+            <a:pPr algn="ctr"/>
+            <a:endParaRPr lang="en-US"/>
+          </a:p>
+        </p:txBody>
+      </p:sp>
+      <p:cxnSp>
+        <p:nvCxnSpPr>
+          <p:cNvPr id="4" name="Straight Arrow Connector 3"/>
+          <p:cNvCxnSpPr>
+            <a:stCxn id="2" idx="6"/>
+          </p:cNvCxnSpPr>
+          <p:nvPr/>
+        </p:nvCxnSpPr>
+        <p:spPr>
+          <a:xfrm>
+            <a:off x="4876800" y="3009900"/>
+            <a:ext cx="1524000" cy="0"/>
+          </a:xfrm>
+          <a:prstGeom prst="straightConnector1">
+            <a:avLst/>
+          </a:prstGeom>
+          <a:ln>
+            <a:tailEnd type="arrow"/>
+          </a:ln>
+        </p:spPr>
+        <p:style>
+          <a:lnRef idx="1">
+            <a:schemeClr val="accent1"/>
+          </a:lnRef>
+          <a:fillRef idx="0">
+            <a:schemeClr val="accent1"/>
+          </a:fillRef>
+          <a:effectRef idx="0">
+            <a:schemeClr val="accent1"/>
+          </a:effectRef>
+          <a:fontRef idx="minor">
+            <a:schemeClr val="tx1"/>
+          </a:fontRef>
+        </p:style>
+      </p:cxnSp>
+      <p:sp>
+        <p:nvSpPr>
+          <p:cNvPr id="5" name="TextBox 4"/>
+          <p:cNvSpPr txBox="1"/>
+          <p:nvPr/>
+        </p:nvSpPr>
+        <p:spPr>
+          <a:xfrm>
+            <a:off x="4038600" y="2857500"/>
+            <a:ext cx="879856" cy="307777"/>
+          </a:xfrm>
+          <a:prstGeom prst="rect">
+            <a:avLst/>
+          </a:prstGeom>
+          <a:noFill/>
+        </p:spPr>
+        <p:txBody>
+          <a:bodyPr wrap="none" rtlCol="0">
+            <a:spAutoFit/>
+          </a:bodyPr>
+          <a:lstStyle/>
+          <a:p>
+            <a:r>
+              <a:rPr lang="en-US" sz="1400" dirty="0" smtClean="0"/>
+              <a:t>container</a:t>
+            </a:r>
+            <a:endParaRPr lang="en-US" dirty="0"/>
+          </a:p>
+        </p:txBody>
+      </p:sp>
+      <p:sp>
+        <p:nvSpPr>
+          <p:cNvPr id="6" name="TextBox 5"/>
+          <p:cNvSpPr txBox="1"/>
+          <p:nvPr/>
+        </p:nvSpPr>
+        <p:spPr>
+          <a:xfrm>
+            <a:off x="6400800" y="2869168"/>
+            <a:ext cx="3207417" cy="369332"/>
+          </a:xfrm>
+          <a:prstGeom prst="rect">
+            <a:avLst/>
+          </a:prstGeom>
+          <a:noFill/>
+        </p:spPr>
+        <p:txBody>
+          <a:bodyPr wrap="none" rtlCol="0">
+            <a:spAutoFit/>
+          </a:bodyPr>
+          <a:lstStyle/>
+          <a:p>
+            <a:r>
+              <a:rPr lang="en-US" dirty="0" smtClean="0"/>
+              <a:t>Image dev/application dev team</a:t>
+            </a:r>
+            <a:endParaRPr lang="en-US" dirty="0"/>
+          </a:p>
+        </p:txBody>
+      </p:sp>
+      <p:sp>
+        <p:nvSpPr>
+          <p:cNvPr id="7" name="Oval 6"/>
+          <p:cNvSpPr/>
+          <p:nvPr/>
+        </p:nvSpPr>
+        <p:spPr>
+          <a:xfrm>
+            <a:off x="3505200" y="2324100"/>
+            <a:ext cx="1828800" cy="1447800"/>
+          </a:xfrm>
+          <a:prstGeom prst="ellipse">
+            <a:avLst/>
+          </a:prstGeom>
+          <a:noFill/>
+        </p:spPr>
+        <p:style>
+          <a:lnRef idx="2">
+            <a:schemeClr val="accent1">
+              <a:shade val="50000"/>
+            </a:schemeClr>
+          </a:lnRef>
+          <a:fillRef idx="1">
+            <a:schemeClr val="accent1"/>
+          </a:fillRef>
+          <a:effectRef idx="0">
+            <a:schemeClr val="accent1"/>
+          </a:effectRef>
+          <a:fontRef idx="minor">
+            <a:schemeClr val="lt1"/>
+          </a:fontRef>
+        </p:style>
+        <p:txBody>
+          <a:bodyPr rtlCol="0" anchor="ctr"/>
+          <a:lstStyle/>
+          <a:p>
+            <a:pPr algn="ctr"/>
+            <a:endParaRPr lang="en-US" dirty="0"/>
+          </a:p>
+        </p:txBody>
+      </p:sp>
+      <p:sp>
+        <p:nvSpPr>
+          <p:cNvPr id="8" name="TextBox 7"/>
+          <p:cNvSpPr txBox="1"/>
+          <p:nvPr/>
+        </p:nvSpPr>
+        <p:spPr>
+          <a:xfrm>
+            <a:off x="4267200" y="2247900"/>
+            <a:ext cx="550151" cy="369332"/>
+          </a:xfrm>
+          <a:prstGeom prst="rect">
+            <a:avLst/>
+          </a:prstGeom>
+          <a:noFill/>
+        </p:spPr>
+        <p:txBody>
+          <a:bodyPr wrap="none" rtlCol="0">
+            <a:spAutoFit/>
+          </a:bodyPr>
+          <a:lstStyle/>
+          <a:p>
+            <a:r>
+              <a:rPr lang="en-US" dirty="0" smtClean="0"/>
+              <a:t>pod</a:t>
+            </a:r>
+            <a:endParaRPr lang="en-US" dirty="0"/>
+          </a:p>
+        </p:txBody>
+      </p:sp>
+      <p:cxnSp>
+        <p:nvCxnSpPr>
+          <p:cNvPr id="10" name="Straight Arrow Connector 9"/>
+          <p:cNvCxnSpPr>
+            <a:stCxn id="8" idx="3"/>
+          </p:cNvCxnSpPr>
+          <p:nvPr/>
+        </p:nvCxnSpPr>
+        <p:spPr>
+          <a:xfrm flipV="1">
+            <a:off x="4817351" y="2400300"/>
+            <a:ext cx="1583449" cy="32266"/>
+          </a:xfrm>
+          <a:prstGeom prst="straightConnector1">
+            <a:avLst/>
+          </a:prstGeom>
+          <a:ln>
+            <a:tailEnd type="arrow"/>
+          </a:ln>
+        </p:spPr>
+        <p:style>
+          <a:lnRef idx="1">
+            <a:schemeClr val="accent1"/>
+          </a:lnRef>
+          <a:fillRef idx="0">
+            <a:schemeClr val="accent1"/>
+          </a:fillRef>
+          <a:effectRef idx="0">
+            <a:schemeClr val="accent1"/>
+          </a:effectRef>
+          <a:fontRef idx="minor">
+            <a:schemeClr val="tx1"/>
+          </a:fontRef>
+        </p:style>
+      </p:cxnSp>
+      <p:sp>
+        <p:nvSpPr>
+          <p:cNvPr id="11" name="TextBox 10"/>
+          <p:cNvSpPr txBox="1"/>
+          <p:nvPr/>
+        </p:nvSpPr>
+        <p:spPr>
+          <a:xfrm>
+            <a:off x="6553200" y="2247900"/>
+            <a:ext cx="2423356" cy="369332"/>
+          </a:xfrm>
+          <a:prstGeom prst="rect">
+            <a:avLst/>
+          </a:prstGeom>
+          <a:noFill/>
+        </p:spPr>
+        <p:txBody>
+          <a:bodyPr wrap="none" rtlCol="0">
+            <a:spAutoFit/>
+          </a:bodyPr>
+          <a:lstStyle/>
+          <a:p>
+            <a:r>
+              <a:rPr lang="en-US" dirty="0" smtClean="0"/>
+              <a:t>Build and release teams</a:t>
+            </a:r>
+            <a:endParaRPr lang="en-US" dirty="0"/>
+          </a:p>
+        </p:txBody>
+      </p:sp>
+      <p:sp>
+        <p:nvSpPr>
+          <p:cNvPr id="12" name="Oval 11"/>
+          <p:cNvSpPr/>
+          <p:nvPr/>
+        </p:nvSpPr>
+        <p:spPr>
+          <a:xfrm>
+            <a:off x="2971800" y="1943100"/>
+            <a:ext cx="2743200" cy="2133600"/>
+          </a:xfrm>
+          <a:prstGeom prst="ellipse">
+            <a:avLst/>
+          </a:prstGeom>
+          <a:noFill/>
+        </p:spPr>
+        <p:style>
+          <a:lnRef idx="2">
+            <a:schemeClr val="accent1">
+              <a:shade val="50000"/>
+            </a:schemeClr>
+          </a:lnRef>
+          <a:fillRef idx="1">
+            <a:schemeClr val="accent1"/>
+          </a:fillRef>
+          <a:effectRef idx="0">
+            <a:schemeClr val="accent1"/>
+          </a:effectRef>
+          <a:fontRef idx="minor">
+            <a:schemeClr val="lt1"/>
+          </a:fontRef>
+        </p:style>
+        <p:txBody>
+          <a:bodyPr rtlCol="0" anchor="ctr"/>
+          <a:lstStyle/>
+          <a:p>
+            <a:pPr algn="ctr"/>
+            <a:endParaRPr lang="en-US" dirty="0"/>
+          </a:p>
+        </p:txBody>
+      </p:sp>
+      <p:sp>
+        <p:nvSpPr>
+          <p:cNvPr id="13" name="TextBox 12"/>
+          <p:cNvSpPr txBox="1"/>
+          <p:nvPr/>
+        </p:nvSpPr>
+        <p:spPr>
+          <a:xfrm>
+            <a:off x="3352800" y="1878568"/>
+            <a:ext cx="2467278" cy="369332"/>
+          </a:xfrm>
+          <a:prstGeom prst="rect">
+            <a:avLst/>
+          </a:prstGeom>
+          <a:noFill/>
+        </p:spPr>
+        <p:txBody>
+          <a:bodyPr wrap="none" rtlCol="0">
+            <a:spAutoFit/>
+          </a:bodyPr>
+          <a:lstStyle/>
+          <a:p>
+            <a:r>
+              <a:rPr lang="en-US" dirty="0" smtClean="0"/>
+              <a:t>Pod-to-pod </a:t>
+            </a:r>
+            <a:r>
+              <a:rPr lang="en-US" dirty="0" err="1" smtClean="0"/>
+              <a:t>comm</a:t>
+            </a:r>
+            <a:r>
+              <a:rPr lang="en-US" dirty="0" smtClean="0"/>
+              <a:t> down</a:t>
+            </a:r>
+            <a:endParaRPr lang="en-US" dirty="0"/>
+          </a:p>
+        </p:txBody>
+      </p:sp>
+      <p:cxnSp>
+        <p:nvCxnSpPr>
+          <p:cNvPr id="15" name="Straight Arrow Connector 14"/>
+          <p:cNvCxnSpPr>
+            <a:stCxn id="13" idx="3"/>
+          </p:cNvCxnSpPr>
+          <p:nvPr/>
+        </p:nvCxnSpPr>
+        <p:spPr>
+          <a:xfrm>
+            <a:off x="5820078" y="2063234"/>
+            <a:ext cx="580722" cy="32266"/>
+          </a:xfrm>
+          <a:prstGeom prst="straightConnector1">
+            <a:avLst/>
+          </a:prstGeom>
+          <a:ln>
+            <a:tailEnd type="arrow"/>
+          </a:ln>
+        </p:spPr>
+        <p:style>
+          <a:lnRef idx="1">
+            <a:schemeClr val="accent1"/>
+          </a:lnRef>
+          <a:fillRef idx="0">
+            <a:schemeClr val="accent1"/>
+          </a:fillRef>
+          <a:effectRef idx="0">
+            <a:schemeClr val="accent1"/>
+          </a:effectRef>
+          <a:fontRef idx="minor">
+            <a:schemeClr val="tx1"/>
+          </a:fontRef>
+        </p:style>
+      </p:cxnSp>
+      <p:sp>
+        <p:nvSpPr>
+          <p:cNvPr id="16" name="TextBox 15"/>
+          <p:cNvSpPr txBox="1"/>
+          <p:nvPr/>
+        </p:nvSpPr>
+        <p:spPr>
+          <a:xfrm>
+            <a:off x="6553200" y="1866900"/>
+            <a:ext cx="1156086" cy="369332"/>
+          </a:xfrm>
+          <a:prstGeom prst="rect">
+            <a:avLst/>
+          </a:prstGeom>
+          <a:noFill/>
+        </p:spPr>
+        <p:txBody>
+          <a:bodyPr wrap="none" rtlCol="0">
+            <a:spAutoFit/>
+          </a:bodyPr>
+          <a:lstStyle/>
+          <a:p>
+            <a:r>
+              <a:rPr lang="en-US" dirty="0" smtClean="0"/>
+              <a:t>K8s admin</a:t>
+            </a:r>
+            <a:endParaRPr lang="en-US" dirty="0"/>
+          </a:p>
+        </p:txBody>
+      </p:sp>
+      <p:sp>
+        <p:nvSpPr>
+          <p:cNvPr id="17" name="Rectangle 16"/>
+          <p:cNvSpPr/>
+          <p:nvPr/>
+        </p:nvSpPr>
+        <p:spPr>
+          <a:xfrm>
+            <a:off x="2590800" y="1257300"/>
+            <a:ext cx="3352800" cy="3048000"/>
+          </a:xfrm>
+          <a:prstGeom prst="rect">
+            <a:avLst/>
+          </a:prstGeom>
+          <a:noFill/>
+        </p:spPr>
+        <p:style>
+          <a:lnRef idx="2">
+            <a:schemeClr val="accent1">
+              <a:shade val="50000"/>
+            </a:schemeClr>
+          </a:lnRef>
+          <a:fillRef idx="1">
+            <a:schemeClr val="accent1"/>
+          </a:fillRef>
+          <a:effectRef idx="0">
+            <a:schemeClr val="accent1"/>
+          </a:effectRef>
+          <a:fontRef idx="minor">
+            <a:schemeClr val="lt1"/>
+          </a:fontRef>
+        </p:style>
+        <p:txBody>
+          <a:bodyPr rtlCol="0" anchor="ctr"/>
+          <a:lstStyle/>
+          <a:p>
+            <a:pPr algn="ctr"/>
+            <a:endParaRPr lang="en-US"/>
+          </a:p>
+        </p:txBody>
+      </p:sp>
+      <p:sp>
+        <p:nvSpPr>
+          <p:cNvPr id="18" name="TextBox 17"/>
+          <p:cNvSpPr txBox="1"/>
+          <p:nvPr/>
+        </p:nvSpPr>
+        <p:spPr>
+          <a:xfrm>
+            <a:off x="4572000" y="1104900"/>
+            <a:ext cx="665567" cy="369332"/>
+          </a:xfrm>
+          <a:prstGeom prst="rect">
+            <a:avLst/>
+          </a:prstGeom>
+          <a:noFill/>
+        </p:spPr>
+        <p:txBody>
+          <a:bodyPr wrap="none" rtlCol="0">
+            <a:spAutoFit/>
+          </a:bodyPr>
+          <a:lstStyle/>
+          <a:p>
+            <a:r>
+              <a:rPr lang="en-US" dirty="0" smtClean="0"/>
+              <a:t>node</a:t>
+            </a:r>
+            <a:endParaRPr lang="en-US" dirty="0"/>
+          </a:p>
+        </p:txBody>
+      </p:sp>
+      <p:cxnSp>
+        <p:nvCxnSpPr>
+          <p:cNvPr id="20" name="Straight Arrow Connector 19"/>
+          <p:cNvCxnSpPr/>
+          <p:nvPr/>
+        </p:nvCxnSpPr>
+        <p:spPr>
+          <a:xfrm flipV="1">
+            <a:off x="5943600" y="1333500"/>
+            <a:ext cx="914400" cy="76200"/>
+          </a:xfrm>
+          <a:prstGeom prst="straightConnector1">
+            <a:avLst/>
+          </a:prstGeom>
+          <a:ln>
+            <a:tailEnd type="arrow"/>
+          </a:ln>
+        </p:spPr>
+        <p:style>
+          <a:lnRef idx="1">
+            <a:schemeClr val="accent1"/>
+          </a:lnRef>
+          <a:fillRef idx="0">
+            <a:schemeClr val="accent1"/>
+          </a:fillRef>
+          <a:effectRef idx="0">
+            <a:schemeClr val="accent1"/>
+          </a:effectRef>
+          <a:fontRef idx="minor">
+            <a:schemeClr val="tx1"/>
+          </a:fontRef>
+        </p:style>
+      </p:cxnSp>
+      <p:sp>
+        <p:nvSpPr>
+          <p:cNvPr id="21" name="TextBox 20"/>
+          <p:cNvSpPr txBox="1"/>
+          <p:nvPr/>
+        </p:nvSpPr>
+        <p:spPr>
+          <a:xfrm>
+            <a:off x="6781800" y="1181100"/>
+            <a:ext cx="2471382" cy="369332"/>
+          </a:xfrm>
+          <a:prstGeom prst="rect">
+            <a:avLst/>
+          </a:prstGeom>
+          <a:noFill/>
+        </p:spPr>
+        <p:txBody>
+          <a:bodyPr wrap="none" rtlCol="0">
+            <a:spAutoFit/>
+          </a:bodyPr>
+          <a:lstStyle/>
+          <a:p>
+            <a:r>
+              <a:rPr lang="en-US" dirty="0" smtClean="0"/>
+              <a:t>Cloud / sys admin teams</a:t>
+            </a:r>
+            <a:endParaRPr lang="en-US" dirty="0"/>
+          </a:p>
+        </p:txBody>
+      </p:sp>
     </p:spTree>
   </p:cSld>
   <p:clrMapOvr>

--- a/rough-diag.pptx
+++ b/rough-diag.pptx
@@ -5,7 +5,7 @@
     <p:sldMasterId id="2147483648" r:id="rId1"/>
   </p:sldMasterIdLst>
   <p:notesMasterIdLst>
-    <p:notesMasterId r:id="rId21"/>
+    <p:notesMasterId r:id="rId25"/>
   </p:notesMasterIdLst>
   <p:sldIdLst>
     <p:sldId id="700" r:id="rId2"/>
@@ -26,7 +26,11 @@
     <p:sldId id="715" r:id="rId17"/>
     <p:sldId id="716" r:id="rId18"/>
     <p:sldId id="717" r:id="rId19"/>
-    <p:sldId id="718" r:id="rId20"/>
+    <p:sldId id="719" r:id="rId20"/>
+    <p:sldId id="720" r:id="rId21"/>
+    <p:sldId id="721" r:id="rId22"/>
+    <p:sldId id="722" r:id="rId23"/>
+    <p:sldId id="718" r:id="rId24"/>
   </p:sldIdLst>
   <p:sldSz cx="9144000" cy="5715000" type="screen16x10"/>
   <p:notesSz cx="6858000" cy="9144000"/>
@@ -211,7 +215,7 @@
             <a:fld id="{7D8A566C-5138-4135-8B6E-909EC4E2D69D}" type="datetimeFigureOut">
               <a:rPr lang="en-US" smtClean="0"/>
               <a:pPr/>
-              <a:t>7/18/2019</a:t>
+              <a:t>7/19/2019</a:t>
             </a:fld>
             <a:endParaRPr lang="en-US"/>
           </a:p>
@@ -659,7 +663,7 @@
             <a:fld id="{40A6C090-7603-40E1-A38A-09FB9492DEDA}" type="datetimeFigureOut">
               <a:rPr lang="en-US" smtClean="0"/>
               <a:pPr/>
-              <a:t>7/18/2019</a:t>
+              <a:t>7/19/2019</a:t>
             </a:fld>
             <a:endParaRPr lang="en-US"/>
           </a:p>
@@ -826,7 +830,7 @@
             <a:fld id="{40A6C090-7603-40E1-A38A-09FB9492DEDA}" type="datetimeFigureOut">
               <a:rPr lang="en-US" smtClean="0"/>
               <a:pPr/>
-              <a:t>7/18/2019</a:t>
+              <a:t>7/19/2019</a:t>
             </a:fld>
             <a:endParaRPr lang="en-US"/>
           </a:p>
@@ -1003,7 +1007,7 @@
             <a:fld id="{40A6C090-7603-40E1-A38A-09FB9492DEDA}" type="datetimeFigureOut">
               <a:rPr lang="en-US" smtClean="0"/>
               <a:pPr/>
-              <a:t>7/18/2019</a:t>
+              <a:t>7/19/2019</a:t>
             </a:fld>
             <a:endParaRPr lang="en-US"/>
           </a:p>
@@ -1170,7 +1174,7 @@
             <a:fld id="{40A6C090-7603-40E1-A38A-09FB9492DEDA}" type="datetimeFigureOut">
               <a:rPr lang="en-US" smtClean="0"/>
               <a:pPr/>
-              <a:t>7/18/2019</a:t>
+              <a:t>7/19/2019</a:t>
             </a:fld>
             <a:endParaRPr lang="en-US"/>
           </a:p>
@@ -1413,7 +1417,7 @@
             <a:fld id="{40A6C090-7603-40E1-A38A-09FB9492DEDA}" type="datetimeFigureOut">
               <a:rPr lang="en-US" smtClean="0"/>
               <a:pPr/>
-              <a:t>7/18/2019</a:t>
+              <a:t>7/19/2019</a:t>
             </a:fld>
             <a:endParaRPr lang="en-US"/>
           </a:p>
@@ -1698,7 +1702,7 @@
             <a:fld id="{40A6C090-7603-40E1-A38A-09FB9492DEDA}" type="datetimeFigureOut">
               <a:rPr lang="en-US" smtClean="0"/>
               <a:pPr/>
-              <a:t>7/18/2019</a:t>
+              <a:t>7/19/2019</a:t>
             </a:fld>
             <a:endParaRPr lang="en-US"/>
           </a:p>
@@ -2117,7 +2121,7 @@
             <a:fld id="{40A6C090-7603-40E1-A38A-09FB9492DEDA}" type="datetimeFigureOut">
               <a:rPr lang="en-US" smtClean="0"/>
               <a:pPr/>
-              <a:t>7/18/2019</a:t>
+              <a:t>7/19/2019</a:t>
             </a:fld>
             <a:endParaRPr lang="en-US"/>
           </a:p>
@@ -2232,7 +2236,7 @@
             <a:fld id="{40A6C090-7603-40E1-A38A-09FB9492DEDA}" type="datetimeFigureOut">
               <a:rPr lang="en-US" smtClean="0"/>
               <a:pPr/>
-              <a:t>7/18/2019</a:t>
+              <a:t>7/19/2019</a:t>
             </a:fld>
             <a:endParaRPr lang="en-US"/>
           </a:p>
@@ -2324,7 +2328,7 @@
             <a:fld id="{40A6C090-7603-40E1-A38A-09FB9492DEDA}" type="datetimeFigureOut">
               <a:rPr lang="en-US" smtClean="0"/>
               <a:pPr/>
-              <a:t>7/18/2019</a:t>
+              <a:t>7/19/2019</a:t>
             </a:fld>
             <a:endParaRPr lang="en-US"/>
           </a:p>
@@ -2598,7 +2602,7 @@
             <a:fld id="{40A6C090-7603-40E1-A38A-09FB9492DEDA}" type="datetimeFigureOut">
               <a:rPr lang="en-US" smtClean="0"/>
               <a:pPr/>
-              <a:t>7/18/2019</a:t>
+              <a:t>7/19/2019</a:t>
             </a:fld>
             <a:endParaRPr lang="en-US"/>
           </a:p>
@@ -2848,7 +2852,7 @@
             <a:fld id="{40A6C090-7603-40E1-A38A-09FB9492DEDA}" type="datetimeFigureOut">
               <a:rPr lang="en-US" smtClean="0"/>
               <a:pPr/>
-              <a:t>7/18/2019</a:t>
+              <a:t>7/19/2019</a:t>
             </a:fld>
             <a:endParaRPr lang="en-US"/>
           </a:p>
@@ -3058,7 +3062,7 @@
             <a:fld id="{40A6C090-7603-40E1-A38A-09FB9492DEDA}" type="datetimeFigureOut">
               <a:rPr lang="en-US" smtClean="0"/>
               <a:pPr/>
-              <a:t>7/18/2019</a:t>
+              <a:t>7/19/2019</a:t>
             </a:fld>
             <a:endParaRPr lang="en-US"/>
           </a:p>
@@ -6866,15 +6870,7 @@
           <a:p>
             <a:r>
               <a:rPr lang="en-US" dirty="0" smtClean="0"/>
-              <a:t> </a:t>
-            </a:r>
-            <a:r>
-              <a:rPr lang="en-US" dirty="0" smtClean="0"/>
-              <a:t>   </a:t>
-            </a:r>
-            <a:r>
-              <a:rPr lang="en-US" dirty="0" smtClean="0"/>
-              <a:t>12.34.56.78:8080</a:t>
+              <a:t>    12.34.56.78:8080</a:t>
             </a:r>
           </a:p>
           <a:p>
@@ -8662,7 +8658,7 @@
         </p:nvSpPr>
         <p:spPr>
           <a:xfrm>
-            <a:off x="228600" y="4914900"/>
+            <a:off x="228600" y="4838700"/>
             <a:ext cx="1828800" cy="533400"/>
           </a:xfrm>
           <a:prstGeom prst="cloud">
@@ -9301,6 +9297,36 @@
           </a:fontRef>
         </p:style>
       </p:cxnSp>
+      <p:sp>
+        <p:nvSpPr>
+          <p:cNvPr id="46" name="TextBox 45"/>
+          <p:cNvSpPr txBox="1"/>
+          <p:nvPr/>
+        </p:nvSpPr>
+        <p:spPr>
+          <a:xfrm>
+            <a:off x="7315200" y="3619500"/>
+            <a:ext cx="1079078" cy="369332"/>
+          </a:xfrm>
+          <a:prstGeom prst="rect">
+            <a:avLst/>
+          </a:prstGeom>
+          <a:noFill/>
+        </p:spPr>
+        <p:txBody>
+          <a:bodyPr wrap="none" rtlCol="0">
+            <a:spAutoFit/>
+          </a:bodyPr>
+          <a:lstStyle/>
+          <a:p>
+            <a:r>
+              <a:rPr lang="en-US" dirty="0" err="1" smtClean="0"/>
+              <a:t>localkube</a:t>
+            </a:r>
+            <a:endParaRPr lang="en-US" dirty="0"/>
+          </a:p>
+        </p:txBody>
+      </p:sp>
     </p:spTree>
   </p:cSld>
   <p:clrMapOvr>
@@ -9747,15 +9773,7 @@
           <a:p>
             <a:r>
               <a:rPr lang="en-US" dirty="0" smtClean="0"/>
-              <a:t>K8snode2:</a:t>
-            </a:r>
-            <a:r>
-              <a:rPr lang="en-US" dirty="0" smtClean="0"/>
-              <a:t> </a:t>
-            </a:r>
-            <a:r>
-              <a:rPr lang="en-US" dirty="0" smtClean="0"/>
-              <a:t>192.167.10.72</a:t>
+              <a:t>K8snode2: 192.167.10.72</a:t>
             </a:r>
             <a:endParaRPr lang="en-US" dirty="0"/>
           </a:p>
@@ -9791,7 +9809,6 @@
               <a:rPr lang="en-US" sz="1400" dirty="0" smtClean="0"/>
               <a:t>-proxy</a:t>
             </a:r>
-            <a:endParaRPr lang="en-US" sz="1400" dirty="0" smtClean="0"/>
           </a:p>
           <a:p>
             <a:r>
@@ -9802,15 +9819,7 @@
           <a:p>
             <a:r>
               <a:rPr lang="en-US" sz="1400" dirty="0" smtClean="0"/>
-              <a:t>192.168.1.0   </a:t>
-            </a:r>
-            <a:r>
-              <a:rPr lang="en-US" sz="1400" dirty="0" smtClean="0"/>
-              <a:t>next </a:t>
-            </a:r>
-            <a:r>
-              <a:rPr lang="en-US" sz="1400" dirty="0" smtClean="0"/>
-              <a:t>hop 192.167.10.72</a:t>
+              <a:t>192.168.1.0   next hop 192.167.10.72</a:t>
             </a:r>
             <a:endParaRPr lang="en-US" dirty="0"/>
           </a:p>
@@ -9856,41 +9865,7 @@
           <a:p>
             <a:r>
               <a:rPr lang="en-US" sz="1400" dirty="0" smtClean="0"/>
-              <a:t>192.168.0.1   next </a:t>
-            </a:r>
-            <a:r>
-              <a:rPr lang="en-US" sz="1400" dirty="0" smtClean="0"/>
-              <a:t>192.167.10.72</a:t>
-            </a:r>
-            <a:endParaRPr lang="en-US" dirty="0"/>
-          </a:p>
-        </p:txBody>
-      </p:sp>
-      <p:sp>
-        <p:nvSpPr>
-          <p:cNvPr id="9" name="TextBox 8"/>
-          <p:cNvSpPr txBox="1"/>
-          <p:nvPr/>
-        </p:nvSpPr>
-        <p:spPr>
-          <a:xfrm>
-            <a:off x="304800" y="495300"/>
-            <a:ext cx="1293944" cy="369332"/>
-          </a:xfrm>
-          <a:prstGeom prst="rect">
-            <a:avLst/>
-          </a:prstGeom>
-          <a:noFill/>
-        </p:spPr>
-        <p:txBody>
-          <a:bodyPr wrap="none" rtlCol="0">
-            <a:spAutoFit/>
-          </a:bodyPr>
-          <a:lstStyle/>
-          <a:p>
-            <a:r>
-              <a:rPr lang="en-US" dirty="0" smtClean="0"/>
-              <a:t>192.168.0.0</a:t>
+              <a:t>192.168.0.1   next 192.167.10.72</a:t>
             </a:r>
             <a:endParaRPr lang="en-US" dirty="0"/>
           </a:p>
@@ -10403,19 +10378,18 @@
       </p:grpSpPr>
       <p:sp>
         <p:nvSpPr>
-          <p:cNvPr id="2" name="Oval 1"/>
+          <p:cNvPr id="2" name="Rectangle 1"/>
           <p:cNvSpPr/>
           <p:nvPr/>
         </p:nvSpPr>
         <p:spPr>
           <a:xfrm>
-            <a:off x="4038600" y="2628900"/>
-            <a:ext cx="838200" cy="762000"/>
-          </a:xfrm>
-          <a:prstGeom prst="ellipse">
-            <a:avLst/>
-          </a:prstGeom>
-          <a:noFill/>
+            <a:off x="609600" y="1790700"/>
+            <a:ext cx="838200" cy="1752600"/>
+          </a:xfrm>
+          <a:prstGeom prst="rect">
+            <a:avLst/>
+          </a:prstGeom>
         </p:spPr>
         <p:style>
           <a:lnRef idx="2">
@@ -10438,117 +10412,26 @@
           <a:lstStyle/>
           <a:p>
             <a:pPr algn="ctr"/>
-            <a:endParaRPr lang="en-US"/>
-          </a:p>
-        </p:txBody>
-      </p:sp>
-      <p:cxnSp>
-        <p:nvCxnSpPr>
-          <p:cNvPr id="4" name="Straight Arrow Connector 3"/>
-          <p:cNvCxnSpPr>
-            <a:stCxn id="2" idx="6"/>
-          </p:cNvCxnSpPr>
-          <p:nvPr/>
-        </p:nvCxnSpPr>
-        <p:spPr>
-          <a:xfrm>
-            <a:off x="4876800" y="3009900"/>
-            <a:ext cx="1524000" cy="0"/>
-          </a:xfrm>
-          <a:prstGeom prst="straightConnector1">
-            <a:avLst/>
-          </a:prstGeom>
-          <a:ln>
-            <a:tailEnd type="arrow"/>
-          </a:ln>
-        </p:spPr>
-        <p:style>
-          <a:lnRef idx="1">
-            <a:schemeClr val="accent1"/>
-          </a:lnRef>
-          <a:fillRef idx="0">
-            <a:schemeClr val="accent1"/>
-          </a:fillRef>
-          <a:effectRef idx="0">
-            <a:schemeClr val="accent1"/>
-          </a:effectRef>
-          <a:fontRef idx="minor">
-            <a:schemeClr val="tx1"/>
-          </a:fontRef>
-        </p:style>
-      </p:cxnSp>
-      <p:sp>
-        <p:nvSpPr>
-          <p:cNvPr id="5" name="TextBox 4"/>
-          <p:cNvSpPr txBox="1"/>
-          <p:nvPr/>
-        </p:nvSpPr>
-        <p:spPr>
-          <a:xfrm>
-            <a:off x="4038600" y="2857500"/>
-            <a:ext cx="879856" cy="307777"/>
-          </a:xfrm>
-          <a:prstGeom prst="rect">
-            <a:avLst/>
-          </a:prstGeom>
-          <a:noFill/>
-        </p:spPr>
-        <p:txBody>
-          <a:bodyPr wrap="none" rtlCol="0">
-            <a:spAutoFit/>
-          </a:bodyPr>
-          <a:lstStyle/>
-          <a:p>
-            <a:r>
-              <a:rPr lang="en-US" sz="1400" dirty="0" smtClean="0"/>
-              <a:t>container</a:t>
-            </a:r>
-            <a:endParaRPr lang="en-US" dirty="0"/>
-          </a:p>
-        </p:txBody>
-      </p:sp>
-      <p:sp>
-        <p:nvSpPr>
-          <p:cNvPr id="6" name="TextBox 5"/>
-          <p:cNvSpPr txBox="1"/>
-          <p:nvPr/>
-        </p:nvSpPr>
-        <p:spPr>
-          <a:xfrm>
-            <a:off x="6400800" y="2869168"/>
-            <a:ext cx="3207417" cy="369332"/>
-          </a:xfrm>
-          <a:prstGeom prst="rect">
-            <a:avLst/>
-          </a:prstGeom>
-          <a:noFill/>
-        </p:spPr>
-        <p:txBody>
-          <a:bodyPr wrap="none" rtlCol="0">
-            <a:spAutoFit/>
-          </a:bodyPr>
-          <a:lstStyle/>
-          <a:p>
-            <a:r>
-              <a:rPr lang="en-US" dirty="0" smtClean="0"/>
-              <a:t>Image dev/application dev team</a:t>
-            </a:r>
-            <a:endParaRPr lang="en-US" dirty="0"/>
-          </a:p>
-        </p:txBody>
-      </p:sp>
-      <p:sp>
-        <p:nvSpPr>
-          <p:cNvPr id="7" name="Oval 6"/>
+            <a:r>
+              <a:rPr lang="en-US" dirty="0" smtClean="0"/>
+              <a:t>k8smaster</a:t>
+            </a:r>
+            <a:endParaRPr lang="en-US" dirty="0"/>
+          </a:p>
+        </p:txBody>
+      </p:sp>
+      <p:sp>
+        <p:nvSpPr>
+          <p:cNvPr id="3" name="Rectangle 2"/>
           <p:cNvSpPr/>
           <p:nvPr/>
         </p:nvSpPr>
         <p:spPr>
           <a:xfrm>
-            <a:off x="3505200" y="2324100"/>
-            <a:ext cx="1828800" cy="1447800"/>
-          </a:xfrm>
-          <a:prstGeom prst="ellipse">
+            <a:off x="2895600" y="266700"/>
+            <a:ext cx="5638800" cy="2438400"/>
+          </a:xfrm>
+          <a:prstGeom prst="rect">
             <a:avLst/>
           </a:prstGeom>
           <a:noFill/>
@@ -10580,111 +10463,16 @@
       </p:sp>
       <p:sp>
         <p:nvSpPr>
-          <p:cNvPr id="8" name="TextBox 7"/>
-          <p:cNvSpPr txBox="1"/>
-          <p:nvPr/>
-        </p:nvSpPr>
-        <p:spPr>
-          <a:xfrm>
-            <a:off x="4267200" y="2247900"/>
-            <a:ext cx="550151" cy="369332"/>
-          </a:xfrm>
-          <a:prstGeom prst="rect">
-            <a:avLst/>
-          </a:prstGeom>
-          <a:noFill/>
-        </p:spPr>
-        <p:txBody>
-          <a:bodyPr wrap="none" rtlCol="0">
-            <a:spAutoFit/>
-          </a:bodyPr>
-          <a:lstStyle/>
-          <a:p>
-            <a:r>
-              <a:rPr lang="en-US" dirty="0" smtClean="0"/>
-              <a:t>pod</a:t>
-            </a:r>
-            <a:endParaRPr lang="en-US" dirty="0"/>
-          </a:p>
-        </p:txBody>
-      </p:sp>
-      <p:cxnSp>
-        <p:nvCxnSpPr>
-          <p:cNvPr id="10" name="Straight Arrow Connector 9"/>
-          <p:cNvCxnSpPr>
-            <a:stCxn id="8" idx="3"/>
-          </p:cNvCxnSpPr>
-          <p:nvPr/>
-        </p:nvCxnSpPr>
-        <p:spPr>
-          <a:xfrm flipV="1">
-            <a:off x="4817351" y="2400300"/>
-            <a:ext cx="1583449" cy="32266"/>
-          </a:xfrm>
-          <a:prstGeom prst="straightConnector1">
-            <a:avLst/>
-          </a:prstGeom>
-          <a:ln>
-            <a:tailEnd type="arrow"/>
-          </a:ln>
-        </p:spPr>
-        <p:style>
-          <a:lnRef idx="1">
-            <a:schemeClr val="accent1"/>
-          </a:lnRef>
-          <a:fillRef idx="0">
-            <a:schemeClr val="accent1"/>
-          </a:fillRef>
-          <a:effectRef idx="0">
-            <a:schemeClr val="accent1"/>
-          </a:effectRef>
-          <a:fontRef idx="minor">
-            <a:schemeClr val="tx1"/>
-          </a:fontRef>
-        </p:style>
-      </p:cxnSp>
-      <p:sp>
-        <p:nvSpPr>
-          <p:cNvPr id="11" name="TextBox 10"/>
-          <p:cNvSpPr txBox="1"/>
-          <p:nvPr/>
-        </p:nvSpPr>
-        <p:spPr>
-          <a:xfrm>
-            <a:off x="6553200" y="2247900"/>
-            <a:ext cx="2423356" cy="369332"/>
-          </a:xfrm>
-          <a:prstGeom prst="rect">
-            <a:avLst/>
-          </a:prstGeom>
-          <a:noFill/>
-        </p:spPr>
-        <p:txBody>
-          <a:bodyPr wrap="none" rtlCol="0">
-            <a:spAutoFit/>
-          </a:bodyPr>
-          <a:lstStyle/>
-          <a:p>
-            <a:r>
-              <a:rPr lang="en-US" dirty="0" smtClean="0"/>
-              <a:t>Build and release teams</a:t>
-            </a:r>
-            <a:endParaRPr lang="en-US" dirty="0"/>
-          </a:p>
-        </p:txBody>
-      </p:sp>
-      <p:sp>
-        <p:nvSpPr>
-          <p:cNvPr id="12" name="Oval 11"/>
+          <p:cNvPr id="4" name="Rectangle 3"/>
           <p:cNvSpPr/>
           <p:nvPr/>
         </p:nvSpPr>
         <p:spPr>
           <a:xfrm>
-            <a:off x="2971800" y="1943100"/>
-            <a:ext cx="2743200" cy="2133600"/>
-          </a:xfrm>
-          <a:prstGeom prst="ellipse">
+            <a:off x="2895600" y="3162300"/>
+            <a:ext cx="5638800" cy="2362200"/>
+          </a:xfrm>
+          <a:prstGeom prst="rect">
             <a:avLst/>
           </a:prstGeom>
           <a:noFill/>
@@ -10710,20 +10498,20 @@
           <a:lstStyle/>
           <a:p>
             <a:pPr algn="ctr"/>
-            <a:endParaRPr lang="en-US" dirty="0"/>
-          </a:p>
-        </p:txBody>
-      </p:sp>
-      <p:sp>
-        <p:nvSpPr>
-          <p:cNvPr id="13" name="TextBox 12"/>
+            <a:endParaRPr lang="en-US"/>
+          </a:p>
+        </p:txBody>
+      </p:sp>
+      <p:sp>
+        <p:nvSpPr>
+          <p:cNvPr id="5" name="TextBox 4"/>
           <p:cNvSpPr txBox="1"/>
           <p:nvPr/>
         </p:nvSpPr>
         <p:spPr>
           <a:xfrm>
-            <a:off x="3352800" y="1878568"/>
-            <a:ext cx="2467278" cy="369332"/>
+            <a:off x="2895600" y="0"/>
+            <a:ext cx="2621230" cy="369332"/>
           </a:xfrm>
           <a:prstGeom prst="rect">
             <a:avLst/>
@@ -10738,65 +10526,22 @@
           <a:p>
             <a:r>
               <a:rPr lang="en-US" dirty="0" smtClean="0"/>
-              <a:t>Pod-to-pod </a:t>
-            </a:r>
-            <a:r>
-              <a:rPr lang="en-US" dirty="0" err="1" smtClean="0"/>
-              <a:t>comm</a:t>
-            </a:r>
-            <a:r>
-              <a:rPr lang="en-US" dirty="0" smtClean="0"/>
-              <a:t> down</a:t>
-            </a:r>
-            <a:endParaRPr lang="en-US" dirty="0"/>
-          </a:p>
-        </p:txBody>
-      </p:sp>
-      <p:cxnSp>
-        <p:nvCxnSpPr>
-          <p:cNvPr id="15" name="Straight Arrow Connector 14"/>
-          <p:cNvCxnSpPr>
-            <a:stCxn id="13" idx="3"/>
-          </p:cNvCxnSpPr>
-          <p:nvPr/>
-        </p:nvCxnSpPr>
-        <p:spPr>
-          <a:xfrm>
-            <a:off x="5820078" y="2063234"/>
-            <a:ext cx="580722" cy="32266"/>
-          </a:xfrm>
-          <a:prstGeom prst="straightConnector1">
-            <a:avLst/>
-          </a:prstGeom>
-          <a:ln>
-            <a:tailEnd type="arrow"/>
-          </a:ln>
-        </p:spPr>
-        <p:style>
-          <a:lnRef idx="1">
-            <a:schemeClr val="accent1"/>
-          </a:lnRef>
-          <a:fillRef idx="0">
-            <a:schemeClr val="accent1"/>
-          </a:fillRef>
-          <a:effectRef idx="0">
-            <a:schemeClr val="accent1"/>
-          </a:effectRef>
-          <a:fontRef idx="minor">
-            <a:schemeClr val="tx1"/>
-          </a:fontRef>
-        </p:style>
-      </p:cxnSp>
-      <p:sp>
-        <p:nvSpPr>
-          <p:cNvPr id="16" name="TextBox 15"/>
+              <a:t>K8snode1 : 192.167.10.71</a:t>
+            </a:r>
+            <a:endParaRPr lang="en-US" dirty="0"/>
+          </a:p>
+        </p:txBody>
+      </p:sp>
+      <p:sp>
+        <p:nvSpPr>
+          <p:cNvPr id="6" name="TextBox 5"/>
           <p:cNvSpPr txBox="1"/>
           <p:nvPr/>
         </p:nvSpPr>
         <p:spPr>
           <a:xfrm>
-            <a:off x="6553200" y="1866900"/>
-            <a:ext cx="1156086" cy="369332"/>
+            <a:off x="2971800" y="3238500"/>
+            <a:ext cx="2568332" cy="369332"/>
           </a:xfrm>
           <a:prstGeom prst="rect">
             <a:avLst/>
@@ -10811,24 +10556,179 @@
           <a:p>
             <a:r>
               <a:rPr lang="en-US" dirty="0" smtClean="0"/>
-              <a:t>K8s admin</a:t>
-            </a:r>
-            <a:endParaRPr lang="en-US" dirty="0"/>
-          </a:p>
-        </p:txBody>
-      </p:sp>
-      <p:sp>
-        <p:nvSpPr>
-          <p:cNvPr id="17" name="Rectangle 16"/>
+              <a:t>K8snode2: 192.167.10.72</a:t>
+            </a:r>
+            <a:endParaRPr lang="en-US" dirty="0"/>
+          </a:p>
+        </p:txBody>
+      </p:sp>
+      <p:sp>
+        <p:nvSpPr>
+          <p:cNvPr id="7" name="TextBox 6"/>
+          <p:cNvSpPr txBox="1"/>
+          <p:nvPr/>
+        </p:nvSpPr>
+        <p:spPr>
+          <a:xfrm>
+            <a:off x="2895600" y="1485900"/>
+            <a:ext cx="3429000" cy="1384995"/>
+          </a:xfrm>
+          <a:prstGeom prst="rect">
+            <a:avLst/>
+          </a:prstGeom>
+          <a:noFill/>
+        </p:spPr>
+        <p:txBody>
+          <a:bodyPr wrap="square" rtlCol="0">
+            <a:spAutoFit/>
+          </a:bodyPr>
+          <a:lstStyle/>
+          <a:p>
+            <a:r>
+              <a:rPr lang="en-US" sz="1400" dirty="0" err="1" smtClean="0"/>
+              <a:t>kube</a:t>
+            </a:r>
+            <a:r>
+              <a:rPr lang="en-US" sz="1400" dirty="0" smtClean="0"/>
+              <a:t>-proxy</a:t>
+            </a:r>
+          </a:p>
+          <a:p>
+            <a:r>
+              <a:rPr lang="en-US" sz="1400" dirty="0" smtClean="0"/>
+              <a:t>31001</a:t>
+            </a:r>
+            <a:r>
+              <a:rPr lang="en-US" sz="1400" dirty="0" smtClean="0">
+                <a:sym typeface="Wingdings" pitchFamily="2" charset="2"/>
+              </a:rPr>
+              <a:t></a:t>
+            </a:r>
+            <a:r>
+              <a:rPr lang="en-US" sz="1400" dirty="0" smtClean="0"/>
+              <a:t>10.101.57.59:8888 </a:t>
+            </a:r>
+            <a:r>
+              <a:rPr lang="en-US" sz="1400" dirty="0" smtClean="0">
+                <a:sym typeface="Wingdings" pitchFamily="2" charset="2"/>
+              </a:rPr>
+              <a:t> </a:t>
+            </a:r>
+            <a:r>
+              <a:rPr lang="en-US" sz="1400" dirty="0" smtClean="0">
+                <a:sym typeface="Wingdings" pitchFamily="2" charset="2"/>
+              </a:rPr>
+              <a:t>EP:</a:t>
+            </a:r>
+            <a:r>
+              <a:rPr lang="en-US" sz="1400" dirty="0" smtClean="0"/>
+              <a:t>192.168.1.2:3306</a:t>
+            </a:r>
+          </a:p>
+          <a:p>
+            <a:r>
+              <a:rPr lang="en-US" sz="1400" dirty="0" smtClean="0"/>
+              <a:t>Routing table</a:t>
+            </a:r>
+            <a:endParaRPr lang="en-US" sz="1400" dirty="0" smtClean="0"/>
+          </a:p>
+          <a:p>
+            <a:r>
+              <a:rPr lang="en-US" sz="1400" dirty="0" smtClean="0"/>
+              <a:t>192.168.0.0   next hop 192.167.10.71</a:t>
+            </a:r>
+          </a:p>
+          <a:p>
+            <a:r>
+              <a:rPr lang="en-US" sz="1400" dirty="0" smtClean="0"/>
+              <a:t>192.168.1.0   next hop </a:t>
+            </a:r>
+            <a:r>
+              <a:rPr lang="en-US" sz="1400" dirty="0" smtClean="0"/>
+              <a:t>192.167.10.72</a:t>
+            </a:r>
+          </a:p>
+        </p:txBody>
+      </p:sp>
+      <p:sp>
+        <p:nvSpPr>
+          <p:cNvPr id="8" name="TextBox 7"/>
+          <p:cNvSpPr txBox="1"/>
+          <p:nvPr/>
+        </p:nvSpPr>
+        <p:spPr>
+          <a:xfrm>
+            <a:off x="2905822" y="4354949"/>
+            <a:ext cx="3320140" cy="1169551"/>
+          </a:xfrm>
+          <a:prstGeom prst="rect">
+            <a:avLst/>
+          </a:prstGeom>
+          <a:noFill/>
+        </p:spPr>
+        <p:txBody>
+          <a:bodyPr wrap="none" rtlCol="0">
+            <a:spAutoFit/>
+          </a:bodyPr>
+          <a:lstStyle/>
+          <a:p>
+            <a:r>
+              <a:rPr lang="en-US" sz="1400" dirty="0" err="1" smtClean="0"/>
+              <a:t>kube</a:t>
+            </a:r>
+            <a:r>
+              <a:rPr lang="en-US" sz="1400" dirty="0" smtClean="0"/>
+              <a:t>-proxy</a:t>
+            </a:r>
+          </a:p>
+          <a:p>
+            <a:r>
+              <a:rPr lang="en-US" sz="1400" dirty="0" smtClean="0"/>
+              <a:t>10.101.57.59:8888 </a:t>
+            </a:r>
+            <a:r>
+              <a:rPr lang="en-US" sz="1400" dirty="0" smtClean="0">
+                <a:sym typeface="Wingdings" pitchFamily="2" charset="2"/>
+              </a:rPr>
+              <a:t> EP:</a:t>
+            </a:r>
+            <a:r>
+              <a:rPr lang="en-US" sz="1400" dirty="0" smtClean="0"/>
+              <a:t>192.168.1.2:3306</a:t>
+            </a:r>
+          </a:p>
+          <a:p>
+            <a:r>
+              <a:rPr lang="en-US" sz="1400" dirty="0" smtClean="0"/>
+              <a:t>Routing table</a:t>
+            </a:r>
+          </a:p>
+          <a:p>
+            <a:r>
+              <a:rPr lang="en-US" sz="1400" dirty="0" smtClean="0"/>
+              <a:t>192.168.0.0   next hop 192.167.10.71</a:t>
+            </a:r>
+          </a:p>
+          <a:p>
+            <a:r>
+              <a:rPr lang="en-US" sz="1400" dirty="0" smtClean="0"/>
+              <a:t>192.168.1.0   next hop 192.167.10.72</a:t>
+            </a:r>
+          </a:p>
+        </p:txBody>
+      </p:sp>
+      <p:sp>
+        <p:nvSpPr>
+          <p:cNvPr id="10" name="Cloud 9"/>
           <p:cNvSpPr/>
           <p:nvPr/>
         </p:nvSpPr>
         <p:spPr>
           <a:xfrm>
-            <a:off x="2590800" y="1257300"/>
-            <a:ext cx="3352800" cy="3048000"/>
-          </a:xfrm>
-          <a:prstGeom prst="rect">
+            <a:off x="1143000" y="1409700"/>
+            <a:ext cx="1981200" cy="3048000"/>
+          </a:xfrm>
+          <a:prstGeom prst="cloud">
             <a:avLst/>
           </a:prstGeom>
           <a:noFill/>
@@ -10860,14 +10760,14 @@
       </p:sp>
       <p:sp>
         <p:nvSpPr>
-          <p:cNvPr id="18" name="TextBox 17"/>
+          <p:cNvPr id="11" name="TextBox 10"/>
           <p:cNvSpPr txBox="1"/>
           <p:nvPr/>
         </p:nvSpPr>
         <p:spPr>
           <a:xfrm>
-            <a:off x="4572000" y="1104900"/>
-            <a:ext cx="665567" cy="369332"/>
+            <a:off x="1600200" y="1028700"/>
+            <a:ext cx="1064715" cy="369332"/>
           </a:xfrm>
           <a:prstGeom prst="rect">
             <a:avLst/>
@@ -10882,7 +10782,397 @@
           <a:p>
             <a:r>
               <a:rPr lang="en-US" dirty="0" smtClean="0"/>
-              <a:t>node</a:t>
+              <a:t>mesh-</a:t>
+            </a:r>
+            <a:r>
+              <a:rPr lang="en-US" dirty="0" err="1" smtClean="0"/>
+              <a:t>nw</a:t>
+            </a:r>
+            <a:endParaRPr lang="en-US" dirty="0"/>
+          </a:p>
+        </p:txBody>
+      </p:sp>
+      <p:sp>
+        <p:nvSpPr>
+          <p:cNvPr id="12" name="Oval 11"/>
+          <p:cNvSpPr/>
+          <p:nvPr/>
+        </p:nvSpPr>
+        <p:spPr>
+          <a:xfrm>
+            <a:off x="6477000" y="342900"/>
+            <a:ext cx="1219200" cy="609600"/>
+          </a:xfrm>
+          <a:prstGeom prst="ellipse">
+            <a:avLst/>
+          </a:prstGeom>
+        </p:spPr>
+        <p:style>
+          <a:lnRef idx="2">
+            <a:schemeClr val="accent1">
+              <a:shade val="50000"/>
+            </a:schemeClr>
+          </a:lnRef>
+          <a:fillRef idx="1">
+            <a:schemeClr val="accent1"/>
+          </a:fillRef>
+          <a:effectRef idx="0">
+            <a:schemeClr val="accent1"/>
+          </a:effectRef>
+          <a:fontRef idx="minor">
+            <a:schemeClr val="lt1"/>
+          </a:fontRef>
+        </p:style>
+        <p:txBody>
+          <a:bodyPr rtlCol="0" anchor="ctr"/>
+          <a:lstStyle/>
+          <a:p>
+            <a:pPr algn="ctr"/>
+            <a:r>
+              <a:rPr lang="en-US" sz="1200" dirty="0" smtClean="0"/>
+              <a:t>ghost</a:t>
+            </a:r>
+            <a:endParaRPr lang="en-US" dirty="0"/>
+          </a:p>
+        </p:txBody>
+      </p:sp>
+      <p:sp>
+        <p:nvSpPr>
+          <p:cNvPr id="13" name="Oval 12"/>
+          <p:cNvSpPr/>
+          <p:nvPr/>
+        </p:nvSpPr>
+        <p:spPr>
+          <a:xfrm>
+            <a:off x="6324600" y="3771900"/>
+            <a:ext cx="1219200" cy="609600"/>
+          </a:xfrm>
+          <a:prstGeom prst="ellipse">
+            <a:avLst/>
+          </a:prstGeom>
+        </p:spPr>
+        <p:style>
+          <a:lnRef idx="2">
+            <a:schemeClr val="accent1">
+              <a:shade val="50000"/>
+            </a:schemeClr>
+          </a:lnRef>
+          <a:fillRef idx="1">
+            <a:schemeClr val="accent1"/>
+          </a:fillRef>
+          <a:effectRef idx="0">
+            <a:schemeClr val="accent1"/>
+          </a:effectRef>
+          <a:fontRef idx="minor">
+            <a:schemeClr val="lt1"/>
+          </a:fontRef>
+        </p:style>
+        <p:txBody>
+          <a:bodyPr rtlCol="0" anchor="ctr"/>
+          <a:lstStyle/>
+          <a:p>
+            <a:pPr algn="ctr"/>
+            <a:r>
+              <a:rPr lang="en-US" sz="1400" dirty="0" smtClean="0"/>
+              <a:t>db</a:t>
+            </a:r>
+            <a:endParaRPr lang="en-US" dirty="0"/>
+          </a:p>
+        </p:txBody>
+      </p:sp>
+      <p:sp>
+        <p:nvSpPr>
+          <p:cNvPr id="14" name="TextBox 13"/>
+          <p:cNvSpPr txBox="1"/>
+          <p:nvPr/>
+        </p:nvSpPr>
+        <p:spPr>
+          <a:xfrm>
+            <a:off x="1" y="4686300"/>
+            <a:ext cx="2895600" cy="923330"/>
+          </a:xfrm>
+          <a:prstGeom prst="rect">
+            <a:avLst/>
+          </a:prstGeom>
+          <a:noFill/>
+        </p:spPr>
+        <p:txBody>
+          <a:bodyPr wrap="square" rtlCol="0">
+            <a:spAutoFit/>
+          </a:bodyPr>
+          <a:lstStyle/>
+          <a:p>
+            <a:r>
+              <a:rPr lang="en-US" dirty="0" smtClean="0"/>
+              <a:t>Pod-to-pod communication:</a:t>
+            </a:r>
+          </a:p>
+          <a:p>
+            <a:r>
+              <a:rPr lang="en-US" dirty="0" smtClean="0"/>
+              <a:t>A pod can talk to any pod on k8s cluster</a:t>
+            </a:r>
+            <a:endParaRPr lang="en-US" dirty="0"/>
+          </a:p>
+        </p:txBody>
+      </p:sp>
+      <p:sp>
+        <p:nvSpPr>
+          <p:cNvPr id="15" name="TextBox 14"/>
+          <p:cNvSpPr txBox="1"/>
+          <p:nvPr/>
+        </p:nvSpPr>
+        <p:spPr>
+          <a:xfrm>
+            <a:off x="6324600" y="266700"/>
+            <a:ext cx="1050288" cy="307777"/>
+          </a:xfrm>
+          <a:prstGeom prst="rect">
+            <a:avLst/>
+          </a:prstGeom>
+          <a:noFill/>
+        </p:spPr>
+        <p:txBody>
+          <a:bodyPr wrap="none" rtlCol="0">
+            <a:spAutoFit/>
+          </a:bodyPr>
+          <a:lstStyle/>
+          <a:p>
+            <a:r>
+              <a:rPr lang="en-US" sz="1400" dirty="0" smtClean="0"/>
+              <a:t>192.168.0.2</a:t>
+            </a:r>
+            <a:endParaRPr lang="en-US" dirty="0" smtClean="0"/>
+          </a:p>
+        </p:txBody>
+      </p:sp>
+      <p:sp>
+        <p:nvSpPr>
+          <p:cNvPr id="16" name="TextBox 15"/>
+          <p:cNvSpPr txBox="1"/>
+          <p:nvPr/>
+        </p:nvSpPr>
+        <p:spPr>
+          <a:xfrm>
+            <a:off x="6477000" y="4381500"/>
+            <a:ext cx="1050288" cy="307777"/>
+          </a:xfrm>
+          <a:prstGeom prst="rect">
+            <a:avLst/>
+          </a:prstGeom>
+          <a:noFill/>
+        </p:spPr>
+        <p:txBody>
+          <a:bodyPr wrap="none" rtlCol="0">
+            <a:spAutoFit/>
+          </a:bodyPr>
+          <a:lstStyle/>
+          <a:p>
+            <a:r>
+              <a:rPr lang="en-US" sz="1400" dirty="0" smtClean="0"/>
+              <a:t>192.168.1.2</a:t>
+            </a:r>
+            <a:endParaRPr lang="en-US" sz="1400" dirty="0"/>
+          </a:p>
+        </p:txBody>
+      </p:sp>
+      <p:sp>
+        <p:nvSpPr>
+          <p:cNvPr id="17" name="TextBox 16"/>
+          <p:cNvSpPr txBox="1"/>
+          <p:nvPr/>
+        </p:nvSpPr>
+        <p:spPr>
+          <a:xfrm>
+            <a:off x="1524000" y="2809101"/>
+            <a:ext cx="4473853" cy="276999"/>
+          </a:xfrm>
+          <a:prstGeom prst="rect">
+            <a:avLst/>
+          </a:prstGeom>
+          <a:noFill/>
+        </p:spPr>
+        <p:txBody>
+          <a:bodyPr wrap="none" rtlCol="0">
+            <a:spAutoFit/>
+          </a:bodyPr>
+          <a:lstStyle/>
+          <a:p>
+            <a:r>
+              <a:rPr lang="en-US" sz="1200" dirty="0" smtClean="0"/>
+              <a:t>Cloud-weave(</a:t>
+            </a:r>
+            <a:r>
+              <a:rPr lang="en-US" sz="1200" dirty="0" err="1" smtClean="0"/>
+              <a:t>gc</a:t>
+            </a:r>
+            <a:r>
+              <a:rPr lang="en-US" sz="1200" dirty="0" smtClean="0"/>
+              <a:t>), calico(</a:t>
+            </a:r>
+            <a:r>
+              <a:rPr lang="en-US" sz="1200" dirty="0" err="1" smtClean="0"/>
+              <a:t>aws</a:t>
+            </a:r>
+            <a:r>
+              <a:rPr lang="en-US" sz="1200" dirty="0" smtClean="0"/>
+              <a:t>), flannel(oracle), overlay(</a:t>
+            </a:r>
+            <a:r>
+              <a:rPr lang="en-US" sz="1200" dirty="0" err="1" smtClean="0"/>
+              <a:t>docker</a:t>
+            </a:r>
+            <a:r>
+              <a:rPr lang="en-US" sz="1200" dirty="0" smtClean="0"/>
+              <a:t>-swarm)</a:t>
+            </a:r>
+            <a:endParaRPr lang="en-US" sz="1200" dirty="0"/>
+          </a:p>
+        </p:txBody>
+      </p:sp>
+      <p:sp>
+        <p:nvSpPr>
+          <p:cNvPr id="22" name="TextBox 21"/>
+          <p:cNvSpPr txBox="1"/>
+          <p:nvPr/>
+        </p:nvSpPr>
+        <p:spPr>
+          <a:xfrm>
+            <a:off x="6248400" y="952500"/>
+            <a:ext cx="2078646" cy="1077218"/>
+          </a:xfrm>
+          <a:prstGeom prst="rect">
+            <a:avLst/>
+          </a:prstGeom>
+          <a:noFill/>
+        </p:spPr>
+        <p:txBody>
+          <a:bodyPr wrap="none" rtlCol="0">
+            <a:spAutoFit/>
+          </a:bodyPr>
+          <a:lstStyle/>
+          <a:p>
+            <a:pPr marL="342900" indent="-342900">
+              <a:buAutoNum type="arabicPeriod"/>
+            </a:pPr>
+            <a:r>
+              <a:rPr lang="en-US" sz="1400" dirty="0" smtClean="0"/>
+              <a:t>db-svc:8888</a:t>
+            </a:r>
+          </a:p>
+          <a:p>
+            <a:pPr marL="342900" indent="-342900">
+              <a:buAutoNum type="arabicPeriod"/>
+            </a:pPr>
+            <a:r>
+              <a:rPr lang="en-US" sz="1400" dirty="0" smtClean="0"/>
+              <a:t>/etc/</a:t>
+            </a:r>
+            <a:r>
+              <a:rPr lang="en-US" sz="1400" dirty="0" err="1" smtClean="0"/>
+              <a:t>resolv.conf</a:t>
+            </a:r>
+            <a:endParaRPr lang="en-US" sz="1400" dirty="0" smtClean="0"/>
+          </a:p>
+          <a:p>
+            <a:pPr marL="342900" indent="-342900">
+              <a:buAutoNum type="arabicPeriod"/>
+            </a:pPr>
+            <a:r>
+              <a:rPr lang="en-US" sz="1400" dirty="0" err="1" smtClean="0"/>
+              <a:t>Dns</a:t>
+            </a:r>
+            <a:r>
+              <a:rPr lang="en-US" sz="1400" dirty="0" smtClean="0"/>
+              <a:t> replies back with</a:t>
+            </a:r>
+          </a:p>
+          <a:p>
+            <a:pPr marL="342900" indent="-342900"/>
+            <a:r>
+              <a:rPr lang="en-US" sz="1100" dirty="0" smtClean="0"/>
+              <a:t>10.101.57.59</a:t>
+            </a:r>
+          </a:p>
+          <a:p>
+            <a:pPr marL="342900" indent="-342900"/>
+            <a:r>
+              <a:rPr lang="en-US" sz="1100" dirty="0" smtClean="0"/>
+              <a:t>4.       10.101.57.59:8888</a:t>
+            </a:r>
+            <a:endParaRPr lang="en-US" dirty="0"/>
+          </a:p>
+        </p:txBody>
+      </p:sp>
+      <p:sp>
+        <p:nvSpPr>
+          <p:cNvPr id="24" name="Oval 23"/>
+          <p:cNvSpPr/>
+          <p:nvPr/>
+        </p:nvSpPr>
+        <p:spPr>
+          <a:xfrm>
+            <a:off x="8382000" y="1181100"/>
+            <a:ext cx="762000" cy="304800"/>
+          </a:xfrm>
+          <a:prstGeom prst="ellipse">
+            <a:avLst/>
+          </a:prstGeom>
+        </p:spPr>
+        <p:style>
+          <a:lnRef idx="2">
+            <a:schemeClr val="accent1">
+              <a:shade val="50000"/>
+            </a:schemeClr>
+          </a:lnRef>
+          <a:fillRef idx="1">
+            <a:schemeClr val="accent1"/>
+          </a:fillRef>
+          <a:effectRef idx="0">
+            <a:schemeClr val="accent1"/>
+          </a:effectRef>
+          <a:fontRef idx="minor">
+            <a:schemeClr val="lt1"/>
+          </a:fontRef>
+        </p:style>
+        <p:txBody>
+          <a:bodyPr rtlCol="0" anchor="ctr"/>
+          <a:lstStyle/>
+          <a:p>
+            <a:pPr algn="ctr"/>
+            <a:r>
+              <a:rPr lang="en-US" sz="1400" dirty="0" err="1" smtClean="0"/>
+              <a:t>dns</a:t>
+            </a:r>
+            <a:endParaRPr lang="en-US" dirty="0"/>
+          </a:p>
+        </p:txBody>
+      </p:sp>
+      <p:sp>
+        <p:nvSpPr>
+          <p:cNvPr id="26" name="TextBox 25"/>
+          <p:cNvSpPr txBox="1"/>
+          <p:nvPr/>
+        </p:nvSpPr>
+        <p:spPr>
+          <a:xfrm>
+            <a:off x="8229600" y="1681490"/>
+            <a:ext cx="795411" cy="261610"/>
+          </a:xfrm>
+          <a:prstGeom prst="rect">
+            <a:avLst/>
+          </a:prstGeom>
+          <a:noFill/>
+        </p:spPr>
+        <p:txBody>
+          <a:bodyPr wrap="none" rtlCol="0">
+            <a:spAutoFit/>
+          </a:bodyPr>
+          <a:lstStyle/>
+          <a:p>
+            <a:r>
+              <a:rPr lang="en-US" sz="1100" dirty="0" smtClean="0"/>
+              <a:t>10.96.0.10</a:t>
             </a:r>
             <a:endParaRPr lang="en-US" dirty="0"/>
           </a:p>
@@ -10890,14 +11180,16 @@
       </p:sp>
       <p:cxnSp>
         <p:nvCxnSpPr>
-          <p:cNvPr id="20" name="Straight Arrow Connector 19"/>
-          <p:cNvCxnSpPr/>
+          <p:cNvPr id="29" name="Straight Arrow Connector 28"/>
+          <p:cNvCxnSpPr>
+            <a:endCxn id="24" idx="1"/>
+          </p:cNvCxnSpPr>
           <p:nvPr/>
         </p:nvCxnSpPr>
         <p:spPr>
           <a:xfrm flipV="1">
-            <a:off x="5943600" y="1333500"/>
-            <a:ext cx="914400" cy="76200"/>
+            <a:off x="7848600" y="1225737"/>
+            <a:ext cx="644992" cy="31563"/>
           </a:xfrm>
           <a:prstGeom prst="straightConnector1">
             <a:avLst/>
@@ -10921,16 +11213,84 @@
           </a:fontRef>
         </p:style>
       </p:cxnSp>
-      <p:sp>
-        <p:nvSpPr>
-          <p:cNvPr id="21" name="TextBox 20"/>
+      <p:cxnSp>
+        <p:nvCxnSpPr>
+          <p:cNvPr id="31" name="Straight Arrow Connector 30"/>
+          <p:cNvCxnSpPr/>
+          <p:nvPr/>
+        </p:nvCxnSpPr>
+        <p:spPr>
+          <a:xfrm flipV="1">
+            <a:off x="6324600" y="647700"/>
+            <a:ext cx="76200" cy="1219200"/>
+          </a:xfrm>
+          <a:prstGeom prst="straightConnector1">
+            <a:avLst/>
+          </a:prstGeom>
+          <a:ln>
+            <a:tailEnd type="arrow"/>
+          </a:ln>
+        </p:spPr>
+        <p:style>
+          <a:lnRef idx="1">
+            <a:schemeClr val="accent1"/>
+          </a:lnRef>
+          <a:fillRef idx="0">
+            <a:schemeClr val="accent1"/>
+          </a:fillRef>
+          <a:effectRef idx="0">
+            <a:schemeClr val="accent1"/>
+          </a:effectRef>
+          <a:fontRef idx="minor">
+            <a:schemeClr val="tx1"/>
+          </a:fontRef>
+        </p:style>
+      </p:cxnSp>
+      <p:cxnSp>
+        <p:nvCxnSpPr>
+          <p:cNvPr id="33" name="Straight Arrow Connector 32"/>
+          <p:cNvCxnSpPr>
+            <a:endCxn id="5" idx="2"/>
+          </p:cNvCxnSpPr>
+          <p:nvPr/>
+        </p:nvCxnSpPr>
+        <p:spPr>
+          <a:xfrm flipH="1" flipV="1">
+            <a:off x="4206215" y="369332"/>
+            <a:ext cx="2118385" cy="278368"/>
+          </a:xfrm>
+          <a:prstGeom prst="straightConnector1">
+            <a:avLst/>
+          </a:prstGeom>
+          <a:ln>
+            <a:tailEnd type="arrow"/>
+          </a:ln>
+        </p:spPr>
+        <p:style>
+          <a:lnRef idx="1">
+            <a:schemeClr val="accent1"/>
+          </a:lnRef>
+          <a:fillRef idx="0">
+            <a:schemeClr val="accent1"/>
+          </a:fillRef>
+          <a:effectRef idx="0">
+            <a:schemeClr val="accent1"/>
+          </a:effectRef>
+          <a:fontRef idx="minor">
+            <a:schemeClr val="tx1"/>
+          </a:fontRef>
+        </p:style>
+      </p:cxnSp>
+      <p:sp>
+        <p:nvSpPr>
+          <p:cNvPr id="34" name="TextBox 33"/>
           <p:cNvSpPr txBox="1"/>
           <p:nvPr/>
         </p:nvSpPr>
         <p:spPr>
           <a:xfrm>
-            <a:off x="6781800" y="1181100"/>
-            <a:ext cx="2471382" cy="369332"/>
+            <a:off x="5410200" y="495300"/>
+            <a:ext cx="256802" cy="261610"/>
           </a:xfrm>
           <a:prstGeom prst="rect">
             <a:avLst/>
@@ -10944,13 +11304,759 @@
           <a:lstStyle/>
           <a:p>
             <a:r>
-              <a:rPr lang="en-US" dirty="0" smtClean="0"/>
-              <a:t>Cloud / sys admin teams</a:t>
-            </a:r>
-            <a:endParaRPr lang="en-US" dirty="0"/>
-          </a:p>
-        </p:txBody>
-      </p:sp>
+              <a:rPr lang="en-US" sz="1100" dirty="0" smtClean="0"/>
+              <a:t>6</a:t>
+            </a:r>
+            <a:endParaRPr lang="en-US" dirty="0"/>
+          </a:p>
+        </p:txBody>
+      </p:sp>
+      <p:sp>
+        <p:nvSpPr>
+          <p:cNvPr id="35" name="TextBox 34"/>
+          <p:cNvSpPr txBox="1"/>
+          <p:nvPr/>
+        </p:nvSpPr>
+        <p:spPr>
+          <a:xfrm>
+            <a:off x="6248400" y="767090"/>
+            <a:ext cx="256802" cy="261610"/>
+          </a:xfrm>
+          <a:prstGeom prst="rect">
+            <a:avLst/>
+          </a:prstGeom>
+          <a:noFill/>
+        </p:spPr>
+        <p:txBody>
+          <a:bodyPr wrap="none" rtlCol="0">
+            <a:spAutoFit/>
+          </a:bodyPr>
+          <a:lstStyle/>
+          <a:p>
+            <a:r>
+              <a:rPr lang="en-US" sz="1100" dirty="0" smtClean="0"/>
+              <a:t>5</a:t>
+            </a:r>
+            <a:endParaRPr lang="en-US" dirty="0"/>
+          </a:p>
+        </p:txBody>
+      </p:sp>
+      <p:sp>
+        <p:nvSpPr>
+          <p:cNvPr id="36" name="Rectangle 35"/>
+          <p:cNvSpPr/>
+          <p:nvPr/>
+        </p:nvSpPr>
+        <p:spPr>
+          <a:xfrm rot="634486">
+            <a:off x="4180235" y="376215"/>
+            <a:ext cx="1217000" cy="253916"/>
+          </a:xfrm>
+          <a:prstGeom prst="rect">
+            <a:avLst/>
+          </a:prstGeom>
+        </p:spPr>
+        <p:txBody>
+          <a:bodyPr wrap="none">
+            <a:spAutoFit/>
+          </a:bodyPr>
+          <a:lstStyle/>
+          <a:p>
+            <a:r>
+              <a:rPr lang="en-US" sz="1050" dirty="0" smtClean="0"/>
+              <a:t>10.101.57.59:8888</a:t>
+            </a:r>
+            <a:endParaRPr lang="en-US" sz="1050" dirty="0"/>
+          </a:p>
+        </p:txBody>
+      </p:sp>
+      <p:cxnSp>
+        <p:nvCxnSpPr>
+          <p:cNvPr id="38" name="Straight Arrow Connector 37"/>
+          <p:cNvCxnSpPr/>
+          <p:nvPr/>
+        </p:nvCxnSpPr>
+        <p:spPr>
+          <a:xfrm flipH="1">
+            <a:off x="2133600" y="419100"/>
+            <a:ext cx="1905000" cy="76200"/>
+          </a:xfrm>
+          <a:prstGeom prst="straightConnector1">
+            <a:avLst/>
+          </a:prstGeom>
+          <a:ln>
+            <a:tailEnd type="arrow"/>
+          </a:ln>
+        </p:spPr>
+        <p:style>
+          <a:lnRef idx="1">
+            <a:schemeClr val="accent1"/>
+          </a:lnRef>
+          <a:fillRef idx="0">
+            <a:schemeClr val="accent1"/>
+          </a:fillRef>
+          <a:effectRef idx="0">
+            <a:schemeClr val="accent1"/>
+          </a:effectRef>
+          <a:fontRef idx="minor">
+            <a:schemeClr val="tx1"/>
+          </a:fontRef>
+        </p:style>
+      </p:cxnSp>
+      <p:sp>
+        <p:nvSpPr>
+          <p:cNvPr id="39" name="TextBox 38"/>
+          <p:cNvSpPr txBox="1"/>
+          <p:nvPr/>
+        </p:nvSpPr>
+        <p:spPr>
+          <a:xfrm>
+            <a:off x="3200400" y="342900"/>
+            <a:ext cx="256802" cy="261610"/>
+          </a:xfrm>
+          <a:prstGeom prst="rect">
+            <a:avLst/>
+          </a:prstGeom>
+          <a:noFill/>
+        </p:spPr>
+        <p:txBody>
+          <a:bodyPr wrap="none" rtlCol="0">
+            <a:spAutoFit/>
+          </a:bodyPr>
+          <a:lstStyle/>
+          <a:p>
+            <a:r>
+              <a:rPr lang="en-US" sz="1100" dirty="0" smtClean="0"/>
+              <a:t>7</a:t>
+            </a:r>
+            <a:endParaRPr lang="en-US" dirty="0"/>
+          </a:p>
+        </p:txBody>
+      </p:sp>
+      <p:cxnSp>
+        <p:nvCxnSpPr>
+          <p:cNvPr id="41" name="Straight Arrow Connector 40"/>
+          <p:cNvCxnSpPr/>
+          <p:nvPr/>
+        </p:nvCxnSpPr>
+        <p:spPr>
+          <a:xfrm>
+            <a:off x="3048000" y="495300"/>
+            <a:ext cx="457200" cy="990600"/>
+          </a:xfrm>
+          <a:prstGeom prst="straightConnector1">
+            <a:avLst/>
+          </a:prstGeom>
+          <a:ln>
+            <a:tailEnd type="arrow"/>
+          </a:ln>
+        </p:spPr>
+        <p:style>
+          <a:lnRef idx="1">
+            <a:schemeClr val="accent1"/>
+          </a:lnRef>
+          <a:fillRef idx="0">
+            <a:schemeClr val="accent1"/>
+          </a:fillRef>
+          <a:effectRef idx="0">
+            <a:schemeClr val="accent1"/>
+          </a:effectRef>
+          <a:fontRef idx="minor">
+            <a:schemeClr val="tx1"/>
+          </a:fontRef>
+        </p:style>
+      </p:cxnSp>
+      <p:sp>
+        <p:nvSpPr>
+          <p:cNvPr id="42" name="TextBox 41"/>
+          <p:cNvSpPr txBox="1"/>
+          <p:nvPr/>
+        </p:nvSpPr>
+        <p:spPr>
+          <a:xfrm>
+            <a:off x="2971800" y="495300"/>
+            <a:ext cx="1560620" cy="307777"/>
+          </a:xfrm>
+          <a:prstGeom prst="rect">
+            <a:avLst/>
+          </a:prstGeom>
+          <a:noFill/>
+        </p:spPr>
+        <p:txBody>
+          <a:bodyPr wrap="none" rtlCol="0">
+            <a:spAutoFit/>
+          </a:bodyPr>
+          <a:lstStyle/>
+          <a:p>
+            <a:r>
+              <a:rPr lang="en-US" sz="1400" dirty="0" smtClean="0"/>
+              <a:t>8. </a:t>
+            </a:r>
+            <a:r>
+              <a:rPr lang="en-US" sz="1400" dirty="0" err="1" smtClean="0"/>
+              <a:t>Inflight</a:t>
+            </a:r>
+            <a:r>
+              <a:rPr lang="en-US" sz="1400" dirty="0" smtClean="0"/>
+              <a:t> snagging</a:t>
+            </a:r>
+            <a:endParaRPr lang="en-US" dirty="0"/>
+          </a:p>
+        </p:txBody>
+      </p:sp>
+      <p:sp>
+        <p:nvSpPr>
+          <p:cNvPr id="44" name="TextBox 43"/>
+          <p:cNvSpPr txBox="1"/>
+          <p:nvPr/>
+        </p:nvSpPr>
+        <p:spPr>
+          <a:xfrm>
+            <a:off x="3962400" y="800100"/>
+            <a:ext cx="2015360" cy="1107996"/>
+          </a:xfrm>
+          <a:prstGeom prst="rect">
+            <a:avLst/>
+          </a:prstGeom>
+          <a:noFill/>
+        </p:spPr>
+        <p:txBody>
+          <a:bodyPr wrap="none" rtlCol="0">
+            <a:spAutoFit/>
+          </a:bodyPr>
+          <a:lstStyle/>
+          <a:p>
+            <a:r>
+              <a:rPr lang="en-US" sz="1200" dirty="0" smtClean="0"/>
+              <a:t>9. </a:t>
+            </a:r>
+            <a:r>
+              <a:rPr lang="en-US" sz="1200" dirty="0" err="1" smtClean="0"/>
+              <a:t>kube</a:t>
+            </a:r>
+            <a:r>
+              <a:rPr lang="en-US" sz="1200" dirty="0" smtClean="0"/>
+              <a:t>-proxy acts as </a:t>
+            </a:r>
+            <a:r>
+              <a:rPr lang="en-US" sz="1200" dirty="0" err="1" smtClean="0"/>
+              <a:t>sw</a:t>
+            </a:r>
+            <a:r>
+              <a:rPr lang="en-US" sz="1200" dirty="0" smtClean="0"/>
+              <a:t> lb</a:t>
+            </a:r>
+          </a:p>
+          <a:p>
+            <a:r>
+              <a:rPr lang="en-US" sz="1200" dirty="0" smtClean="0"/>
+              <a:t>10. </a:t>
+            </a:r>
+            <a:r>
+              <a:rPr lang="en-US" sz="1200" dirty="0" err="1" smtClean="0"/>
+              <a:t>Kp</a:t>
+            </a:r>
+            <a:r>
+              <a:rPr lang="en-US" sz="1200" dirty="0" smtClean="0"/>
+              <a:t> lookup and convert to </a:t>
+            </a:r>
+          </a:p>
+          <a:p>
+            <a:r>
+              <a:rPr lang="en-US" sz="1200" dirty="0" smtClean="0"/>
+              <a:t>192.168.1.2:3306</a:t>
+            </a:r>
+          </a:p>
+          <a:p>
+            <a:r>
+              <a:rPr lang="en-US" sz="1200" dirty="0" smtClean="0"/>
+              <a:t>11. POD-TO-POD </a:t>
+            </a:r>
+            <a:r>
+              <a:rPr lang="en-US" sz="1200" dirty="0" err="1" smtClean="0"/>
+              <a:t>comm</a:t>
+            </a:r>
+            <a:endParaRPr lang="en-US" sz="1200" dirty="0" smtClean="0"/>
+          </a:p>
+          <a:p>
+            <a:endParaRPr lang="en-US" dirty="0"/>
+          </a:p>
+        </p:txBody>
+      </p:sp>
+      <p:cxnSp>
+        <p:nvCxnSpPr>
+          <p:cNvPr id="46" name="Straight Arrow Connector 45"/>
+          <p:cNvCxnSpPr/>
+          <p:nvPr/>
+        </p:nvCxnSpPr>
+        <p:spPr>
+          <a:xfrm>
+            <a:off x="4495800" y="1333500"/>
+            <a:ext cx="228600" cy="1066800"/>
+          </a:xfrm>
+          <a:prstGeom prst="straightConnector1">
+            <a:avLst/>
+          </a:prstGeom>
+          <a:ln>
+            <a:tailEnd type="arrow"/>
+          </a:ln>
+        </p:spPr>
+        <p:style>
+          <a:lnRef idx="1">
+            <a:schemeClr val="accent1"/>
+          </a:lnRef>
+          <a:fillRef idx="0">
+            <a:schemeClr val="accent1"/>
+          </a:fillRef>
+          <a:effectRef idx="0">
+            <a:schemeClr val="accent1"/>
+          </a:effectRef>
+          <a:fontRef idx="minor">
+            <a:schemeClr val="tx1"/>
+          </a:fontRef>
+        </p:style>
+      </p:cxnSp>
+      <p:cxnSp>
+        <p:nvCxnSpPr>
+          <p:cNvPr id="48" name="Straight Arrow Connector 47"/>
+          <p:cNvCxnSpPr/>
+          <p:nvPr/>
+        </p:nvCxnSpPr>
+        <p:spPr>
+          <a:xfrm flipH="1">
+            <a:off x="4419600" y="2476500"/>
+            <a:ext cx="457200" cy="762000"/>
+          </a:xfrm>
+          <a:prstGeom prst="straightConnector1">
+            <a:avLst/>
+          </a:prstGeom>
+          <a:ln>
+            <a:tailEnd type="arrow"/>
+          </a:ln>
+        </p:spPr>
+        <p:style>
+          <a:lnRef idx="1">
+            <a:schemeClr val="accent1"/>
+          </a:lnRef>
+          <a:fillRef idx="0">
+            <a:schemeClr val="accent1"/>
+          </a:fillRef>
+          <a:effectRef idx="0">
+            <a:schemeClr val="accent1"/>
+          </a:effectRef>
+          <a:fontRef idx="minor">
+            <a:schemeClr val="tx1"/>
+          </a:fontRef>
+        </p:style>
+      </p:cxnSp>
+      <p:cxnSp>
+        <p:nvCxnSpPr>
+          <p:cNvPr id="50" name="Straight Arrow Connector 49"/>
+          <p:cNvCxnSpPr>
+            <a:endCxn id="13" idx="2"/>
+          </p:cNvCxnSpPr>
+          <p:nvPr/>
+        </p:nvCxnSpPr>
+        <p:spPr>
+          <a:xfrm>
+            <a:off x="4419600" y="3467100"/>
+            <a:ext cx="1905000" cy="609600"/>
+          </a:xfrm>
+          <a:prstGeom prst="straightConnector1">
+            <a:avLst/>
+          </a:prstGeom>
+          <a:ln>
+            <a:tailEnd type="arrow"/>
+          </a:ln>
+        </p:spPr>
+        <p:style>
+          <a:lnRef idx="1">
+            <a:schemeClr val="accent1"/>
+          </a:lnRef>
+          <a:fillRef idx="0">
+            <a:schemeClr val="accent1"/>
+          </a:fillRef>
+          <a:effectRef idx="0">
+            <a:schemeClr val="accent1"/>
+          </a:effectRef>
+          <a:fontRef idx="minor">
+            <a:schemeClr val="tx1"/>
+          </a:fontRef>
+        </p:style>
+      </p:cxnSp>
+      <p:sp>
+        <p:nvSpPr>
+          <p:cNvPr id="51" name="TextBox 50"/>
+          <p:cNvSpPr txBox="1"/>
+          <p:nvPr/>
+        </p:nvSpPr>
+        <p:spPr>
+          <a:xfrm>
+            <a:off x="3013488" y="1178123"/>
+            <a:ext cx="567912" cy="307777"/>
+          </a:xfrm>
+          <a:prstGeom prst="rect">
+            <a:avLst/>
+          </a:prstGeom>
+          <a:noFill/>
+        </p:spPr>
+        <p:txBody>
+          <a:bodyPr wrap="none" rtlCol="0">
+            <a:spAutoFit/>
+          </a:bodyPr>
+          <a:lstStyle/>
+          <a:p>
+            <a:r>
+              <a:rPr lang="en-US" sz="1400" dirty="0" smtClean="0"/>
+              <a:t>canal</a:t>
+            </a:r>
+            <a:endParaRPr lang="en-US" dirty="0"/>
+          </a:p>
+        </p:txBody>
+      </p:sp>
+      <p:sp>
+        <p:nvSpPr>
+          <p:cNvPr id="52" name="TextBox 51"/>
+          <p:cNvSpPr txBox="1"/>
+          <p:nvPr/>
+        </p:nvSpPr>
+        <p:spPr>
+          <a:xfrm>
+            <a:off x="2971800" y="4076700"/>
+            <a:ext cx="567912" cy="307777"/>
+          </a:xfrm>
+          <a:prstGeom prst="rect">
+            <a:avLst/>
+          </a:prstGeom>
+          <a:noFill/>
+        </p:spPr>
+        <p:txBody>
+          <a:bodyPr wrap="none" rtlCol="0">
+            <a:spAutoFit/>
+          </a:bodyPr>
+          <a:lstStyle/>
+          <a:p>
+            <a:r>
+              <a:rPr lang="en-US" sz="1400" dirty="0" smtClean="0"/>
+              <a:t>canal</a:t>
+            </a:r>
+            <a:endParaRPr lang="en-US" dirty="0"/>
+          </a:p>
+        </p:txBody>
+      </p:sp>
+      <p:sp>
+        <p:nvSpPr>
+          <p:cNvPr id="56" name="TextBox 55"/>
+          <p:cNvSpPr txBox="1"/>
+          <p:nvPr/>
+        </p:nvSpPr>
+        <p:spPr>
+          <a:xfrm rot="19991046">
+            <a:off x="-14349" y="389809"/>
+            <a:ext cx="1816203" cy="369332"/>
+          </a:xfrm>
+          <a:prstGeom prst="rect">
+            <a:avLst/>
+          </a:prstGeom>
+          <a:noFill/>
+        </p:spPr>
+        <p:txBody>
+          <a:bodyPr wrap="none" rtlCol="0">
+            <a:spAutoFit/>
+          </a:bodyPr>
+          <a:lstStyle/>
+          <a:p>
+            <a:r>
+              <a:rPr lang="en-US" dirty="0" smtClean="0"/>
+              <a:t>Service Discovery</a:t>
+            </a:r>
+            <a:endParaRPr lang="en-US" dirty="0"/>
+          </a:p>
+        </p:txBody>
+      </p:sp>
+      <p:sp>
+        <p:nvSpPr>
+          <p:cNvPr id="57" name="TextBox 56"/>
+          <p:cNvSpPr txBox="1"/>
+          <p:nvPr/>
+        </p:nvSpPr>
+        <p:spPr>
+          <a:xfrm>
+            <a:off x="2590800" y="3848100"/>
+            <a:ext cx="1066800" cy="369332"/>
+          </a:xfrm>
+          <a:prstGeom prst="rect">
+            <a:avLst/>
+          </a:prstGeom>
+          <a:noFill/>
+        </p:spPr>
+        <p:txBody>
+          <a:bodyPr wrap="square" rtlCol="0">
+            <a:spAutoFit/>
+          </a:bodyPr>
+          <a:lstStyle/>
+          <a:p>
+            <a:r>
+              <a:rPr lang="en-US" dirty="0" smtClean="0"/>
+              <a:t>31001</a:t>
+            </a:r>
+            <a:endParaRPr lang="en-US" dirty="0"/>
+          </a:p>
+        </p:txBody>
+      </p:sp>
+      <p:sp>
+        <p:nvSpPr>
+          <p:cNvPr id="58" name="TextBox 57"/>
+          <p:cNvSpPr txBox="1"/>
+          <p:nvPr/>
+        </p:nvSpPr>
+        <p:spPr>
+          <a:xfrm>
+            <a:off x="2286000" y="800100"/>
+            <a:ext cx="1066800" cy="369332"/>
+          </a:xfrm>
+          <a:prstGeom prst="rect">
+            <a:avLst/>
+          </a:prstGeom>
+          <a:noFill/>
+        </p:spPr>
+        <p:txBody>
+          <a:bodyPr wrap="square" rtlCol="0">
+            <a:spAutoFit/>
+          </a:bodyPr>
+          <a:lstStyle/>
+          <a:p>
+            <a:r>
+              <a:rPr lang="en-US" dirty="0" smtClean="0"/>
+              <a:t>31001</a:t>
+            </a:r>
+            <a:endParaRPr lang="en-US" dirty="0"/>
+          </a:p>
+        </p:txBody>
+      </p:sp>
+      <p:sp>
+        <p:nvSpPr>
+          <p:cNvPr id="59" name="TextBox 58"/>
+          <p:cNvSpPr txBox="1"/>
+          <p:nvPr/>
+        </p:nvSpPr>
+        <p:spPr>
+          <a:xfrm>
+            <a:off x="0" y="2019300"/>
+            <a:ext cx="1066800" cy="369332"/>
+          </a:xfrm>
+          <a:prstGeom prst="rect">
+            <a:avLst/>
+          </a:prstGeom>
+          <a:noFill/>
+        </p:spPr>
+        <p:txBody>
+          <a:bodyPr wrap="square" rtlCol="0">
+            <a:spAutoFit/>
+          </a:bodyPr>
+          <a:lstStyle/>
+          <a:p>
+            <a:r>
+              <a:rPr lang="en-US" dirty="0" smtClean="0"/>
+              <a:t>31001</a:t>
+            </a:r>
+            <a:endParaRPr lang="en-US" dirty="0"/>
+          </a:p>
+        </p:txBody>
+      </p:sp>
+      <p:sp>
+        <p:nvSpPr>
+          <p:cNvPr id="60" name="Rectangle 59"/>
+          <p:cNvSpPr/>
+          <p:nvPr/>
+        </p:nvSpPr>
+        <p:spPr>
+          <a:xfrm>
+            <a:off x="-2209800" y="2400300"/>
+            <a:ext cx="1905000" cy="2590800"/>
+          </a:xfrm>
+          <a:prstGeom prst="rect">
+            <a:avLst/>
+          </a:prstGeom>
+        </p:spPr>
+        <p:style>
+          <a:lnRef idx="2">
+            <a:schemeClr val="accent1">
+              <a:shade val="50000"/>
+            </a:schemeClr>
+          </a:lnRef>
+          <a:fillRef idx="1">
+            <a:schemeClr val="accent1"/>
+          </a:fillRef>
+          <a:effectRef idx="0">
+            <a:schemeClr val="accent1"/>
+          </a:effectRef>
+          <a:fontRef idx="minor">
+            <a:schemeClr val="lt1"/>
+          </a:fontRef>
+        </p:style>
+        <p:txBody>
+          <a:bodyPr rtlCol="0" anchor="ctr"/>
+          <a:lstStyle/>
+          <a:p>
+            <a:pPr algn="ctr"/>
+            <a:endParaRPr lang="en-US" dirty="0" smtClean="0"/>
+          </a:p>
+          <a:p>
+            <a:pPr algn="ctr"/>
+            <a:r>
+              <a:rPr lang="en-US" dirty="0" smtClean="0"/>
+              <a:t>K8snode2:31001</a:t>
+            </a:r>
+          </a:p>
+          <a:p>
+            <a:pPr algn="ctr"/>
+            <a:r>
+              <a:rPr lang="en-US" dirty="0" smtClean="0"/>
+              <a:t>K8snode1:31001</a:t>
+            </a:r>
+            <a:endParaRPr lang="en-US" dirty="0"/>
+          </a:p>
+        </p:txBody>
+      </p:sp>
+      <p:sp>
+        <p:nvSpPr>
+          <p:cNvPr id="61" name="TextBox 60"/>
+          <p:cNvSpPr txBox="1"/>
+          <p:nvPr/>
+        </p:nvSpPr>
+        <p:spPr>
+          <a:xfrm>
+            <a:off x="-1981200" y="2019300"/>
+            <a:ext cx="1941557" cy="369332"/>
+          </a:xfrm>
+          <a:prstGeom prst="rect">
+            <a:avLst/>
+          </a:prstGeom>
+          <a:noFill/>
+        </p:spPr>
+        <p:txBody>
+          <a:bodyPr wrap="none" rtlCol="0">
+            <a:spAutoFit/>
+          </a:bodyPr>
+          <a:lstStyle/>
+          <a:p>
+            <a:r>
+              <a:rPr lang="en-US" dirty="0" smtClean="0"/>
+              <a:t>201.21.34.56:9090</a:t>
+            </a:r>
+            <a:endParaRPr lang="en-US" dirty="0"/>
+          </a:p>
+        </p:txBody>
+      </p:sp>
+      <p:sp>
+        <p:nvSpPr>
+          <p:cNvPr id="62" name="Smiley Face 61"/>
+          <p:cNvSpPr/>
+          <p:nvPr/>
+        </p:nvSpPr>
+        <p:spPr>
+          <a:xfrm>
+            <a:off x="-1981200" y="342900"/>
+            <a:ext cx="1219200" cy="838200"/>
+          </a:xfrm>
+          <a:prstGeom prst="smileyFace">
+            <a:avLst/>
+          </a:prstGeom>
+        </p:spPr>
+        <p:style>
+          <a:lnRef idx="2">
+            <a:schemeClr val="accent1">
+              <a:shade val="50000"/>
+            </a:schemeClr>
+          </a:lnRef>
+          <a:fillRef idx="1">
+            <a:schemeClr val="accent1"/>
+          </a:fillRef>
+          <a:effectRef idx="0">
+            <a:schemeClr val="accent1"/>
+          </a:effectRef>
+          <a:fontRef idx="minor">
+            <a:schemeClr val="lt1"/>
+          </a:fontRef>
+        </p:style>
+        <p:txBody>
+          <a:bodyPr rtlCol="0" anchor="ctr"/>
+          <a:lstStyle/>
+          <a:p>
+            <a:pPr algn="ctr"/>
+            <a:endParaRPr lang="en-US"/>
+          </a:p>
+        </p:txBody>
+      </p:sp>
+      <p:cxnSp>
+        <p:nvCxnSpPr>
+          <p:cNvPr id="64" name="Straight Arrow Connector 63"/>
+          <p:cNvCxnSpPr>
+            <a:endCxn id="61" idx="0"/>
+          </p:cNvCxnSpPr>
+          <p:nvPr/>
+        </p:nvCxnSpPr>
+        <p:spPr>
+          <a:xfrm>
+            <a:off x="-1371600" y="1257300"/>
+            <a:ext cx="361179" cy="762000"/>
+          </a:xfrm>
+          <a:prstGeom prst="straightConnector1">
+            <a:avLst/>
+          </a:prstGeom>
+          <a:ln>
+            <a:tailEnd type="arrow"/>
+          </a:ln>
+        </p:spPr>
+        <p:style>
+          <a:lnRef idx="1">
+            <a:schemeClr val="accent1"/>
+          </a:lnRef>
+          <a:fillRef idx="0">
+            <a:schemeClr val="accent1"/>
+          </a:fillRef>
+          <a:effectRef idx="0">
+            <a:schemeClr val="accent1"/>
+          </a:effectRef>
+          <a:fontRef idx="minor">
+            <a:schemeClr val="tx1"/>
+          </a:fontRef>
+        </p:style>
+      </p:cxnSp>
+      <p:cxnSp>
+        <p:nvCxnSpPr>
+          <p:cNvPr id="66" name="Straight Arrow Connector 65"/>
+          <p:cNvCxnSpPr/>
+          <p:nvPr/>
+        </p:nvCxnSpPr>
+        <p:spPr>
+          <a:xfrm>
+            <a:off x="-990600" y="2400300"/>
+            <a:ext cx="0" cy="914400"/>
+          </a:xfrm>
+          <a:prstGeom prst="straightConnector1">
+            <a:avLst/>
+          </a:prstGeom>
+          <a:ln>
+            <a:tailEnd type="arrow"/>
+          </a:ln>
+        </p:spPr>
+        <p:style>
+          <a:lnRef idx="1">
+            <a:schemeClr val="accent1"/>
+          </a:lnRef>
+          <a:fillRef idx="0">
+            <a:schemeClr val="accent1"/>
+          </a:fillRef>
+          <a:effectRef idx="0">
+            <a:schemeClr val="accent1"/>
+          </a:effectRef>
+          <a:fontRef idx="minor">
+            <a:schemeClr val="tx1"/>
+          </a:fontRef>
+        </p:style>
+      </p:cxnSp>
     </p:spTree>
   </p:cSld>
   <p:clrMapOvr>
@@ -12393,6 +13499,2689 @@
       </p:par>
     </p:tnLst>
   </p:timing>
+</p:sld>
+</file>
+
+<file path=ppt/slides/slide20.xml><?xml version="1.0" encoding="utf-8"?>
+<p:sld xmlns:a="http://schemas.openxmlformats.org/drawingml/2006/main" xmlns:r="http://schemas.openxmlformats.org/officeDocument/2006/relationships" xmlns:p="http://schemas.openxmlformats.org/presentationml/2006/main">
+  <p:cSld>
+    <p:spTree>
+      <p:nvGrpSpPr>
+        <p:cNvPr id="1" name=""/>
+        <p:cNvGrpSpPr/>
+        <p:nvPr/>
+      </p:nvGrpSpPr>
+      <p:grpSpPr>
+        <a:xfrm>
+          <a:off x="0" y="0"/>
+          <a:ext cx="0" cy="0"/>
+          <a:chOff x="0" y="0"/>
+          <a:chExt cx="0" cy="0"/>
+        </a:xfrm>
+      </p:grpSpPr>
+      <p:sp>
+        <p:nvSpPr>
+          <p:cNvPr id="2" name="Rectangle 1"/>
+          <p:cNvSpPr/>
+          <p:nvPr/>
+        </p:nvSpPr>
+        <p:spPr>
+          <a:xfrm>
+            <a:off x="3962400" y="571500"/>
+            <a:ext cx="1752600" cy="2819400"/>
+          </a:xfrm>
+          <a:prstGeom prst="rect">
+            <a:avLst/>
+          </a:prstGeom>
+          <a:noFill/>
+        </p:spPr>
+        <p:style>
+          <a:lnRef idx="2">
+            <a:schemeClr val="accent1">
+              <a:shade val="50000"/>
+            </a:schemeClr>
+          </a:lnRef>
+          <a:fillRef idx="1">
+            <a:schemeClr val="accent1"/>
+          </a:fillRef>
+          <a:effectRef idx="0">
+            <a:schemeClr val="accent1"/>
+          </a:effectRef>
+          <a:fontRef idx="minor">
+            <a:schemeClr val="lt1"/>
+          </a:fontRef>
+        </p:style>
+        <p:txBody>
+          <a:bodyPr rtlCol="0" anchor="ctr"/>
+          <a:lstStyle/>
+          <a:p>
+            <a:pPr algn="ctr"/>
+            <a:endParaRPr lang="en-US"/>
+          </a:p>
+        </p:txBody>
+      </p:sp>
+      <p:sp>
+        <p:nvSpPr>
+          <p:cNvPr id="3" name="Rectangle 2"/>
+          <p:cNvSpPr/>
+          <p:nvPr/>
+        </p:nvSpPr>
+        <p:spPr>
+          <a:xfrm>
+            <a:off x="6019800" y="571500"/>
+            <a:ext cx="1752600" cy="2819400"/>
+          </a:xfrm>
+          <a:prstGeom prst="rect">
+            <a:avLst/>
+          </a:prstGeom>
+          <a:noFill/>
+        </p:spPr>
+        <p:style>
+          <a:lnRef idx="2">
+            <a:schemeClr val="accent1">
+              <a:shade val="50000"/>
+            </a:schemeClr>
+          </a:lnRef>
+          <a:fillRef idx="1">
+            <a:schemeClr val="accent1"/>
+          </a:fillRef>
+          <a:effectRef idx="0">
+            <a:schemeClr val="accent1"/>
+          </a:effectRef>
+          <a:fontRef idx="minor">
+            <a:schemeClr val="lt1"/>
+          </a:fontRef>
+        </p:style>
+        <p:txBody>
+          <a:bodyPr rtlCol="0" anchor="ctr"/>
+          <a:lstStyle/>
+          <a:p>
+            <a:pPr algn="ctr"/>
+            <a:endParaRPr lang="en-US"/>
+          </a:p>
+        </p:txBody>
+      </p:sp>
+      <p:sp>
+        <p:nvSpPr>
+          <p:cNvPr id="4" name="TextBox 3"/>
+          <p:cNvSpPr txBox="1"/>
+          <p:nvPr/>
+        </p:nvSpPr>
+        <p:spPr>
+          <a:xfrm>
+            <a:off x="4419600" y="266700"/>
+            <a:ext cx="1147815" cy="369332"/>
+          </a:xfrm>
+          <a:prstGeom prst="rect">
+            <a:avLst/>
+          </a:prstGeom>
+          <a:noFill/>
+        </p:spPr>
+        <p:txBody>
+          <a:bodyPr wrap="none" rtlCol="0">
+            <a:spAutoFit/>
+          </a:bodyPr>
+          <a:lstStyle/>
+          <a:p>
+            <a:r>
+              <a:rPr lang="en-US" dirty="0" smtClean="0"/>
+              <a:t>k8smaster</a:t>
+            </a:r>
+            <a:endParaRPr lang="en-US" dirty="0"/>
+          </a:p>
+        </p:txBody>
+      </p:sp>
+      <p:sp>
+        <p:nvSpPr>
+          <p:cNvPr id="5" name="TextBox 4"/>
+          <p:cNvSpPr txBox="1"/>
+          <p:nvPr/>
+        </p:nvSpPr>
+        <p:spPr>
+          <a:xfrm>
+            <a:off x="6167385" y="190500"/>
+            <a:ext cx="1093569" cy="369332"/>
+          </a:xfrm>
+          <a:prstGeom prst="rect">
+            <a:avLst/>
+          </a:prstGeom>
+          <a:noFill/>
+        </p:spPr>
+        <p:txBody>
+          <a:bodyPr wrap="none" rtlCol="0">
+            <a:spAutoFit/>
+          </a:bodyPr>
+          <a:lstStyle/>
+          <a:p>
+            <a:r>
+              <a:rPr lang="en-US" dirty="0" smtClean="0"/>
+              <a:t>k8snode1</a:t>
+            </a:r>
+            <a:endParaRPr lang="en-US" dirty="0"/>
+          </a:p>
+        </p:txBody>
+      </p:sp>
+      <p:sp>
+        <p:nvSpPr>
+          <p:cNvPr id="6" name="Cloud 5"/>
+          <p:cNvSpPr/>
+          <p:nvPr/>
+        </p:nvSpPr>
+        <p:spPr>
+          <a:xfrm>
+            <a:off x="304800" y="190500"/>
+            <a:ext cx="2362200" cy="1066800"/>
+          </a:xfrm>
+          <a:prstGeom prst="cloud">
+            <a:avLst/>
+          </a:prstGeom>
+        </p:spPr>
+        <p:style>
+          <a:lnRef idx="2">
+            <a:schemeClr val="accent1">
+              <a:shade val="50000"/>
+            </a:schemeClr>
+          </a:lnRef>
+          <a:fillRef idx="1">
+            <a:schemeClr val="accent1"/>
+          </a:fillRef>
+          <a:effectRef idx="0">
+            <a:schemeClr val="accent1"/>
+          </a:effectRef>
+          <a:fontRef idx="minor">
+            <a:schemeClr val="lt1"/>
+          </a:fontRef>
+        </p:style>
+        <p:txBody>
+          <a:bodyPr rtlCol="0" anchor="ctr"/>
+          <a:lstStyle/>
+          <a:p>
+            <a:pPr algn="ctr"/>
+            <a:r>
+              <a:rPr lang="en-US" dirty="0" err="1" smtClean="0"/>
+              <a:t>Github</a:t>
+            </a:r>
+            <a:endParaRPr lang="en-US" dirty="0" smtClean="0"/>
+          </a:p>
+          <a:p>
+            <a:pPr algn="ctr"/>
+            <a:r>
+              <a:rPr lang="en-US" sz="1400" dirty="0" smtClean="0"/>
+              <a:t>Code, </a:t>
+            </a:r>
+            <a:r>
+              <a:rPr lang="en-US" sz="1400" dirty="0" err="1" smtClean="0"/>
+              <a:t>Dockerfile</a:t>
+            </a:r>
+            <a:r>
+              <a:rPr lang="en-US" sz="1400" dirty="0" smtClean="0"/>
+              <a:t>, dep.yml</a:t>
+            </a:r>
+            <a:endParaRPr lang="en-US" sz="1400" dirty="0"/>
+          </a:p>
+        </p:txBody>
+      </p:sp>
+      <p:sp>
+        <p:nvSpPr>
+          <p:cNvPr id="7" name="Rectangle 6"/>
+          <p:cNvSpPr/>
+          <p:nvPr/>
+        </p:nvSpPr>
+        <p:spPr>
+          <a:xfrm>
+            <a:off x="533400" y="2019300"/>
+            <a:ext cx="2895600" cy="3429000"/>
+          </a:xfrm>
+          <a:prstGeom prst="rect">
+            <a:avLst/>
+          </a:prstGeom>
+          <a:noFill/>
+        </p:spPr>
+        <p:style>
+          <a:lnRef idx="2">
+            <a:schemeClr val="accent1">
+              <a:shade val="50000"/>
+            </a:schemeClr>
+          </a:lnRef>
+          <a:fillRef idx="1">
+            <a:schemeClr val="accent1"/>
+          </a:fillRef>
+          <a:effectRef idx="0">
+            <a:schemeClr val="accent1"/>
+          </a:effectRef>
+          <a:fontRef idx="minor">
+            <a:schemeClr val="lt1"/>
+          </a:fontRef>
+        </p:style>
+        <p:txBody>
+          <a:bodyPr rtlCol="0" anchor="ctr"/>
+          <a:lstStyle/>
+          <a:p>
+            <a:pPr algn="ctr"/>
+            <a:endParaRPr lang="en-US" dirty="0"/>
+          </a:p>
+        </p:txBody>
+      </p:sp>
+      <p:sp>
+        <p:nvSpPr>
+          <p:cNvPr id="8" name="TextBox 7"/>
+          <p:cNvSpPr txBox="1"/>
+          <p:nvPr/>
+        </p:nvSpPr>
+        <p:spPr>
+          <a:xfrm>
+            <a:off x="838200" y="1714500"/>
+            <a:ext cx="1534394" cy="369332"/>
+          </a:xfrm>
+          <a:prstGeom prst="rect">
+            <a:avLst/>
+          </a:prstGeom>
+          <a:noFill/>
+        </p:spPr>
+        <p:txBody>
+          <a:bodyPr wrap="none" rtlCol="0">
+            <a:spAutoFit/>
+          </a:bodyPr>
+          <a:lstStyle/>
+          <a:p>
+            <a:r>
+              <a:rPr lang="en-US" dirty="0" smtClean="0"/>
+              <a:t>Build-machine</a:t>
+            </a:r>
+            <a:endParaRPr lang="en-US" dirty="0"/>
+          </a:p>
+        </p:txBody>
+      </p:sp>
+      <p:sp>
+        <p:nvSpPr>
+          <p:cNvPr id="9" name="TextBox 8"/>
+          <p:cNvSpPr txBox="1"/>
+          <p:nvPr/>
+        </p:nvSpPr>
+        <p:spPr>
+          <a:xfrm>
+            <a:off x="533400" y="2095500"/>
+            <a:ext cx="2667000" cy="3293209"/>
+          </a:xfrm>
+          <a:prstGeom prst="rect">
+            <a:avLst/>
+          </a:prstGeom>
+          <a:noFill/>
+        </p:spPr>
+        <p:txBody>
+          <a:bodyPr wrap="square" rtlCol="0">
+            <a:spAutoFit/>
+          </a:bodyPr>
+          <a:lstStyle/>
+          <a:p>
+            <a:pPr marL="342900" indent="-342900">
+              <a:buAutoNum type="arabicPeriod"/>
+            </a:pPr>
+            <a:r>
+              <a:rPr lang="en-US" sz="1600" dirty="0" smtClean="0"/>
+              <a:t>Install java</a:t>
+            </a:r>
+          </a:p>
+          <a:p>
+            <a:pPr marL="342900" indent="-342900">
+              <a:buAutoNum type="arabicPeriod"/>
+            </a:pPr>
+            <a:r>
+              <a:rPr lang="en-US" sz="1600" dirty="0" smtClean="0"/>
+              <a:t>Install </a:t>
+            </a:r>
+            <a:r>
+              <a:rPr lang="en-US" sz="1600" dirty="0" err="1" smtClean="0"/>
+              <a:t>jenkins</a:t>
+            </a:r>
+            <a:endParaRPr lang="en-US" sz="1600" dirty="0" smtClean="0"/>
+          </a:p>
+          <a:p>
+            <a:pPr marL="342900" indent="-342900">
+              <a:buAutoNum type="arabicPeriod"/>
+            </a:pPr>
+            <a:r>
+              <a:rPr lang="en-US" sz="1600" dirty="0" err="1" smtClean="0"/>
+              <a:t>Config</a:t>
+            </a:r>
+            <a:r>
+              <a:rPr lang="en-US" sz="1600" dirty="0" smtClean="0"/>
+              <a:t> a </a:t>
+            </a:r>
+            <a:r>
+              <a:rPr lang="en-US" sz="1600" dirty="0" err="1" smtClean="0"/>
+              <a:t>proj</a:t>
+            </a:r>
+            <a:endParaRPr lang="en-US" sz="1600" dirty="0" smtClean="0"/>
+          </a:p>
+          <a:p>
+            <a:pPr marL="800100" lvl="1" indent="-342900">
+              <a:buAutoNum type="arabicPeriod"/>
+            </a:pPr>
+            <a:r>
+              <a:rPr lang="en-US" sz="1600" dirty="0" smtClean="0"/>
+              <a:t>Take code </a:t>
+            </a:r>
+            <a:r>
+              <a:rPr lang="en-US" sz="1600" dirty="0" err="1" smtClean="0"/>
+              <a:t>git</a:t>
+            </a:r>
+            <a:endParaRPr lang="en-US" sz="1600" dirty="0" smtClean="0"/>
+          </a:p>
+          <a:p>
+            <a:pPr marL="800100" lvl="1" indent="-342900">
+              <a:buAutoNum type="arabicPeriod"/>
+            </a:pPr>
+            <a:r>
+              <a:rPr lang="en-US" sz="1600" dirty="0" smtClean="0"/>
+              <a:t>Compile</a:t>
+            </a:r>
+          </a:p>
+          <a:p>
+            <a:pPr marL="800100" lvl="1" indent="-342900">
+              <a:buAutoNum type="arabicPeriod"/>
+            </a:pPr>
+            <a:r>
+              <a:rPr lang="en-US" sz="1600" dirty="0" smtClean="0"/>
+              <a:t>Run tests</a:t>
+            </a:r>
+          </a:p>
+          <a:p>
+            <a:pPr marL="800100" lvl="1" indent="-342900">
+              <a:buAutoNum type="arabicPeriod"/>
+            </a:pPr>
+            <a:r>
+              <a:rPr lang="en-US" sz="1600" dirty="0" smtClean="0"/>
+              <a:t>War, jar, html</a:t>
+            </a:r>
+          </a:p>
+          <a:p>
+            <a:pPr marL="800100" lvl="1" indent="-342900">
+              <a:buAutoNum type="arabicPeriod"/>
+            </a:pPr>
+            <a:r>
+              <a:rPr lang="en-US" sz="1600" dirty="0" smtClean="0"/>
+              <a:t>Create an image</a:t>
+            </a:r>
+          </a:p>
+          <a:p>
+            <a:pPr marL="800100" lvl="1" indent="-342900">
+              <a:buAutoNum type="arabicPeriod"/>
+            </a:pPr>
+            <a:r>
+              <a:rPr lang="en-US" sz="1600" dirty="0" smtClean="0"/>
+              <a:t>Push the image to hub.docker.com</a:t>
+            </a:r>
+          </a:p>
+          <a:p>
+            <a:pPr marL="800100" lvl="1" indent="-342900">
+              <a:buAutoNum type="arabicPeriod"/>
+            </a:pPr>
+            <a:r>
+              <a:rPr lang="en-US" sz="1600" dirty="0" smtClean="0"/>
+              <a:t>Deploy it on k8s cluster</a:t>
+            </a:r>
+          </a:p>
+          <a:p>
+            <a:pPr marL="800100" lvl="1" indent="-342900">
+              <a:buAutoNum type="arabicPeriod"/>
+            </a:pPr>
+            <a:endParaRPr lang="en-US" sz="1600" dirty="0"/>
+          </a:p>
+        </p:txBody>
+      </p:sp>
+      <p:cxnSp>
+        <p:nvCxnSpPr>
+          <p:cNvPr id="11" name="Straight Arrow Connector 10"/>
+          <p:cNvCxnSpPr/>
+          <p:nvPr/>
+        </p:nvCxnSpPr>
+        <p:spPr>
+          <a:xfrm>
+            <a:off x="1524000" y="876300"/>
+            <a:ext cx="1295400" cy="2286000"/>
+          </a:xfrm>
+          <a:prstGeom prst="straightConnector1">
+            <a:avLst/>
+          </a:prstGeom>
+          <a:ln>
+            <a:solidFill>
+              <a:srgbClr val="FF0000"/>
+            </a:solidFill>
+            <a:tailEnd type="arrow"/>
+          </a:ln>
+        </p:spPr>
+        <p:style>
+          <a:lnRef idx="1">
+            <a:schemeClr val="accent1"/>
+          </a:lnRef>
+          <a:fillRef idx="0">
+            <a:schemeClr val="accent1"/>
+          </a:fillRef>
+          <a:effectRef idx="0">
+            <a:schemeClr val="accent1"/>
+          </a:effectRef>
+          <a:fontRef idx="minor">
+            <a:schemeClr val="tx1"/>
+          </a:fontRef>
+        </p:style>
+      </p:cxnSp>
+      <p:sp>
+        <p:nvSpPr>
+          <p:cNvPr id="12" name="Right Brace 11"/>
+          <p:cNvSpPr/>
+          <p:nvPr/>
+        </p:nvSpPr>
+        <p:spPr>
+          <a:xfrm>
+            <a:off x="2667000" y="2781300"/>
+            <a:ext cx="152400" cy="990600"/>
+          </a:xfrm>
+          <a:prstGeom prst="rightBrace">
+            <a:avLst/>
+          </a:prstGeom>
+        </p:spPr>
+        <p:style>
+          <a:lnRef idx="1">
+            <a:schemeClr val="accent1"/>
+          </a:lnRef>
+          <a:fillRef idx="0">
+            <a:schemeClr val="accent1"/>
+          </a:fillRef>
+          <a:effectRef idx="0">
+            <a:schemeClr val="accent1"/>
+          </a:effectRef>
+          <a:fontRef idx="minor">
+            <a:schemeClr val="tx1"/>
+          </a:fontRef>
+        </p:style>
+        <p:txBody>
+          <a:bodyPr rtlCol="0" anchor="ctr"/>
+          <a:lstStyle/>
+          <a:p>
+            <a:pPr algn="ctr"/>
+            <a:endParaRPr lang="en-US"/>
+          </a:p>
+        </p:txBody>
+      </p:sp>
+      <p:sp>
+        <p:nvSpPr>
+          <p:cNvPr id="13" name="TextBox 12"/>
+          <p:cNvSpPr txBox="1"/>
+          <p:nvPr/>
+        </p:nvSpPr>
+        <p:spPr>
+          <a:xfrm>
+            <a:off x="2895600" y="3314700"/>
+            <a:ext cx="1445204" cy="369332"/>
+          </a:xfrm>
+          <a:prstGeom prst="rect">
+            <a:avLst/>
+          </a:prstGeom>
+          <a:noFill/>
+        </p:spPr>
+        <p:txBody>
+          <a:bodyPr wrap="none" rtlCol="0">
+            <a:spAutoFit/>
+          </a:bodyPr>
+          <a:lstStyle/>
+          <a:p>
+            <a:r>
+              <a:rPr lang="en-US" dirty="0" smtClean="0"/>
+              <a:t>CI – Cont </a:t>
+            </a:r>
+            <a:r>
+              <a:rPr lang="en-US" dirty="0" err="1" smtClean="0"/>
+              <a:t>Intg</a:t>
+            </a:r>
+            <a:endParaRPr lang="en-US" dirty="0"/>
+          </a:p>
+        </p:txBody>
+      </p:sp>
+      <p:sp>
+        <p:nvSpPr>
+          <p:cNvPr id="14" name="Right Brace 13"/>
+          <p:cNvSpPr/>
+          <p:nvPr/>
+        </p:nvSpPr>
+        <p:spPr>
+          <a:xfrm>
+            <a:off x="2895600" y="3848100"/>
+            <a:ext cx="152400" cy="609600"/>
+          </a:xfrm>
+          <a:prstGeom prst="rightBrace">
+            <a:avLst/>
+          </a:prstGeom>
+        </p:spPr>
+        <p:style>
+          <a:lnRef idx="1">
+            <a:schemeClr val="accent1"/>
+          </a:lnRef>
+          <a:fillRef idx="0">
+            <a:schemeClr val="accent1"/>
+          </a:fillRef>
+          <a:effectRef idx="0">
+            <a:schemeClr val="accent1"/>
+          </a:effectRef>
+          <a:fontRef idx="minor">
+            <a:schemeClr val="tx1"/>
+          </a:fontRef>
+        </p:style>
+        <p:txBody>
+          <a:bodyPr rtlCol="0" anchor="ctr"/>
+          <a:lstStyle/>
+          <a:p>
+            <a:pPr algn="ctr"/>
+            <a:endParaRPr lang="en-US"/>
+          </a:p>
+        </p:txBody>
+      </p:sp>
+      <p:sp>
+        <p:nvSpPr>
+          <p:cNvPr id="15" name="TextBox 14"/>
+          <p:cNvSpPr txBox="1"/>
+          <p:nvPr/>
+        </p:nvSpPr>
+        <p:spPr>
+          <a:xfrm>
+            <a:off x="3048000" y="3935968"/>
+            <a:ext cx="1933543" cy="369332"/>
+          </a:xfrm>
+          <a:prstGeom prst="rect">
+            <a:avLst/>
+          </a:prstGeom>
+          <a:noFill/>
+        </p:spPr>
+        <p:txBody>
+          <a:bodyPr wrap="none" rtlCol="0">
+            <a:spAutoFit/>
+          </a:bodyPr>
+          <a:lstStyle/>
+          <a:p>
+            <a:r>
+              <a:rPr lang="en-US" dirty="0" smtClean="0"/>
+              <a:t>CD – Cont Delivery</a:t>
+            </a:r>
+            <a:endParaRPr lang="en-US" dirty="0"/>
+          </a:p>
+        </p:txBody>
+      </p:sp>
+      <p:cxnSp>
+        <p:nvCxnSpPr>
+          <p:cNvPr id="17" name="Straight Arrow Connector 16"/>
+          <p:cNvCxnSpPr/>
+          <p:nvPr/>
+        </p:nvCxnSpPr>
+        <p:spPr>
+          <a:xfrm>
+            <a:off x="2743200" y="4381500"/>
+            <a:ext cx="1905000" cy="152400"/>
+          </a:xfrm>
+          <a:prstGeom prst="straightConnector1">
+            <a:avLst/>
+          </a:prstGeom>
+          <a:ln>
+            <a:tailEnd type="arrow"/>
+          </a:ln>
+        </p:spPr>
+        <p:style>
+          <a:lnRef idx="1">
+            <a:schemeClr val="accent1"/>
+          </a:lnRef>
+          <a:fillRef idx="0">
+            <a:schemeClr val="accent1"/>
+          </a:fillRef>
+          <a:effectRef idx="0">
+            <a:schemeClr val="accent1"/>
+          </a:effectRef>
+          <a:fontRef idx="minor">
+            <a:schemeClr val="tx1"/>
+          </a:fontRef>
+        </p:style>
+      </p:cxnSp>
+      <p:sp>
+        <p:nvSpPr>
+          <p:cNvPr id="18" name="Cloud 17"/>
+          <p:cNvSpPr/>
+          <p:nvPr/>
+        </p:nvSpPr>
+        <p:spPr>
+          <a:xfrm>
+            <a:off x="4648200" y="4076700"/>
+            <a:ext cx="2819400" cy="990600"/>
+          </a:xfrm>
+          <a:prstGeom prst="cloud">
+            <a:avLst/>
+          </a:prstGeom>
+        </p:spPr>
+        <p:style>
+          <a:lnRef idx="2">
+            <a:schemeClr val="accent1">
+              <a:shade val="50000"/>
+            </a:schemeClr>
+          </a:lnRef>
+          <a:fillRef idx="1">
+            <a:schemeClr val="accent1"/>
+          </a:fillRef>
+          <a:effectRef idx="0">
+            <a:schemeClr val="accent1"/>
+          </a:effectRef>
+          <a:fontRef idx="minor">
+            <a:schemeClr val="lt1"/>
+          </a:fontRef>
+        </p:style>
+        <p:txBody>
+          <a:bodyPr rtlCol="0" anchor="ctr"/>
+          <a:lstStyle/>
+          <a:p>
+            <a:pPr algn="ctr"/>
+            <a:r>
+              <a:rPr lang="en-US" dirty="0" smtClean="0"/>
+              <a:t>hub.docker.com</a:t>
+            </a:r>
+          </a:p>
+          <a:p>
+            <a:pPr algn="ctr"/>
+            <a:r>
+              <a:rPr lang="en-US" dirty="0" smtClean="0"/>
+              <a:t>app</a:t>
+            </a:r>
+            <a:endParaRPr lang="en-US" dirty="0"/>
+          </a:p>
+        </p:txBody>
+      </p:sp>
+      <p:sp>
+        <p:nvSpPr>
+          <p:cNvPr id="20" name="TextBox 19"/>
+          <p:cNvSpPr txBox="1"/>
+          <p:nvPr/>
+        </p:nvSpPr>
+        <p:spPr>
+          <a:xfrm>
+            <a:off x="533400" y="5067300"/>
+            <a:ext cx="2506007" cy="369332"/>
+          </a:xfrm>
+          <a:prstGeom prst="rect">
+            <a:avLst/>
+          </a:prstGeom>
+          <a:noFill/>
+        </p:spPr>
+        <p:txBody>
+          <a:bodyPr wrap="none" rtlCol="0">
+            <a:spAutoFit/>
+          </a:bodyPr>
+          <a:lstStyle/>
+          <a:p>
+            <a:r>
+              <a:rPr lang="en-US" dirty="0" err="1" smtClean="0"/>
+              <a:t>Git,docker,kubectl,config</a:t>
+            </a:r>
+            <a:endParaRPr lang="en-US" dirty="0"/>
+          </a:p>
+        </p:txBody>
+      </p:sp>
+      <p:sp>
+        <p:nvSpPr>
+          <p:cNvPr id="21" name="TextBox 20"/>
+          <p:cNvSpPr txBox="1"/>
+          <p:nvPr/>
+        </p:nvSpPr>
+        <p:spPr>
+          <a:xfrm>
+            <a:off x="4953000" y="3009900"/>
+            <a:ext cx="818429" cy="369332"/>
+          </a:xfrm>
+          <a:prstGeom prst="rect">
+            <a:avLst/>
+          </a:prstGeom>
+          <a:noFill/>
+        </p:spPr>
+        <p:txBody>
+          <a:bodyPr wrap="none" rtlCol="0">
+            <a:spAutoFit/>
+          </a:bodyPr>
+          <a:lstStyle/>
+          <a:p>
+            <a:r>
+              <a:rPr lang="en-US" dirty="0" err="1" smtClean="0"/>
+              <a:t>docker</a:t>
+            </a:r>
+            <a:endParaRPr lang="en-US" dirty="0"/>
+          </a:p>
+        </p:txBody>
+      </p:sp>
+      <p:sp>
+        <p:nvSpPr>
+          <p:cNvPr id="22" name="TextBox 21"/>
+          <p:cNvSpPr txBox="1"/>
+          <p:nvPr/>
+        </p:nvSpPr>
+        <p:spPr>
+          <a:xfrm>
+            <a:off x="6953971" y="3009900"/>
+            <a:ext cx="818429" cy="369332"/>
+          </a:xfrm>
+          <a:prstGeom prst="rect">
+            <a:avLst/>
+          </a:prstGeom>
+          <a:noFill/>
+        </p:spPr>
+        <p:txBody>
+          <a:bodyPr wrap="none" rtlCol="0">
+            <a:spAutoFit/>
+          </a:bodyPr>
+          <a:lstStyle/>
+          <a:p>
+            <a:r>
+              <a:rPr lang="en-US" dirty="0" err="1" smtClean="0"/>
+              <a:t>docker</a:t>
+            </a:r>
+            <a:endParaRPr lang="en-US" dirty="0"/>
+          </a:p>
+        </p:txBody>
+      </p:sp>
+    </p:spTree>
+  </p:cSld>
+  <p:clrMapOvr>
+    <a:masterClrMapping/>
+  </p:clrMapOvr>
+</p:sld>
+</file>
+
+<file path=ppt/slides/slide21.xml><?xml version="1.0" encoding="utf-8"?>
+<p:sld xmlns:a="http://schemas.openxmlformats.org/drawingml/2006/main" xmlns:r="http://schemas.openxmlformats.org/officeDocument/2006/relationships" xmlns:p="http://schemas.openxmlformats.org/presentationml/2006/main">
+  <p:cSld>
+    <p:spTree>
+      <p:nvGrpSpPr>
+        <p:cNvPr id="1" name=""/>
+        <p:cNvGrpSpPr/>
+        <p:nvPr/>
+      </p:nvGrpSpPr>
+      <p:grpSpPr>
+        <a:xfrm>
+          <a:off x="0" y="0"/>
+          <a:ext cx="0" cy="0"/>
+          <a:chOff x="0" y="0"/>
+          <a:chExt cx="0" cy="0"/>
+        </a:xfrm>
+      </p:grpSpPr>
+      <p:sp>
+        <p:nvSpPr>
+          <p:cNvPr id="2" name="Rectangle 1"/>
+          <p:cNvSpPr/>
+          <p:nvPr/>
+        </p:nvSpPr>
+        <p:spPr>
+          <a:xfrm>
+            <a:off x="152400" y="571500"/>
+            <a:ext cx="8763000" cy="2819400"/>
+          </a:xfrm>
+          <a:prstGeom prst="rect">
+            <a:avLst/>
+          </a:prstGeom>
+          <a:noFill/>
+        </p:spPr>
+        <p:style>
+          <a:lnRef idx="2">
+            <a:schemeClr val="accent1">
+              <a:shade val="50000"/>
+            </a:schemeClr>
+          </a:lnRef>
+          <a:fillRef idx="1">
+            <a:schemeClr val="accent1"/>
+          </a:fillRef>
+          <a:effectRef idx="0">
+            <a:schemeClr val="accent1"/>
+          </a:effectRef>
+          <a:fontRef idx="minor">
+            <a:schemeClr val="lt1"/>
+          </a:fontRef>
+        </p:style>
+        <p:txBody>
+          <a:bodyPr rtlCol="0" anchor="ctr"/>
+          <a:lstStyle/>
+          <a:p>
+            <a:pPr algn="ctr"/>
+            <a:endParaRPr lang="en-US"/>
+          </a:p>
+        </p:txBody>
+      </p:sp>
+      <p:sp>
+        <p:nvSpPr>
+          <p:cNvPr id="3" name="Rectangle 2"/>
+          <p:cNvSpPr/>
+          <p:nvPr/>
+        </p:nvSpPr>
+        <p:spPr>
+          <a:xfrm>
+            <a:off x="2819400" y="4229100"/>
+            <a:ext cx="4876800" cy="1219200"/>
+          </a:xfrm>
+          <a:prstGeom prst="rect">
+            <a:avLst/>
+          </a:prstGeom>
+          <a:noFill/>
+        </p:spPr>
+        <p:style>
+          <a:lnRef idx="2">
+            <a:schemeClr val="accent1">
+              <a:shade val="50000"/>
+            </a:schemeClr>
+          </a:lnRef>
+          <a:fillRef idx="1">
+            <a:schemeClr val="accent1"/>
+          </a:fillRef>
+          <a:effectRef idx="0">
+            <a:schemeClr val="accent1"/>
+          </a:effectRef>
+          <a:fontRef idx="minor">
+            <a:schemeClr val="lt1"/>
+          </a:fontRef>
+        </p:style>
+        <p:txBody>
+          <a:bodyPr rtlCol="0" anchor="ctr"/>
+          <a:lstStyle/>
+          <a:p>
+            <a:pPr algn="ctr"/>
+            <a:endParaRPr lang="en-US"/>
+          </a:p>
+        </p:txBody>
+      </p:sp>
+      <p:sp>
+        <p:nvSpPr>
+          <p:cNvPr id="4" name="TextBox 3"/>
+          <p:cNvSpPr txBox="1"/>
+          <p:nvPr/>
+        </p:nvSpPr>
+        <p:spPr>
+          <a:xfrm>
+            <a:off x="1447800" y="0"/>
+            <a:ext cx="1147815" cy="369332"/>
+          </a:xfrm>
+          <a:prstGeom prst="rect">
+            <a:avLst/>
+          </a:prstGeom>
+          <a:noFill/>
+        </p:spPr>
+        <p:txBody>
+          <a:bodyPr wrap="none" rtlCol="0">
+            <a:spAutoFit/>
+          </a:bodyPr>
+          <a:lstStyle/>
+          <a:p>
+            <a:r>
+              <a:rPr lang="en-US" dirty="0" smtClean="0"/>
+              <a:t>k8smaster</a:t>
+            </a:r>
+            <a:endParaRPr lang="en-US" dirty="0"/>
+          </a:p>
+        </p:txBody>
+      </p:sp>
+      <p:sp>
+        <p:nvSpPr>
+          <p:cNvPr id="5" name="TextBox 4"/>
+          <p:cNvSpPr txBox="1"/>
+          <p:nvPr/>
+        </p:nvSpPr>
+        <p:spPr>
+          <a:xfrm>
+            <a:off x="6629400" y="3848100"/>
+            <a:ext cx="1093569" cy="369332"/>
+          </a:xfrm>
+          <a:prstGeom prst="rect">
+            <a:avLst/>
+          </a:prstGeom>
+          <a:noFill/>
+        </p:spPr>
+        <p:txBody>
+          <a:bodyPr wrap="none" rtlCol="0">
+            <a:spAutoFit/>
+          </a:bodyPr>
+          <a:lstStyle/>
+          <a:p>
+            <a:r>
+              <a:rPr lang="en-US" dirty="0" smtClean="0"/>
+              <a:t>k8snode1</a:t>
+            </a:r>
+            <a:endParaRPr lang="en-US" dirty="0"/>
+          </a:p>
+        </p:txBody>
+      </p:sp>
+      <p:sp>
+        <p:nvSpPr>
+          <p:cNvPr id="6" name="TextBox 5"/>
+          <p:cNvSpPr txBox="1"/>
+          <p:nvPr/>
+        </p:nvSpPr>
+        <p:spPr>
+          <a:xfrm>
+            <a:off x="7772400" y="2933700"/>
+            <a:ext cx="937116" cy="369332"/>
+          </a:xfrm>
+          <a:prstGeom prst="rect">
+            <a:avLst/>
+          </a:prstGeom>
+          <a:noFill/>
+        </p:spPr>
+        <p:txBody>
+          <a:bodyPr wrap="none" rtlCol="0">
+            <a:spAutoFit/>
+          </a:bodyPr>
+          <a:lstStyle/>
+          <a:p>
+            <a:r>
+              <a:rPr lang="en-US" dirty="0" err="1" smtClean="0"/>
+              <a:t>dockerd</a:t>
+            </a:r>
+            <a:endParaRPr lang="en-US" dirty="0"/>
+          </a:p>
+        </p:txBody>
+      </p:sp>
+      <p:sp>
+        <p:nvSpPr>
+          <p:cNvPr id="7" name="TextBox 6"/>
+          <p:cNvSpPr txBox="1"/>
+          <p:nvPr/>
+        </p:nvSpPr>
+        <p:spPr>
+          <a:xfrm>
+            <a:off x="6877771" y="5067300"/>
+            <a:ext cx="937116" cy="369332"/>
+          </a:xfrm>
+          <a:prstGeom prst="rect">
+            <a:avLst/>
+          </a:prstGeom>
+          <a:noFill/>
+        </p:spPr>
+        <p:txBody>
+          <a:bodyPr wrap="none" rtlCol="0">
+            <a:spAutoFit/>
+          </a:bodyPr>
+          <a:lstStyle/>
+          <a:p>
+            <a:r>
+              <a:rPr lang="en-US" dirty="0" err="1" smtClean="0"/>
+              <a:t>dockerd</a:t>
+            </a:r>
+            <a:endParaRPr lang="en-US" dirty="0"/>
+          </a:p>
+        </p:txBody>
+      </p:sp>
+      <p:sp>
+        <p:nvSpPr>
+          <p:cNvPr id="8" name="Oval 7"/>
+          <p:cNvSpPr/>
+          <p:nvPr/>
+        </p:nvSpPr>
+        <p:spPr>
+          <a:xfrm>
+            <a:off x="304800" y="800100"/>
+            <a:ext cx="2514600" cy="1828800"/>
+          </a:xfrm>
+          <a:prstGeom prst="ellipse">
+            <a:avLst/>
+          </a:prstGeom>
+        </p:spPr>
+        <p:style>
+          <a:lnRef idx="2">
+            <a:schemeClr val="accent1">
+              <a:shade val="50000"/>
+            </a:schemeClr>
+          </a:lnRef>
+          <a:fillRef idx="1">
+            <a:schemeClr val="accent1"/>
+          </a:fillRef>
+          <a:effectRef idx="0">
+            <a:schemeClr val="accent1"/>
+          </a:effectRef>
+          <a:fontRef idx="minor">
+            <a:schemeClr val="lt1"/>
+          </a:fontRef>
+        </p:style>
+        <p:txBody>
+          <a:bodyPr rtlCol="0" anchor="ctr"/>
+          <a:lstStyle/>
+          <a:p>
+            <a:pPr algn="ctr"/>
+            <a:r>
+              <a:rPr lang="en-US" dirty="0" smtClean="0"/>
+              <a:t>Jenkins, </a:t>
+            </a:r>
+            <a:r>
+              <a:rPr lang="en-US" dirty="0" err="1" smtClean="0"/>
+              <a:t>docker</a:t>
+            </a:r>
+            <a:endParaRPr lang="en-US" dirty="0" smtClean="0"/>
+          </a:p>
+          <a:p>
+            <a:pPr algn="ctr"/>
+            <a:r>
+              <a:rPr lang="en-US" sz="1400" dirty="0" smtClean="0"/>
+              <a:t>/</a:t>
+            </a:r>
+            <a:r>
+              <a:rPr lang="en-US" sz="1400" dirty="0" err="1" smtClean="0"/>
+              <a:t>var</a:t>
+            </a:r>
+            <a:r>
+              <a:rPr lang="en-US" sz="1400" dirty="0" smtClean="0"/>
+              <a:t>/</a:t>
+            </a:r>
+            <a:r>
+              <a:rPr lang="en-US" sz="1400" dirty="0" err="1" smtClean="0"/>
+              <a:t>jenkins_home</a:t>
+            </a:r>
+            <a:endParaRPr lang="en-US" sz="1400" dirty="0" smtClean="0"/>
+          </a:p>
+          <a:p>
+            <a:pPr algn="ctr"/>
+            <a:r>
+              <a:rPr lang="en-US" sz="1400" dirty="0" err="1" smtClean="0"/>
+              <a:t>d</a:t>
+            </a:r>
+            <a:r>
+              <a:rPr lang="en-US" sz="1400" dirty="0" err="1" smtClean="0"/>
+              <a:t>ocker</a:t>
+            </a:r>
+            <a:r>
+              <a:rPr lang="en-US" sz="1400" dirty="0" smtClean="0"/>
+              <a:t> build ….</a:t>
+            </a:r>
+          </a:p>
+          <a:p>
+            <a:pPr algn="ctr"/>
+            <a:r>
+              <a:rPr lang="en-US" sz="1400" dirty="0" smtClean="0"/>
+              <a:t>/</a:t>
+            </a:r>
+            <a:r>
+              <a:rPr lang="en-US" sz="1400" dirty="0" err="1" smtClean="0"/>
+              <a:t>var</a:t>
+            </a:r>
+            <a:r>
+              <a:rPr lang="en-US" sz="1400" dirty="0" smtClean="0"/>
+              <a:t>/run/</a:t>
+            </a:r>
+            <a:r>
+              <a:rPr lang="en-US" sz="1400" dirty="0" err="1" smtClean="0"/>
+              <a:t>docker.sock</a:t>
+            </a:r>
+            <a:endParaRPr lang="en-US" sz="1400" dirty="0" smtClean="0"/>
+          </a:p>
+          <a:p>
+            <a:pPr algn="ctr"/>
+            <a:r>
+              <a:rPr lang="en-US" sz="1400" dirty="0" err="1" smtClean="0"/>
+              <a:t>Kubectl</a:t>
+            </a:r>
+            <a:r>
+              <a:rPr lang="en-US" sz="1400" dirty="0" smtClean="0"/>
+              <a:t> apply –f dep.yml</a:t>
+            </a:r>
+          </a:p>
+          <a:p>
+            <a:pPr algn="ctr"/>
+            <a:r>
+              <a:rPr lang="en-US" sz="1400" dirty="0" smtClean="0"/>
+              <a:t>/k8s/</a:t>
+            </a:r>
+            <a:r>
+              <a:rPr lang="en-US" sz="1400" dirty="0" err="1" smtClean="0"/>
+              <a:t>config</a:t>
+            </a:r>
+            <a:endParaRPr lang="en-US" dirty="0" smtClean="0"/>
+          </a:p>
+          <a:p>
+            <a:pPr algn="ctr"/>
+            <a:endParaRPr lang="en-US" dirty="0"/>
+          </a:p>
+        </p:txBody>
+      </p:sp>
+      <p:sp>
+        <p:nvSpPr>
+          <p:cNvPr id="9" name="TextBox 8"/>
+          <p:cNvSpPr txBox="1"/>
+          <p:nvPr/>
+        </p:nvSpPr>
+        <p:spPr>
+          <a:xfrm>
+            <a:off x="2971800" y="1028700"/>
+            <a:ext cx="2386551" cy="369332"/>
+          </a:xfrm>
+          <a:prstGeom prst="rect">
+            <a:avLst/>
+          </a:prstGeom>
+          <a:noFill/>
+        </p:spPr>
+        <p:txBody>
+          <a:bodyPr wrap="none" rtlCol="0">
+            <a:spAutoFit/>
+          </a:bodyPr>
+          <a:lstStyle/>
+          <a:p>
+            <a:r>
+              <a:rPr lang="en-US" dirty="0" smtClean="0"/>
+              <a:t>/vagrant/</a:t>
+            </a:r>
+            <a:r>
+              <a:rPr lang="en-US" dirty="0" err="1" smtClean="0"/>
+              <a:t>jenkins_home</a:t>
+            </a:r>
+            <a:endParaRPr lang="en-US" dirty="0"/>
+          </a:p>
+        </p:txBody>
+      </p:sp>
+      <p:cxnSp>
+        <p:nvCxnSpPr>
+          <p:cNvPr id="11" name="Straight Arrow Connector 10"/>
+          <p:cNvCxnSpPr>
+            <a:endCxn id="9" idx="1"/>
+          </p:cNvCxnSpPr>
+          <p:nvPr/>
+        </p:nvCxnSpPr>
+        <p:spPr>
+          <a:xfrm flipV="1">
+            <a:off x="2286000" y="1213366"/>
+            <a:ext cx="685800" cy="120134"/>
+          </a:xfrm>
+          <a:prstGeom prst="straightConnector1">
+            <a:avLst/>
+          </a:prstGeom>
+          <a:ln>
+            <a:solidFill>
+              <a:srgbClr val="FF0000"/>
+            </a:solidFill>
+            <a:tailEnd type="arrow"/>
+          </a:ln>
+        </p:spPr>
+        <p:style>
+          <a:lnRef idx="1">
+            <a:schemeClr val="accent1"/>
+          </a:lnRef>
+          <a:fillRef idx="0">
+            <a:schemeClr val="accent1"/>
+          </a:fillRef>
+          <a:effectRef idx="0">
+            <a:schemeClr val="accent1"/>
+          </a:effectRef>
+          <a:fontRef idx="minor">
+            <a:schemeClr val="tx1"/>
+          </a:fontRef>
+        </p:style>
+      </p:cxnSp>
+      <p:sp>
+        <p:nvSpPr>
+          <p:cNvPr id="12" name="TextBox 11"/>
+          <p:cNvSpPr txBox="1"/>
+          <p:nvPr/>
+        </p:nvSpPr>
+        <p:spPr>
+          <a:xfrm>
+            <a:off x="3810000" y="1638300"/>
+            <a:ext cx="2151166" cy="369332"/>
+          </a:xfrm>
+          <a:prstGeom prst="rect">
+            <a:avLst/>
+          </a:prstGeom>
+          <a:noFill/>
+        </p:spPr>
+        <p:txBody>
+          <a:bodyPr wrap="none" rtlCol="0">
+            <a:spAutoFit/>
+          </a:bodyPr>
+          <a:lstStyle/>
+          <a:p>
+            <a:r>
+              <a:rPr lang="en-US" dirty="0" smtClean="0"/>
+              <a:t>/</a:t>
+            </a:r>
+            <a:r>
+              <a:rPr lang="en-US" dirty="0" err="1" smtClean="0"/>
+              <a:t>var</a:t>
+            </a:r>
+            <a:r>
+              <a:rPr lang="en-US" dirty="0" smtClean="0"/>
+              <a:t>/run/</a:t>
+            </a:r>
+            <a:r>
+              <a:rPr lang="en-US" dirty="0" err="1" smtClean="0"/>
+              <a:t>docker.sock</a:t>
+            </a:r>
+            <a:endParaRPr lang="en-US" dirty="0"/>
+          </a:p>
+        </p:txBody>
+      </p:sp>
+      <p:cxnSp>
+        <p:nvCxnSpPr>
+          <p:cNvPr id="14" name="Straight Arrow Connector 13"/>
+          <p:cNvCxnSpPr>
+            <a:stCxn id="12" idx="2"/>
+            <a:endCxn id="6" idx="0"/>
+          </p:cNvCxnSpPr>
+          <p:nvPr/>
+        </p:nvCxnSpPr>
+        <p:spPr>
+          <a:xfrm>
+            <a:off x="4885583" y="2007632"/>
+            <a:ext cx="3355375" cy="926068"/>
+          </a:xfrm>
+          <a:prstGeom prst="straightConnector1">
+            <a:avLst/>
+          </a:prstGeom>
+          <a:ln>
+            <a:tailEnd type="arrow"/>
+          </a:ln>
+        </p:spPr>
+        <p:style>
+          <a:lnRef idx="1">
+            <a:schemeClr val="accent1"/>
+          </a:lnRef>
+          <a:fillRef idx="0">
+            <a:schemeClr val="accent1"/>
+          </a:fillRef>
+          <a:effectRef idx="0">
+            <a:schemeClr val="accent1"/>
+          </a:effectRef>
+          <a:fontRef idx="minor">
+            <a:schemeClr val="tx1"/>
+          </a:fontRef>
+        </p:style>
+      </p:cxnSp>
+      <p:sp>
+        <p:nvSpPr>
+          <p:cNvPr id="15" name="TextBox 14"/>
+          <p:cNvSpPr txBox="1"/>
+          <p:nvPr/>
+        </p:nvSpPr>
+        <p:spPr>
+          <a:xfrm>
+            <a:off x="381000" y="3009900"/>
+            <a:ext cx="2310376" cy="369332"/>
+          </a:xfrm>
+          <a:prstGeom prst="rect">
+            <a:avLst/>
+          </a:prstGeom>
+          <a:noFill/>
+        </p:spPr>
+        <p:txBody>
+          <a:bodyPr wrap="none" rtlCol="0">
+            <a:spAutoFit/>
+          </a:bodyPr>
+          <a:lstStyle/>
+          <a:p>
+            <a:r>
+              <a:rPr lang="en-US" dirty="0" smtClean="0"/>
+              <a:t>$ </a:t>
+            </a:r>
+            <a:r>
+              <a:rPr lang="en-US" dirty="0" err="1" smtClean="0"/>
+              <a:t>docker</a:t>
+            </a:r>
+            <a:r>
+              <a:rPr lang="en-US" dirty="0" smtClean="0"/>
+              <a:t> container run</a:t>
+            </a:r>
+            <a:endParaRPr lang="en-US" dirty="0"/>
+          </a:p>
+        </p:txBody>
+      </p:sp>
+      <p:cxnSp>
+        <p:nvCxnSpPr>
+          <p:cNvPr id="17" name="Straight Arrow Connector 16"/>
+          <p:cNvCxnSpPr>
+            <a:stCxn id="15" idx="0"/>
+            <a:endCxn id="12" idx="1"/>
+          </p:cNvCxnSpPr>
+          <p:nvPr/>
+        </p:nvCxnSpPr>
+        <p:spPr>
+          <a:xfrm flipV="1">
+            <a:off x="1536188" y="1822966"/>
+            <a:ext cx="2273812" cy="1186934"/>
+          </a:xfrm>
+          <a:prstGeom prst="straightConnector1">
+            <a:avLst/>
+          </a:prstGeom>
+          <a:ln>
+            <a:tailEnd type="arrow"/>
+          </a:ln>
+        </p:spPr>
+        <p:style>
+          <a:lnRef idx="1">
+            <a:schemeClr val="accent1"/>
+          </a:lnRef>
+          <a:fillRef idx="0">
+            <a:schemeClr val="accent1"/>
+          </a:fillRef>
+          <a:effectRef idx="0">
+            <a:schemeClr val="accent1"/>
+          </a:effectRef>
+          <a:fontRef idx="minor">
+            <a:schemeClr val="tx1"/>
+          </a:fontRef>
+        </p:style>
+      </p:cxnSp>
+      <p:cxnSp>
+        <p:nvCxnSpPr>
+          <p:cNvPr id="20" name="Straight Arrow Connector 19"/>
+          <p:cNvCxnSpPr>
+            <a:endCxn id="12" idx="1"/>
+          </p:cNvCxnSpPr>
+          <p:nvPr/>
+        </p:nvCxnSpPr>
+        <p:spPr>
+          <a:xfrm>
+            <a:off x="2362200" y="1714500"/>
+            <a:ext cx="1447800" cy="108466"/>
+          </a:xfrm>
+          <a:prstGeom prst="straightConnector1">
+            <a:avLst/>
+          </a:prstGeom>
+          <a:ln>
+            <a:solidFill>
+              <a:srgbClr val="FF0000"/>
+            </a:solidFill>
+            <a:tailEnd type="arrow"/>
+          </a:ln>
+        </p:spPr>
+        <p:style>
+          <a:lnRef idx="1">
+            <a:schemeClr val="accent1"/>
+          </a:lnRef>
+          <a:fillRef idx="0">
+            <a:schemeClr val="accent1"/>
+          </a:fillRef>
+          <a:effectRef idx="0">
+            <a:schemeClr val="accent1"/>
+          </a:effectRef>
+          <a:fontRef idx="minor">
+            <a:schemeClr val="tx1"/>
+          </a:fontRef>
+        </p:style>
+      </p:cxnSp>
+      <p:sp>
+        <p:nvSpPr>
+          <p:cNvPr id="23" name="TextBox 22"/>
+          <p:cNvSpPr txBox="1"/>
+          <p:nvPr/>
+        </p:nvSpPr>
+        <p:spPr>
+          <a:xfrm>
+            <a:off x="762000" y="2476500"/>
+            <a:ext cx="1534394" cy="369332"/>
+          </a:xfrm>
+          <a:prstGeom prst="rect">
+            <a:avLst/>
+          </a:prstGeom>
+          <a:noFill/>
+        </p:spPr>
+        <p:txBody>
+          <a:bodyPr wrap="none" rtlCol="0">
+            <a:spAutoFit/>
+          </a:bodyPr>
+          <a:lstStyle/>
+          <a:p>
+            <a:r>
+              <a:rPr lang="en-US" dirty="0" smtClean="0"/>
+              <a:t>Build-machine</a:t>
+            </a:r>
+            <a:endParaRPr lang="en-US" dirty="0"/>
+          </a:p>
+        </p:txBody>
+      </p:sp>
+      <p:sp>
+        <p:nvSpPr>
+          <p:cNvPr id="26" name="TextBox 25"/>
+          <p:cNvSpPr txBox="1"/>
+          <p:nvPr/>
+        </p:nvSpPr>
+        <p:spPr>
+          <a:xfrm>
+            <a:off x="7767457" y="571500"/>
+            <a:ext cx="1147943" cy="369332"/>
+          </a:xfrm>
+          <a:prstGeom prst="rect">
+            <a:avLst/>
+          </a:prstGeom>
+          <a:noFill/>
+        </p:spPr>
+        <p:txBody>
+          <a:bodyPr wrap="none" rtlCol="0">
+            <a:spAutoFit/>
+          </a:bodyPr>
+          <a:lstStyle/>
+          <a:p>
+            <a:r>
+              <a:rPr lang="en-US" dirty="0" err="1" smtClean="0"/>
+              <a:t>api</a:t>
+            </a:r>
+            <a:r>
+              <a:rPr lang="en-US" dirty="0" smtClean="0"/>
+              <a:t>-server</a:t>
+            </a:r>
+            <a:endParaRPr lang="en-US" dirty="0"/>
+          </a:p>
+        </p:txBody>
+      </p:sp>
+      <p:sp>
+        <p:nvSpPr>
+          <p:cNvPr id="27" name="TextBox 26"/>
+          <p:cNvSpPr txBox="1"/>
+          <p:nvPr/>
+        </p:nvSpPr>
+        <p:spPr>
+          <a:xfrm>
+            <a:off x="3276600" y="2324100"/>
+            <a:ext cx="2252796" cy="307777"/>
+          </a:xfrm>
+          <a:prstGeom prst="rect">
+            <a:avLst/>
+          </a:prstGeom>
+          <a:noFill/>
+        </p:spPr>
+        <p:txBody>
+          <a:bodyPr wrap="none" rtlCol="0">
+            <a:spAutoFit/>
+          </a:bodyPr>
+          <a:lstStyle/>
+          <a:p>
+            <a:r>
+              <a:rPr lang="en-US" sz="1400" dirty="0" smtClean="0"/>
+              <a:t>/etc/</a:t>
+            </a:r>
+            <a:r>
+              <a:rPr lang="en-US" sz="1400" dirty="0" err="1" smtClean="0"/>
+              <a:t>kubernetes</a:t>
+            </a:r>
+            <a:r>
+              <a:rPr lang="en-US" sz="1400" dirty="0" smtClean="0"/>
+              <a:t>/</a:t>
+            </a:r>
+            <a:r>
+              <a:rPr lang="en-US" sz="1400" dirty="0" err="1" smtClean="0"/>
+              <a:t>admin.conf</a:t>
+            </a:r>
+            <a:endParaRPr lang="en-US" dirty="0"/>
+          </a:p>
+        </p:txBody>
+      </p:sp>
+      <p:cxnSp>
+        <p:nvCxnSpPr>
+          <p:cNvPr id="33" name="Straight Arrow Connector 32"/>
+          <p:cNvCxnSpPr>
+            <a:endCxn id="27" idx="1"/>
+          </p:cNvCxnSpPr>
+          <p:nvPr/>
+        </p:nvCxnSpPr>
+        <p:spPr>
+          <a:xfrm>
+            <a:off x="1981200" y="2247900"/>
+            <a:ext cx="1295400" cy="230089"/>
+          </a:xfrm>
+          <a:prstGeom prst="straightConnector1">
+            <a:avLst/>
+          </a:prstGeom>
+          <a:ln>
+            <a:solidFill>
+              <a:srgbClr val="FF0000"/>
+            </a:solidFill>
+            <a:tailEnd type="arrow"/>
+          </a:ln>
+        </p:spPr>
+        <p:style>
+          <a:lnRef idx="1">
+            <a:schemeClr val="accent1"/>
+          </a:lnRef>
+          <a:fillRef idx="0">
+            <a:schemeClr val="accent1"/>
+          </a:fillRef>
+          <a:effectRef idx="0">
+            <a:schemeClr val="accent1"/>
+          </a:effectRef>
+          <a:fontRef idx="minor">
+            <a:schemeClr val="tx1"/>
+          </a:fontRef>
+        </p:style>
+      </p:cxnSp>
+    </p:spTree>
+  </p:cSld>
+  <p:clrMapOvr>
+    <a:masterClrMapping/>
+  </p:clrMapOvr>
+</p:sld>
+</file>
+
+<file path=ppt/slides/slide22.xml><?xml version="1.0" encoding="utf-8"?>
+<p:sld xmlns:a="http://schemas.openxmlformats.org/drawingml/2006/main" xmlns:r="http://schemas.openxmlformats.org/officeDocument/2006/relationships" xmlns:p="http://schemas.openxmlformats.org/presentationml/2006/main">
+  <p:cSld>
+    <p:spTree>
+      <p:nvGrpSpPr>
+        <p:cNvPr id="1" name=""/>
+        <p:cNvGrpSpPr/>
+        <p:nvPr/>
+      </p:nvGrpSpPr>
+      <p:grpSpPr>
+        <a:xfrm>
+          <a:off x="0" y="0"/>
+          <a:ext cx="0" cy="0"/>
+          <a:chOff x="0" y="0"/>
+          <a:chExt cx="0" cy="0"/>
+        </a:xfrm>
+      </p:grpSpPr>
+      <p:sp>
+        <p:nvSpPr>
+          <p:cNvPr id="2" name="Rectangle 1"/>
+          <p:cNvSpPr/>
+          <p:nvPr/>
+        </p:nvSpPr>
+        <p:spPr>
+          <a:xfrm>
+            <a:off x="1143000" y="342900"/>
+            <a:ext cx="2590800" cy="2667000"/>
+          </a:xfrm>
+          <a:prstGeom prst="rect">
+            <a:avLst/>
+          </a:prstGeom>
+          <a:noFill/>
+        </p:spPr>
+        <p:style>
+          <a:lnRef idx="2">
+            <a:schemeClr val="accent1">
+              <a:shade val="50000"/>
+            </a:schemeClr>
+          </a:lnRef>
+          <a:fillRef idx="1">
+            <a:schemeClr val="accent1"/>
+          </a:fillRef>
+          <a:effectRef idx="0">
+            <a:schemeClr val="accent1"/>
+          </a:effectRef>
+          <a:fontRef idx="minor">
+            <a:schemeClr val="lt1"/>
+          </a:fontRef>
+        </p:style>
+        <p:txBody>
+          <a:bodyPr rtlCol="0" anchor="ctr"/>
+          <a:lstStyle/>
+          <a:p>
+            <a:pPr algn="ctr"/>
+            <a:endParaRPr lang="en-US"/>
+          </a:p>
+        </p:txBody>
+      </p:sp>
+      <p:sp>
+        <p:nvSpPr>
+          <p:cNvPr id="3" name="Rectangle 2"/>
+          <p:cNvSpPr/>
+          <p:nvPr/>
+        </p:nvSpPr>
+        <p:spPr>
+          <a:xfrm>
+            <a:off x="3962400" y="342900"/>
+            <a:ext cx="2590800" cy="2667000"/>
+          </a:xfrm>
+          <a:prstGeom prst="rect">
+            <a:avLst/>
+          </a:prstGeom>
+          <a:noFill/>
+        </p:spPr>
+        <p:style>
+          <a:lnRef idx="2">
+            <a:schemeClr val="accent1">
+              <a:shade val="50000"/>
+            </a:schemeClr>
+          </a:lnRef>
+          <a:fillRef idx="1">
+            <a:schemeClr val="accent1"/>
+          </a:fillRef>
+          <a:effectRef idx="0">
+            <a:schemeClr val="accent1"/>
+          </a:effectRef>
+          <a:fontRef idx="minor">
+            <a:schemeClr val="lt1"/>
+          </a:fontRef>
+        </p:style>
+        <p:txBody>
+          <a:bodyPr rtlCol="0" anchor="ctr"/>
+          <a:lstStyle/>
+          <a:p>
+            <a:pPr algn="ctr"/>
+            <a:endParaRPr lang="en-US"/>
+          </a:p>
+        </p:txBody>
+      </p:sp>
+      <p:sp>
+        <p:nvSpPr>
+          <p:cNvPr id="4" name="Oval 3"/>
+          <p:cNvSpPr/>
+          <p:nvPr/>
+        </p:nvSpPr>
+        <p:spPr>
+          <a:xfrm>
+            <a:off x="4724400" y="723900"/>
+            <a:ext cx="1524000" cy="914400"/>
+          </a:xfrm>
+          <a:prstGeom prst="ellipse">
+            <a:avLst/>
+          </a:prstGeom>
+          <a:noFill/>
+        </p:spPr>
+        <p:style>
+          <a:lnRef idx="2">
+            <a:schemeClr val="accent1">
+              <a:shade val="50000"/>
+            </a:schemeClr>
+          </a:lnRef>
+          <a:fillRef idx="1">
+            <a:schemeClr val="accent1"/>
+          </a:fillRef>
+          <a:effectRef idx="0">
+            <a:schemeClr val="accent1"/>
+          </a:effectRef>
+          <a:fontRef idx="minor">
+            <a:schemeClr val="lt1"/>
+          </a:fontRef>
+        </p:style>
+        <p:txBody>
+          <a:bodyPr rtlCol="0" anchor="ctr"/>
+          <a:lstStyle/>
+          <a:p>
+            <a:pPr algn="ctr"/>
+            <a:endParaRPr lang="en-US"/>
+          </a:p>
+        </p:txBody>
+      </p:sp>
+      <p:sp>
+        <p:nvSpPr>
+          <p:cNvPr id="5" name="Rectangle 4"/>
+          <p:cNvSpPr/>
+          <p:nvPr/>
+        </p:nvSpPr>
+        <p:spPr>
+          <a:xfrm>
+            <a:off x="4267200" y="571500"/>
+            <a:ext cx="2133600" cy="1371600"/>
+          </a:xfrm>
+          <a:prstGeom prst="rect">
+            <a:avLst/>
+          </a:prstGeom>
+          <a:noFill/>
+        </p:spPr>
+        <p:style>
+          <a:lnRef idx="2">
+            <a:schemeClr val="accent1">
+              <a:shade val="50000"/>
+            </a:schemeClr>
+          </a:lnRef>
+          <a:fillRef idx="1">
+            <a:schemeClr val="accent1"/>
+          </a:fillRef>
+          <a:effectRef idx="0">
+            <a:schemeClr val="accent1"/>
+          </a:effectRef>
+          <a:fontRef idx="minor">
+            <a:schemeClr val="lt1"/>
+          </a:fontRef>
+        </p:style>
+        <p:txBody>
+          <a:bodyPr rtlCol="0" anchor="ctr"/>
+          <a:lstStyle/>
+          <a:p>
+            <a:pPr algn="ctr"/>
+            <a:endParaRPr lang="en-US"/>
+          </a:p>
+        </p:txBody>
+      </p:sp>
+      <p:sp>
+        <p:nvSpPr>
+          <p:cNvPr id="6" name="TextBox 5"/>
+          <p:cNvSpPr txBox="1"/>
+          <p:nvPr/>
+        </p:nvSpPr>
+        <p:spPr>
+          <a:xfrm>
+            <a:off x="4267200" y="583168"/>
+            <a:ext cx="542328" cy="369332"/>
+          </a:xfrm>
+          <a:prstGeom prst="rect">
+            <a:avLst/>
+          </a:prstGeom>
+          <a:noFill/>
+        </p:spPr>
+        <p:txBody>
+          <a:bodyPr wrap="none" rtlCol="0">
+            <a:spAutoFit/>
+          </a:bodyPr>
+          <a:lstStyle/>
+          <a:p>
+            <a:r>
+              <a:rPr lang="en-US" dirty="0" smtClean="0"/>
+              <a:t>Pod</a:t>
+            </a:r>
+            <a:endParaRPr lang="en-US" dirty="0"/>
+          </a:p>
+        </p:txBody>
+      </p:sp>
+      <p:sp>
+        <p:nvSpPr>
+          <p:cNvPr id="7" name="TextBox 6"/>
+          <p:cNvSpPr txBox="1"/>
+          <p:nvPr/>
+        </p:nvSpPr>
+        <p:spPr>
+          <a:xfrm>
+            <a:off x="4800600" y="800100"/>
+            <a:ext cx="1519775" cy="646331"/>
+          </a:xfrm>
+          <a:prstGeom prst="rect">
+            <a:avLst/>
+          </a:prstGeom>
+          <a:noFill/>
+        </p:spPr>
+        <p:txBody>
+          <a:bodyPr wrap="none" rtlCol="0">
+            <a:spAutoFit/>
+          </a:bodyPr>
+          <a:lstStyle/>
+          <a:p>
+            <a:r>
+              <a:rPr lang="en-US" dirty="0" err="1" smtClean="0"/>
+              <a:t>Mysql</a:t>
+            </a:r>
+            <a:endParaRPr lang="en-US" dirty="0" smtClean="0"/>
+          </a:p>
+          <a:p>
+            <a:r>
+              <a:rPr lang="en-US" dirty="0" smtClean="0"/>
+              <a:t>/</a:t>
+            </a:r>
+            <a:r>
+              <a:rPr lang="en-US" dirty="0" err="1" smtClean="0"/>
+              <a:t>var</a:t>
+            </a:r>
+            <a:r>
+              <a:rPr lang="en-US" dirty="0" smtClean="0"/>
+              <a:t>/lib/</a:t>
+            </a:r>
+            <a:r>
+              <a:rPr lang="en-US" dirty="0" err="1" smtClean="0"/>
+              <a:t>mysql</a:t>
+            </a:r>
+            <a:endParaRPr lang="en-US" dirty="0"/>
+          </a:p>
+        </p:txBody>
+      </p:sp>
+      <p:sp>
+        <p:nvSpPr>
+          <p:cNvPr id="8" name="TextBox 7"/>
+          <p:cNvSpPr txBox="1"/>
+          <p:nvPr/>
+        </p:nvSpPr>
+        <p:spPr>
+          <a:xfrm>
+            <a:off x="7848600" y="4610100"/>
+            <a:ext cx="689484" cy="369332"/>
+          </a:xfrm>
+          <a:prstGeom prst="rect">
+            <a:avLst/>
+          </a:prstGeom>
+          <a:noFill/>
+        </p:spPr>
+        <p:txBody>
+          <a:bodyPr wrap="none" rtlCol="0">
+            <a:spAutoFit/>
+          </a:bodyPr>
+          <a:lstStyle/>
+          <a:p>
+            <a:r>
+              <a:rPr lang="en-US" dirty="0" smtClean="0"/>
+              <a:t>/data</a:t>
+            </a:r>
+            <a:endParaRPr lang="en-US" dirty="0"/>
+          </a:p>
+        </p:txBody>
+      </p:sp>
+      <p:sp>
+        <p:nvSpPr>
+          <p:cNvPr id="18" name="Rectangle 17"/>
+          <p:cNvSpPr/>
+          <p:nvPr/>
+        </p:nvSpPr>
+        <p:spPr>
+          <a:xfrm>
+            <a:off x="1143000" y="3009900"/>
+            <a:ext cx="5410200" cy="609600"/>
+          </a:xfrm>
+          <a:prstGeom prst="rect">
+            <a:avLst/>
+          </a:prstGeom>
+        </p:spPr>
+        <p:style>
+          <a:lnRef idx="2">
+            <a:schemeClr val="accent1">
+              <a:shade val="50000"/>
+            </a:schemeClr>
+          </a:lnRef>
+          <a:fillRef idx="1">
+            <a:schemeClr val="accent1"/>
+          </a:fillRef>
+          <a:effectRef idx="0">
+            <a:schemeClr val="accent1"/>
+          </a:effectRef>
+          <a:fontRef idx="minor">
+            <a:schemeClr val="lt1"/>
+          </a:fontRef>
+        </p:style>
+        <p:txBody>
+          <a:bodyPr rtlCol="0" anchor="ctr"/>
+          <a:lstStyle/>
+          <a:p>
+            <a:pPr algn="ctr"/>
+            <a:r>
+              <a:rPr lang="en-US" dirty="0" smtClean="0"/>
+              <a:t>/</a:t>
+            </a:r>
+            <a:r>
+              <a:rPr lang="en-US" dirty="0" err="1" smtClean="0"/>
+              <a:t>mnt</a:t>
+            </a:r>
+            <a:r>
+              <a:rPr lang="en-US" dirty="0" smtClean="0"/>
+              <a:t>/data</a:t>
+            </a:r>
+            <a:endParaRPr lang="en-US" dirty="0"/>
+          </a:p>
+        </p:txBody>
+      </p:sp>
+      <p:sp>
+        <p:nvSpPr>
+          <p:cNvPr id="19" name="Rectangle 18"/>
+          <p:cNvSpPr/>
+          <p:nvPr/>
+        </p:nvSpPr>
+        <p:spPr>
+          <a:xfrm>
+            <a:off x="1524000" y="3086100"/>
+            <a:ext cx="1295400" cy="381000"/>
+          </a:xfrm>
+          <a:prstGeom prst="rect">
+            <a:avLst/>
+          </a:prstGeom>
+        </p:spPr>
+        <p:style>
+          <a:lnRef idx="2">
+            <a:schemeClr val="accent1">
+              <a:shade val="50000"/>
+            </a:schemeClr>
+          </a:lnRef>
+          <a:fillRef idx="1">
+            <a:schemeClr val="accent1"/>
+          </a:fillRef>
+          <a:effectRef idx="0">
+            <a:schemeClr val="accent1"/>
+          </a:effectRef>
+          <a:fontRef idx="minor">
+            <a:schemeClr val="lt1"/>
+          </a:fontRef>
+        </p:style>
+        <p:txBody>
+          <a:bodyPr rtlCol="0" anchor="ctr"/>
+          <a:lstStyle/>
+          <a:p>
+            <a:pPr algn="ctr"/>
+            <a:r>
+              <a:rPr lang="en-US" dirty="0" smtClean="0"/>
+              <a:t>PV1: 1GB</a:t>
+            </a:r>
+            <a:endParaRPr lang="en-US" dirty="0"/>
+          </a:p>
+        </p:txBody>
+      </p:sp>
+      <p:sp>
+        <p:nvSpPr>
+          <p:cNvPr id="20" name="Rectangle 19"/>
+          <p:cNvSpPr/>
+          <p:nvPr/>
+        </p:nvSpPr>
+        <p:spPr>
+          <a:xfrm>
+            <a:off x="4724400" y="3086100"/>
+            <a:ext cx="1295400" cy="381000"/>
+          </a:xfrm>
+          <a:prstGeom prst="rect">
+            <a:avLst/>
+          </a:prstGeom>
+        </p:spPr>
+        <p:style>
+          <a:lnRef idx="2">
+            <a:schemeClr val="accent1">
+              <a:shade val="50000"/>
+            </a:schemeClr>
+          </a:lnRef>
+          <a:fillRef idx="1">
+            <a:schemeClr val="accent1"/>
+          </a:fillRef>
+          <a:effectRef idx="0">
+            <a:schemeClr val="accent1"/>
+          </a:effectRef>
+          <a:fontRef idx="minor">
+            <a:schemeClr val="lt1"/>
+          </a:fontRef>
+        </p:style>
+        <p:txBody>
+          <a:bodyPr rtlCol="0" anchor="ctr"/>
+          <a:lstStyle/>
+          <a:p>
+            <a:pPr algn="ctr"/>
+            <a:r>
+              <a:rPr lang="en-US" dirty="0" smtClean="0"/>
+              <a:t>PV2: 2GB</a:t>
+            </a:r>
+            <a:endParaRPr lang="en-US" dirty="0"/>
+          </a:p>
+        </p:txBody>
+      </p:sp>
+      <p:sp>
+        <p:nvSpPr>
+          <p:cNvPr id="21" name="Rectangle 20"/>
+          <p:cNvSpPr/>
+          <p:nvPr/>
+        </p:nvSpPr>
+        <p:spPr>
+          <a:xfrm>
+            <a:off x="3048000" y="2628900"/>
+            <a:ext cx="1066800" cy="304800"/>
+          </a:xfrm>
+          <a:prstGeom prst="rect">
+            <a:avLst/>
+          </a:prstGeom>
+        </p:spPr>
+        <p:style>
+          <a:lnRef idx="2">
+            <a:schemeClr val="accent1">
+              <a:shade val="50000"/>
+            </a:schemeClr>
+          </a:lnRef>
+          <a:fillRef idx="1">
+            <a:schemeClr val="accent1"/>
+          </a:fillRef>
+          <a:effectRef idx="0">
+            <a:schemeClr val="accent1"/>
+          </a:effectRef>
+          <a:fontRef idx="minor">
+            <a:schemeClr val="lt1"/>
+          </a:fontRef>
+        </p:style>
+        <p:txBody>
+          <a:bodyPr rtlCol="0" anchor="ctr"/>
+          <a:lstStyle/>
+          <a:p>
+            <a:pPr algn="ctr"/>
+            <a:r>
+              <a:rPr lang="en-US" dirty="0" smtClean="0"/>
+              <a:t>PVC1:1G</a:t>
+            </a:r>
+            <a:endParaRPr lang="en-US" dirty="0"/>
+          </a:p>
+        </p:txBody>
+      </p:sp>
+      <p:cxnSp>
+        <p:nvCxnSpPr>
+          <p:cNvPr id="23" name="Straight Arrow Connector 22"/>
+          <p:cNvCxnSpPr>
+            <a:stCxn id="21" idx="1"/>
+            <a:endCxn id="19" idx="3"/>
+          </p:cNvCxnSpPr>
+          <p:nvPr/>
+        </p:nvCxnSpPr>
+        <p:spPr>
+          <a:xfrm flipH="1">
+            <a:off x="2819400" y="2781300"/>
+            <a:ext cx="228600" cy="495300"/>
+          </a:xfrm>
+          <a:prstGeom prst="straightConnector1">
+            <a:avLst/>
+          </a:prstGeom>
+          <a:ln>
+            <a:solidFill>
+              <a:srgbClr val="FF0000"/>
+            </a:solidFill>
+            <a:headEnd type="arrow"/>
+            <a:tailEnd type="arrow"/>
+          </a:ln>
+        </p:spPr>
+        <p:style>
+          <a:lnRef idx="1">
+            <a:schemeClr val="accent1"/>
+          </a:lnRef>
+          <a:fillRef idx="0">
+            <a:schemeClr val="accent1"/>
+          </a:fillRef>
+          <a:effectRef idx="0">
+            <a:schemeClr val="accent1"/>
+          </a:effectRef>
+          <a:fontRef idx="minor">
+            <a:schemeClr val="tx1"/>
+          </a:fontRef>
+        </p:style>
+      </p:cxnSp>
+      <p:cxnSp>
+        <p:nvCxnSpPr>
+          <p:cNvPr id="26" name="Straight Arrow Connector 25"/>
+          <p:cNvCxnSpPr>
+            <a:stCxn id="4" idx="4"/>
+            <a:endCxn id="21" idx="0"/>
+          </p:cNvCxnSpPr>
+          <p:nvPr/>
+        </p:nvCxnSpPr>
+        <p:spPr>
+          <a:xfrm flipH="1">
+            <a:off x="3581400" y="1638300"/>
+            <a:ext cx="1905000" cy="990600"/>
+          </a:xfrm>
+          <a:prstGeom prst="straightConnector1">
+            <a:avLst/>
+          </a:prstGeom>
+          <a:ln>
+            <a:headEnd type="arrow"/>
+            <a:tailEnd type="arrow"/>
+          </a:ln>
+        </p:spPr>
+        <p:style>
+          <a:lnRef idx="1">
+            <a:schemeClr val="accent1"/>
+          </a:lnRef>
+          <a:fillRef idx="0">
+            <a:schemeClr val="accent1"/>
+          </a:fillRef>
+          <a:effectRef idx="0">
+            <a:schemeClr val="accent1"/>
+          </a:effectRef>
+          <a:fontRef idx="minor">
+            <a:schemeClr val="tx1"/>
+          </a:fontRef>
+        </p:style>
+      </p:cxnSp>
+    </p:spTree>
+  </p:cSld>
+  <p:clrMapOvr>
+    <a:masterClrMapping/>
+  </p:clrMapOvr>
+</p:sld>
+</file>
+
+<file path=ppt/slides/slide23.xml><?xml version="1.0" encoding="utf-8"?>
+<p:sld xmlns:a="http://schemas.openxmlformats.org/drawingml/2006/main" xmlns:r="http://schemas.openxmlformats.org/officeDocument/2006/relationships" xmlns:p="http://schemas.openxmlformats.org/presentationml/2006/main">
+  <p:cSld>
+    <p:spTree>
+      <p:nvGrpSpPr>
+        <p:cNvPr id="1" name=""/>
+        <p:cNvGrpSpPr/>
+        <p:nvPr/>
+      </p:nvGrpSpPr>
+      <p:grpSpPr>
+        <a:xfrm>
+          <a:off x="0" y="0"/>
+          <a:ext cx="0" cy="0"/>
+          <a:chOff x="0" y="0"/>
+          <a:chExt cx="0" cy="0"/>
+        </a:xfrm>
+      </p:grpSpPr>
+      <p:sp>
+        <p:nvSpPr>
+          <p:cNvPr id="2" name="Oval 1"/>
+          <p:cNvSpPr/>
+          <p:nvPr/>
+        </p:nvSpPr>
+        <p:spPr>
+          <a:xfrm>
+            <a:off x="4038600" y="2628900"/>
+            <a:ext cx="838200" cy="762000"/>
+          </a:xfrm>
+          <a:prstGeom prst="ellipse">
+            <a:avLst/>
+          </a:prstGeom>
+          <a:noFill/>
+        </p:spPr>
+        <p:style>
+          <a:lnRef idx="2">
+            <a:schemeClr val="accent1">
+              <a:shade val="50000"/>
+            </a:schemeClr>
+          </a:lnRef>
+          <a:fillRef idx="1">
+            <a:schemeClr val="accent1"/>
+          </a:fillRef>
+          <a:effectRef idx="0">
+            <a:schemeClr val="accent1"/>
+          </a:effectRef>
+          <a:fontRef idx="minor">
+            <a:schemeClr val="lt1"/>
+          </a:fontRef>
+        </p:style>
+        <p:txBody>
+          <a:bodyPr rtlCol="0" anchor="ctr"/>
+          <a:lstStyle/>
+          <a:p>
+            <a:pPr algn="ctr"/>
+            <a:endParaRPr lang="en-US"/>
+          </a:p>
+        </p:txBody>
+      </p:sp>
+      <p:cxnSp>
+        <p:nvCxnSpPr>
+          <p:cNvPr id="4" name="Straight Arrow Connector 3"/>
+          <p:cNvCxnSpPr>
+            <a:stCxn id="2" idx="6"/>
+          </p:cNvCxnSpPr>
+          <p:nvPr/>
+        </p:nvCxnSpPr>
+        <p:spPr>
+          <a:xfrm>
+            <a:off x="4876800" y="3009900"/>
+            <a:ext cx="1524000" cy="0"/>
+          </a:xfrm>
+          <a:prstGeom prst="straightConnector1">
+            <a:avLst/>
+          </a:prstGeom>
+          <a:ln>
+            <a:tailEnd type="arrow"/>
+          </a:ln>
+        </p:spPr>
+        <p:style>
+          <a:lnRef idx="1">
+            <a:schemeClr val="accent1"/>
+          </a:lnRef>
+          <a:fillRef idx="0">
+            <a:schemeClr val="accent1"/>
+          </a:fillRef>
+          <a:effectRef idx="0">
+            <a:schemeClr val="accent1"/>
+          </a:effectRef>
+          <a:fontRef idx="minor">
+            <a:schemeClr val="tx1"/>
+          </a:fontRef>
+        </p:style>
+      </p:cxnSp>
+      <p:sp>
+        <p:nvSpPr>
+          <p:cNvPr id="5" name="TextBox 4"/>
+          <p:cNvSpPr txBox="1"/>
+          <p:nvPr/>
+        </p:nvSpPr>
+        <p:spPr>
+          <a:xfrm>
+            <a:off x="4038600" y="2857500"/>
+            <a:ext cx="879856" cy="307777"/>
+          </a:xfrm>
+          <a:prstGeom prst="rect">
+            <a:avLst/>
+          </a:prstGeom>
+          <a:noFill/>
+        </p:spPr>
+        <p:txBody>
+          <a:bodyPr wrap="none" rtlCol="0">
+            <a:spAutoFit/>
+          </a:bodyPr>
+          <a:lstStyle/>
+          <a:p>
+            <a:r>
+              <a:rPr lang="en-US" sz="1400" dirty="0" smtClean="0"/>
+              <a:t>container</a:t>
+            </a:r>
+            <a:endParaRPr lang="en-US" dirty="0"/>
+          </a:p>
+        </p:txBody>
+      </p:sp>
+      <p:sp>
+        <p:nvSpPr>
+          <p:cNvPr id="6" name="TextBox 5"/>
+          <p:cNvSpPr txBox="1"/>
+          <p:nvPr/>
+        </p:nvSpPr>
+        <p:spPr>
+          <a:xfrm>
+            <a:off x="6400800" y="2869168"/>
+            <a:ext cx="3207417" cy="369332"/>
+          </a:xfrm>
+          <a:prstGeom prst="rect">
+            <a:avLst/>
+          </a:prstGeom>
+          <a:noFill/>
+        </p:spPr>
+        <p:txBody>
+          <a:bodyPr wrap="none" rtlCol="0">
+            <a:spAutoFit/>
+          </a:bodyPr>
+          <a:lstStyle/>
+          <a:p>
+            <a:r>
+              <a:rPr lang="en-US" dirty="0" smtClean="0"/>
+              <a:t>Image dev/application dev team</a:t>
+            </a:r>
+            <a:endParaRPr lang="en-US" dirty="0"/>
+          </a:p>
+        </p:txBody>
+      </p:sp>
+      <p:sp>
+        <p:nvSpPr>
+          <p:cNvPr id="7" name="Oval 6"/>
+          <p:cNvSpPr/>
+          <p:nvPr/>
+        </p:nvSpPr>
+        <p:spPr>
+          <a:xfrm>
+            <a:off x="3505200" y="2324100"/>
+            <a:ext cx="1828800" cy="1447800"/>
+          </a:xfrm>
+          <a:prstGeom prst="ellipse">
+            <a:avLst/>
+          </a:prstGeom>
+          <a:noFill/>
+        </p:spPr>
+        <p:style>
+          <a:lnRef idx="2">
+            <a:schemeClr val="accent1">
+              <a:shade val="50000"/>
+            </a:schemeClr>
+          </a:lnRef>
+          <a:fillRef idx="1">
+            <a:schemeClr val="accent1"/>
+          </a:fillRef>
+          <a:effectRef idx="0">
+            <a:schemeClr val="accent1"/>
+          </a:effectRef>
+          <a:fontRef idx="minor">
+            <a:schemeClr val="lt1"/>
+          </a:fontRef>
+        </p:style>
+        <p:txBody>
+          <a:bodyPr rtlCol="0" anchor="ctr"/>
+          <a:lstStyle/>
+          <a:p>
+            <a:pPr algn="ctr"/>
+            <a:endParaRPr lang="en-US" dirty="0"/>
+          </a:p>
+        </p:txBody>
+      </p:sp>
+      <p:sp>
+        <p:nvSpPr>
+          <p:cNvPr id="8" name="TextBox 7"/>
+          <p:cNvSpPr txBox="1"/>
+          <p:nvPr/>
+        </p:nvSpPr>
+        <p:spPr>
+          <a:xfrm>
+            <a:off x="4267200" y="2247900"/>
+            <a:ext cx="550151" cy="369332"/>
+          </a:xfrm>
+          <a:prstGeom prst="rect">
+            <a:avLst/>
+          </a:prstGeom>
+          <a:noFill/>
+        </p:spPr>
+        <p:txBody>
+          <a:bodyPr wrap="none" rtlCol="0">
+            <a:spAutoFit/>
+          </a:bodyPr>
+          <a:lstStyle/>
+          <a:p>
+            <a:r>
+              <a:rPr lang="en-US" dirty="0" smtClean="0"/>
+              <a:t>pod</a:t>
+            </a:r>
+            <a:endParaRPr lang="en-US" dirty="0"/>
+          </a:p>
+        </p:txBody>
+      </p:sp>
+      <p:cxnSp>
+        <p:nvCxnSpPr>
+          <p:cNvPr id="10" name="Straight Arrow Connector 9"/>
+          <p:cNvCxnSpPr>
+            <a:stCxn id="8" idx="3"/>
+          </p:cNvCxnSpPr>
+          <p:nvPr/>
+        </p:nvCxnSpPr>
+        <p:spPr>
+          <a:xfrm flipV="1">
+            <a:off x="4817351" y="2400300"/>
+            <a:ext cx="1583449" cy="32266"/>
+          </a:xfrm>
+          <a:prstGeom prst="straightConnector1">
+            <a:avLst/>
+          </a:prstGeom>
+          <a:ln>
+            <a:tailEnd type="arrow"/>
+          </a:ln>
+        </p:spPr>
+        <p:style>
+          <a:lnRef idx="1">
+            <a:schemeClr val="accent1"/>
+          </a:lnRef>
+          <a:fillRef idx="0">
+            <a:schemeClr val="accent1"/>
+          </a:fillRef>
+          <a:effectRef idx="0">
+            <a:schemeClr val="accent1"/>
+          </a:effectRef>
+          <a:fontRef idx="minor">
+            <a:schemeClr val="tx1"/>
+          </a:fontRef>
+        </p:style>
+      </p:cxnSp>
+      <p:sp>
+        <p:nvSpPr>
+          <p:cNvPr id="11" name="TextBox 10"/>
+          <p:cNvSpPr txBox="1"/>
+          <p:nvPr/>
+        </p:nvSpPr>
+        <p:spPr>
+          <a:xfrm>
+            <a:off x="6553200" y="2247900"/>
+            <a:ext cx="2423356" cy="369332"/>
+          </a:xfrm>
+          <a:prstGeom prst="rect">
+            <a:avLst/>
+          </a:prstGeom>
+          <a:noFill/>
+        </p:spPr>
+        <p:txBody>
+          <a:bodyPr wrap="none" rtlCol="0">
+            <a:spAutoFit/>
+          </a:bodyPr>
+          <a:lstStyle/>
+          <a:p>
+            <a:r>
+              <a:rPr lang="en-US" dirty="0" smtClean="0"/>
+              <a:t>Build and release teams</a:t>
+            </a:r>
+            <a:endParaRPr lang="en-US" dirty="0"/>
+          </a:p>
+        </p:txBody>
+      </p:sp>
+      <p:sp>
+        <p:nvSpPr>
+          <p:cNvPr id="12" name="Oval 11"/>
+          <p:cNvSpPr/>
+          <p:nvPr/>
+        </p:nvSpPr>
+        <p:spPr>
+          <a:xfrm>
+            <a:off x="2971800" y="1943100"/>
+            <a:ext cx="2743200" cy="2133600"/>
+          </a:xfrm>
+          <a:prstGeom prst="ellipse">
+            <a:avLst/>
+          </a:prstGeom>
+          <a:noFill/>
+        </p:spPr>
+        <p:style>
+          <a:lnRef idx="2">
+            <a:schemeClr val="accent1">
+              <a:shade val="50000"/>
+            </a:schemeClr>
+          </a:lnRef>
+          <a:fillRef idx="1">
+            <a:schemeClr val="accent1"/>
+          </a:fillRef>
+          <a:effectRef idx="0">
+            <a:schemeClr val="accent1"/>
+          </a:effectRef>
+          <a:fontRef idx="minor">
+            <a:schemeClr val="lt1"/>
+          </a:fontRef>
+        </p:style>
+        <p:txBody>
+          <a:bodyPr rtlCol="0" anchor="ctr"/>
+          <a:lstStyle/>
+          <a:p>
+            <a:pPr algn="ctr"/>
+            <a:endParaRPr lang="en-US" dirty="0"/>
+          </a:p>
+        </p:txBody>
+      </p:sp>
+      <p:sp>
+        <p:nvSpPr>
+          <p:cNvPr id="13" name="TextBox 12"/>
+          <p:cNvSpPr txBox="1"/>
+          <p:nvPr/>
+        </p:nvSpPr>
+        <p:spPr>
+          <a:xfrm>
+            <a:off x="3352800" y="1878568"/>
+            <a:ext cx="2467278" cy="369332"/>
+          </a:xfrm>
+          <a:prstGeom prst="rect">
+            <a:avLst/>
+          </a:prstGeom>
+          <a:noFill/>
+        </p:spPr>
+        <p:txBody>
+          <a:bodyPr wrap="none" rtlCol="0">
+            <a:spAutoFit/>
+          </a:bodyPr>
+          <a:lstStyle/>
+          <a:p>
+            <a:r>
+              <a:rPr lang="en-US" dirty="0" smtClean="0"/>
+              <a:t>Pod-to-pod </a:t>
+            </a:r>
+            <a:r>
+              <a:rPr lang="en-US" dirty="0" err="1" smtClean="0"/>
+              <a:t>comm</a:t>
+            </a:r>
+            <a:r>
+              <a:rPr lang="en-US" dirty="0" smtClean="0"/>
+              <a:t> down</a:t>
+            </a:r>
+            <a:endParaRPr lang="en-US" dirty="0"/>
+          </a:p>
+        </p:txBody>
+      </p:sp>
+      <p:cxnSp>
+        <p:nvCxnSpPr>
+          <p:cNvPr id="15" name="Straight Arrow Connector 14"/>
+          <p:cNvCxnSpPr>
+            <a:stCxn id="13" idx="3"/>
+          </p:cNvCxnSpPr>
+          <p:nvPr/>
+        </p:nvCxnSpPr>
+        <p:spPr>
+          <a:xfrm>
+            <a:off x="5820078" y="2063234"/>
+            <a:ext cx="580722" cy="32266"/>
+          </a:xfrm>
+          <a:prstGeom prst="straightConnector1">
+            <a:avLst/>
+          </a:prstGeom>
+          <a:ln>
+            <a:tailEnd type="arrow"/>
+          </a:ln>
+        </p:spPr>
+        <p:style>
+          <a:lnRef idx="1">
+            <a:schemeClr val="accent1"/>
+          </a:lnRef>
+          <a:fillRef idx="0">
+            <a:schemeClr val="accent1"/>
+          </a:fillRef>
+          <a:effectRef idx="0">
+            <a:schemeClr val="accent1"/>
+          </a:effectRef>
+          <a:fontRef idx="minor">
+            <a:schemeClr val="tx1"/>
+          </a:fontRef>
+        </p:style>
+      </p:cxnSp>
+      <p:sp>
+        <p:nvSpPr>
+          <p:cNvPr id="16" name="TextBox 15"/>
+          <p:cNvSpPr txBox="1"/>
+          <p:nvPr/>
+        </p:nvSpPr>
+        <p:spPr>
+          <a:xfrm>
+            <a:off x="6553200" y="1866900"/>
+            <a:ext cx="1156086" cy="369332"/>
+          </a:xfrm>
+          <a:prstGeom prst="rect">
+            <a:avLst/>
+          </a:prstGeom>
+          <a:noFill/>
+        </p:spPr>
+        <p:txBody>
+          <a:bodyPr wrap="none" rtlCol="0">
+            <a:spAutoFit/>
+          </a:bodyPr>
+          <a:lstStyle/>
+          <a:p>
+            <a:r>
+              <a:rPr lang="en-US" dirty="0" smtClean="0"/>
+              <a:t>K8s admin</a:t>
+            </a:r>
+            <a:endParaRPr lang="en-US" dirty="0"/>
+          </a:p>
+        </p:txBody>
+      </p:sp>
+      <p:sp>
+        <p:nvSpPr>
+          <p:cNvPr id="17" name="Rectangle 16"/>
+          <p:cNvSpPr/>
+          <p:nvPr/>
+        </p:nvSpPr>
+        <p:spPr>
+          <a:xfrm>
+            <a:off x="2590800" y="1257300"/>
+            <a:ext cx="3352800" cy="3048000"/>
+          </a:xfrm>
+          <a:prstGeom prst="rect">
+            <a:avLst/>
+          </a:prstGeom>
+          <a:noFill/>
+        </p:spPr>
+        <p:style>
+          <a:lnRef idx="2">
+            <a:schemeClr val="accent1">
+              <a:shade val="50000"/>
+            </a:schemeClr>
+          </a:lnRef>
+          <a:fillRef idx="1">
+            <a:schemeClr val="accent1"/>
+          </a:fillRef>
+          <a:effectRef idx="0">
+            <a:schemeClr val="accent1"/>
+          </a:effectRef>
+          <a:fontRef idx="minor">
+            <a:schemeClr val="lt1"/>
+          </a:fontRef>
+        </p:style>
+        <p:txBody>
+          <a:bodyPr rtlCol="0" anchor="ctr"/>
+          <a:lstStyle/>
+          <a:p>
+            <a:pPr algn="ctr"/>
+            <a:endParaRPr lang="en-US"/>
+          </a:p>
+        </p:txBody>
+      </p:sp>
+      <p:sp>
+        <p:nvSpPr>
+          <p:cNvPr id="18" name="TextBox 17"/>
+          <p:cNvSpPr txBox="1"/>
+          <p:nvPr/>
+        </p:nvSpPr>
+        <p:spPr>
+          <a:xfrm>
+            <a:off x="4572000" y="1104900"/>
+            <a:ext cx="665567" cy="369332"/>
+          </a:xfrm>
+          <a:prstGeom prst="rect">
+            <a:avLst/>
+          </a:prstGeom>
+          <a:noFill/>
+        </p:spPr>
+        <p:txBody>
+          <a:bodyPr wrap="none" rtlCol="0">
+            <a:spAutoFit/>
+          </a:bodyPr>
+          <a:lstStyle/>
+          <a:p>
+            <a:r>
+              <a:rPr lang="en-US" dirty="0" smtClean="0"/>
+              <a:t>node</a:t>
+            </a:r>
+            <a:endParaRPr lang="en-US" dirty="0"/>
+          </a:p>
+        </p:txBody>
+      </p:sp>
+      <p:cxnSp>
+        <p:nvCxnSpPr>
+          <p:cNvPr id="20" name="Straight Arrow Connector 19"/>
+          <p:cNvCxnSpPr/>
+          <p:nvPr/>
+        </p:nvCxnSpPr>
+        <p:spPr>
+          <a:xfrm flipV="1">
+            <a:off x="5943600" y="1333500"/>
+            <a:ext cx="914400" cy="76200"/>
+          </a:xfrm>
+          <a:prstGeom prst="straightConnector1">
+            <a:avLst/>
+          </a:prstGeom>
+          <a:ln>
+            <a:tailEnd type="arrow"/>
+          </a:ln>
+        </p:spPr>
+        <p:style>
+          <a:lnRef idx="1">
+            <a:schemeClr val="accent1"/>
+          </a:lnRef>
+          <a:fillRef idx="0">
+            <a:schemeClr val="accent1"/>
+          </a:fillRef>
+          <a:effectRef idx="0">
+            <a:schemeClr val="accent1"/>
+          </a:effectRef>
+          <a:fontRef idx="minor">
+            <a:schemeClr val="tx1"/>
+          </a:fontRef>
+        </p:style>
+      </p:cxnSp>
+      <p:sp>
+        <p:nvSpPr>
+          <p:cNvPr id="21" name="TextBox 20"/>
+          <p:cNvSpPr txBox="1"/>
+          <p:nvPr/>
+        </p:nvSpPr>
+        <p:spPr>
+          <a:xfrm>
+            <a:off x="6781800" y="1181100"/>
+            <a:ext cx="2471382" cy="369332"/>
+          </a:xfrm>
+          <a:prstGeom prst="rect">
+            <a:avLst/>
+          </a:prstGeom>
+          <a:noFill/>
+        </p:spPr>
+        <p:txBody>
+          <a:bodyPr wrap="none" rtlCol="0">
+            <a:spAutoFit/>
+          </a:bodyPr>
+          <a:lstStyle/>
+          <a:p>
+            <a:r>
+              <a:rPr lang="en-US" dirty="0" smtClean="0"/>
+              <a:t>Cloud / sys admin teams</a:t>
+            </a:r>
+            <a:endParaRPr lang="en-US" dirty="0"/>
+          </a:p>
+        </p:txBody>
+      </p:sp>
+    </p:spTree>
+  </p:cSld>
+  <p:clrMapOvr>
+    <a:masterClrMapping/>
+  </p:clrMapOvr>
 </p:sld>
 </file>
 
